--- a/FinalProjectProposal.pptx
+++ b/FinalProjectProposal.pptx
@@ -1,40 +1,26 @@
 
 <file path=ppt/presentation.xml><?xml version="1.0" encoding="utf-8"?>
-<p:presentation xmlns:a="http://schemas.openxmlformats.org/drawingml/2006/main" xmlns:r="http://schemas.openxmlformats.org/officeDocument/2006/relationships" xmlns:mc="http://schemas.openxmlformats.org/markup-compatibility/2006" xmlns:mv="urn:schemas-microsoft-com:mac:vml" xmlns:p="http://schemas.openxmlformats.org/presentationml/2006/main" xmlns:c="http://schemas.openxmlformats.org/drawingml/2006/chart" xmlns:dgm="http://schemas.openxmlformats.org/drawingml/2006/diagram" xmlns:o="urn:schemas-microsoft-com:office:office" xmlns:v="urn:schemas-microsoft-com:vml" xmlns:pvml="urn:schemas-microsoft-com:office:powerpoint" xmlns:com="http://schemas.openxmlformats.org/drawingml/2006/compatibility" xmlns:p14="http://schemas.microsoft.com/office/powerpoint/2010/main" xmlns:p15="http://schemas.microsoft.com/office/powerpoint/2012/main" autoCompressPictures="0" embedTrueTypeFonts="1" strictFirstAndLastChars="0" saveSubsetFonts="1">
+<p:presentation xmlns:a="http://schemas.openxmlformats.org/drawingml/2006/main" xmlns:r="http://schemas.openxmlformats.org/officeDocument/2006/relationships" xmlns:p="http://schemas.openxmlformats.org/presentationml/2006/main" strictFirstAndLastChars="0" saveSubsetFonts="1" autoCompressPictures="0">
   <p:sldMasterIdLst>
-    <p:sldMasterId id="2147483659" r:id="rId3"/>
+    <p:sldMasterId id="2147483659" r:id="rId1"/>
   </p:sldMasterIdLst>
   <p:notesMasterIdLst>
-    <p:notesMasterId r:id="rId4"/>
+    <p:notesMasterId r:id="rId10"/>
   </p:notesMasterIdLst>
   <p:sldIdLst>
-    <p:sldId id="256" r:id="rId5"/>
-    <p:sldId id="257" r:id="rId6"/>
-    <p:sldId id="258" r:id="rId7"/>
-    <p:sldId id="259" r:id="rId8"/>
-    <p:sldId id="260" r:id="rId9"/>
-    <p:sldId id="261" r:id="rId10"/>
-    <p:sldId id="262" r:id="rId11"/>
-    <p:sldId id="263" r:id="rId12"/>
+    <p:sldId id="256" r:id="rId2"/>
+    <p:sldId id="257" r:id="rId3"/>
+    <p:sldId id="258" r:id="rId4"/>
+    <p:sldId id="259" r:id="rId5"/>
+    <p:sldId id="260" r:id="rId6"/>
+    <p:sldId id="261" r:id="rId7"/>
+    <p:sldId id="262" r:id="rId8"/>
+    <p:sldId id="263" r:id="rId9"/>
   </p:sldIdLst>
-  <p:sldSz cy="5143500" cx="9144000"/>
+  <p:sldSz cx="9144000" cy="5143500" type="screen16x9"/>
   <p:notesSz cx="6858000" cy="9144000"/>
-  <p:embeddedFontLst>
-    <p:embeddedFont>
-      <p:font typeface="PT Sans Narrow"/>
-      <p:regular r:id="rId13"/>
-      <p:bold r:id="rId14"/>
-    </p:embeddedFont>
-    <p:embeddedFont>
-      <p:font typeface="Open Sans"/>
-      <p:regular r:id="rId15"/>
-      <p:bold r:id="rId16"/>
-      <p:italic r:id="rId17"/>
-      <p:boldItalic r:id="rId18"/>
-    </p:embeddedFont>
-  </p:embeddedFontLst>
   <p:defaultTextStyle>
-    <a:defPPr lvl="0" marR="0" rtl="0" algn="l">
+    <a:defPPr marR="0" lvl="0" algn="l" rtl="0">
       <a:lnSpc>
         <a:spcPct val="100000"/>
       </a:lnSpc>
@@ -45,7 +31,7 @@
         <a:spcPts val="0"/>
       </a:spcAft>
     </a:defPPr>
-    <a:lvl1pPr lvl="0" marR="0" rtl="0" algn="l">
+    <a:lvl1pPr marR="0" lvl="0" algn="l" rtl="0">
       <a:lnSpc>
         <a:spcPct val="100000"/>
       </a:lnSpc>
@@ -56,7 +42,7 @@
         <a:spcPts val="0"/>
       </a:spcAft>
       <a:buNone/>
-      <a:defRPr b="0" i="0" sz="1400" u="none" cap="none" strike="noStrike">
+      <a:defRPr sz="1400" b="0" i="0" u="none" strike="noStrike" cap="none">
         <a:solidFill>
           <a:srgbClr val="000000"/>
         </a:solidFill>
@@ -66,7 +52,7 @@
         <a:sym typeface="Arial"/>
       </a:defRPr>
     </a:lvl1pPr>
-    <a:lvl2pPr lvl="1" marR="0" rtl="0" algn="l">
+    <a:lvl2pPr marR="0" lvl="1" algn="l" rtl="0">
       <a:lnSpc>
         <a:spcPct val="100000"/>
       </a:lnSpc>
@@ -77,7 +63,7 @@
         <a:spcPts val="0"/>
       </a:spcAft>
       <a:buNone/>
-      <a:defRPr b="0" i="0" sz="1400" u="none" cap="none" strike="noStrike">
+      <a:defRPr sz="1400" b="0" i="0" u="none" strike="noStrike" cap="none">
         <a:solidFill>
           <a:srgbClr val="000000"/>
         </a:solidFill>
@@ -87,7 +73,7 @@
         <a:sym typeface="Arial"/>
       </a:defRPr>
     </a:lvl2pPr>
-    <a:lvl3pPr lvl="2" marR="0" rtl="0" algn="l">
+    <a:lvl3pPr marR="0" lvl="2" algn="l" rtl="0">
       <a:lnSpc>
         <a:spcPct val="100000"/>
       </a:lnSpc>
@@ -98,7 +84,7 @@
         <a:spcPts val="0"/>
       </a:spcAft>
       <a:buNone/>
-      <a:defRPr b="0" i="0" sz="1400" u="none" cap="none" strike="noStrike">
+      <a:defRPr sz="1400" b="0" i="0" u="none" strike="noStrike" cap="none">
         <a:solidFill>
           <a:srgbClr val="000000"/>
         </a:solidFill>
@@ -108,7 +94,7 @@
         <a:sym typeface="Arial"/>
       </a:defRPr>
     </a:lvl3pPr>
-    <a:lvl4pPr lvl="3" marR="0" rtl="0" algn="l">
+    <a:lvl4pPr marR="0" lvl="3" algn="l" rtl="0">
       <a:lnSpc>
         <a:spcPct val="100000"/>
       </a:lnSpc>
@@ -119,7 +105,7 @@
         <a:spcPts val="0"/>
       </a:spcAft>
       <a:buNone/>
-      <a:defRPr b="0" i="0" sz="1400" u="none" cap="none" strike="noStrike">
+      <a:defRPr sz="1400" b="0" i="0" u="none" strike="noStrike" cap="none">
         <a:solidFill>
           <a:srgbClr val="000000"/>
         </a:solidFill>
@@ -129,7 +115,7 @@
         <a:sym typeface="Arial"/>
       </a:defRPr>
     </a:lvl4pPr>
-    <a:lvl5pPr lvl="4" marR="0" rtl="0" algn="l">
+    <a:lvl5pPr marR="0" lvl="4" algn="l" rtl="0">
       <a:lnSpc>
         <a:spcPct val="100000"/>
       </a:lnSpc>
@@ -140,7 +126,7 @@
         <a:spcPts val="0"/>
       </a:spcAft>
       <a:buNone/>
-      <a:defRPr b="0" i="0" sz="1400" u="none" cap="none" strike="noStrike">
+      <a:defRPr sz="1400" b="0" i="0" u="none" strike="noStrike" cap="none">
         <a:solidFill>
           <a:srgbClr val="000000"/>
         </a:solidFill>
@@ -150,7 +136,7 @@
         <a:sym typeface="Arial"/>
       </a:defRPr>
     </a:lvl5pPr>
-    <a:lvl6pPr lvl="5" marR="0" rtl="0" algn="l">
+    <a:lvl6pPr marR="0" lvl="5" algn="l" rtl="0">
       <a:lnSpc>
         <a:spcPct val="100000"/>
       </a:lnSpc>
@@ -161,7 +147,7 @@
         <a:spcPts val="0"/>
       </a:spcAft>
       <a:buNone/>
-      <a:defRPr b="0" i="0" sz="1400" u="none" cap="none" strike="noStrike">
+      <a:defRPr sz="1400" b="0" i="0" u="none" strike="noStrike" cap="none">
         <a:solidFill>
           <a:srgbClr val="000000"/>
         </a:solidFill>
@@ -171,7 +157,7 @@
         <a:sym typeface="Arial"/>
       </a:defRPr>
     </a:lvl6pPr>
-    <a:lvl7pPr lvl="6" marR="0" rtl="0" algn="l">
+    <a:lvl7pPr marR="0" lvl="6" algn="l" rtl="0">
       <a:lnSpc>
         <a:spcPct val="100000"/>
       </a:lnSpc>
@@ -182,7 +168,7 @@
         <a:spcPts val="0"/>
       </a:spcAft>
       <a:buNone/>
-      <a:defRPr b="0" i="0" sz="1400" u="none" cap="none" strike="noStrike">
+      <a:defRPr sz="1400" b="0" i="0" u="none" strike="noStrike" cap="none">
         <a:solidFill>
           <a:srgbClr val="000000"/>
         </a:solidFill>
@@ -192,7 +178,7 @@
         <a:sym typeface="Arial"/>
       </a:defRPr>
     </a:lvl7pPr>
-    <a:lvl8pPr lvl="7" marR="0" rtl="0" algn="l">
+    <a:lvl8pPr marR="0" lvl="7" algn="l" rtl="0">
       <a:lnSpc>
         <a:spcPct val="100000"/>
       </a:lnSpc>
@@ -203,7 +189,7 @@
         <a:spcPts val="0"/>
       </a:spcAft>
       <a:buNone/>
-      <a:defRPr b="0" i="0" sz="1400" u="none" cap="none" strike="noStrike">
+      <a:defRPr sz="1400" b="0" i="0" u="none" strike="noStrike" cap="none">
         <a:solidFill>
           <a:srgbClr val="000000"/>
         </a:solidFill>
@@ -213,7 +199,7 @@
         <a:sym typeface="Arial"/>
       </a:defRPr>
     </a:lvl8pPr>
-    <a:lvl9pPr lvl="8" marR="0" rtl="0" algn="l">
+    <a:lvl9pPr marR="0" lvl="8" algn="l" rtl="0">
       <a:lnSpc>
         <a:spcPct val="100000"/>
       </a:lnSpc>
@@ -224,7 +210,7 @@
         <a:spcPts val="0"/>
       </a:spcAft>
       <a:buNone/>
-      <a:defRPr b="0" i="0" sz="1400" u="none" cap="none" strike="noStrike">
+      <a:defRPr sz="1400" b="0" i="0" u="none" strike="noStrike" cap="none">
         <a:solidFill>
           <a:srgbClr val="000000"/>
         </a:solidFill>
@@ -239,11 +225,16 @@
 </file>
 
 <file path=ppt/notesMasters/notesMaster1.xml><?xml version="1.0" encoding="utf-8"?>
-<p:notesMaster xmlns:a="http://schemas.openxmlformats.org/drawingml/2006/main" xmlns:r="http://schemas.openxmlformats.org/officeDocument/2006/relationships" xmlns:mc="http://schemas.openxmlformats.org/markup-compatibility/2006" xmlns:mv="urn:schemas-microsoft-com:mac:vml" xmlns:p="http://schemas.openxmlformats.org/presentationml/2006/main" xmlns:c="http://schemas.openxmlformats.org/drawingml/2006/chart" xmlns:dgm="http://schemas.openxmlformats.org/drawingml/2006/diagram" xmlns:o="urn:schemas-microsoft-com:office:office" xmlns:v="urn:schemas-microsoft-com:vml" xmlns:pvml="urn:schemas-microsoft-com:office:powerpoint" xmlns:com="http://schemas.openxmlformats.org/drawingml/2006/compatibility" xmlns:p14="http://schemas.microsoft.com/office/powerpoint/2010/main" xmlns:p15="http://schemas.microsoft.com/office/powerpoint/2012/main">
+<p:notesMaster xmlns:a="http://schemas.openxmlformats.org/drawingml/2006/main" xmlns:r="http://schemas.openxmlformats.org/officeDocument/2006/relationships" xmlns:p="http://schemas.openxmlformats.org/presentationml/2006/main">
   <p:cSld>
+    <p:bg>
+      <p:bgRef idx="1001">
+        <a:schemeClr val="bg1"/>
+      </p:bgRef>
+    </p:bg>
     <p:spTree>
       <p:nvGrpSpPr>
-        <p:cNvPr id="2" name="Shape 2"/>
+        <p:cNvPr id="1" name="Shape 2"/>
         <p:cNvGrpSpPr/>
         <p:nvPr/>
       </p:nvGrpSpPr>
@@ -258,9 +249,11 @@
       <p:sp>
         <p:nvSpPr>
           <p:cNvPr id="3" name="Shape 3"/>
-          <p:cNvSpPr/>
+          <p:cNvSpPr>
+            <a:spLocks noGrp="1" noRot="1" noChangeAspect="1"/>
+          </p:cNvSpPr>
           <p:nvPr>
-            <p:ph idx="2" type="sldImg"/>
+            <p:ph type="sldImg" idx="2"/>
           </p:nvPr>
         </p:nvSpPr>
         <p:spPr>
@@ -269,8 +262,13 @@
             <a:ext cx="6096075" cy="3429000"/>
           </a:xfrm>
           <a:custGeom>
+            <a:avLst/>
+            <a:gdLst/>
+            <a:ahLst/>
+            <a:cxnLst/>
+            <a:rect l="0" t="0" r="0" b="0"/>
             <a:pathLst>
-              <a:path extrusionOk="0" h="120000" w="120000">
+              <a:path w="120000" h="120000" extrusionOk="0">
                 <a:moveTo>
                   <a:pt x="0" y="0"/>
                 </a:moveTo>
@@ -288,23 +286,25 @@
             </a:pathLst>
           </a:custGeom>
           <a:noFill/>
-          <a:ln cap="flat" cmpd="sng" w="9525">
+          <a:ln w="9525" cap="flat" cmpd="sng">
             <a:solidFill>
               <a:srgbClr val="000000"/>
             </a:solidFill>
             <a:prstDash val="solid"/>
             <a:round/>
-            <a:headEnd len="med" w="med" type="none"/>
-            <a:tailEnd len="med" w="med" type="none"/>
+            <a:headEnd type="none" w="med" len="med"/>
+            <a:tailEnd type="none" w="med" len="med"/>
           </a:ln>
         </p:spPr>
       </p:sp>
       <p:sp>
         <p:nvSpPr>
           <p:cNvPr id="4" name="Shape 4"/>
-          <p:cNvSpPr txBox="1"/>
+          <p:cNvSpPr txBox="1">
+            <a:spLocks noGrp="1"/>
+          </p:cNvSpPr>
           <p:nvPr>
-            <p:ph idx="1" type="body"/>
+            <p:ph type="body" idx="1"/>
           </p:nvPr>
         </p:nvSpPr>
         <p:spPr>
@@ -321,7 +321,7 @@
           </a:ln>
         </p:spPr>
         <p:txBody>
-          <a:bodyPr anchorCtr="0" anchor="t" bIns="91425" lIns="91425" rIns="91425" wrap="square" tIns="91425"/>
+          <a:bodyPr wrap="square" lIns="91425" tIns="91425" rIns="91425" bIns="91425" anchor="t" anchorCtr="0"/>
           <a:lstStyle>
             <a:lvl1pPr lvl="0">
               <a:spcBef>
@@ -396,21 +396,115 @@
               <a:defRPr sz="1100"/>
             </a:lvl9pPr>
           </a:lstStyle>
-          <a:p/>
+          <a:p>
+            <a:endParaRPr/>
+          </a:p>
         </p:txBody>
       </p:sp>
     </p:spTree>
   </p:cSld>
-  <p:clrMap accent1="accent1" accent2="accent2" accent3="accent3" accent4="accent4" accent5="accent5" accent6="accent6" bg1="lt1" bg2="dk2" tx1="dk1" tx2="lt2" folHlink="folHlink" hlink="hlink"/>
+  <p:clrMap bg1="lt1" tx1="dk1" bg2="dk2" tx2="lt2" accent1="accent1" accent2="accent2" accent3="accent3" accent4="accent4" accent5="accent5" accent6="accent6" hlink="hlink" folHlink="folHlink"/>
+  <p:notesStyle>
+    <a:lvl1pPr marL="0" algn="l" defTabSz="914400" rtl="0" eaLnBrk="1" latinLnBrk="0" hangingPunct="1">
+      <a:defRPr sz="1200" kern="1200">
+        <a:solidFill>
+          <a:schemeClr val="tx1"/>
+        </a:solidFill>
+        <a:latin typeface="+mn-lt"/>
+        <a:ea typeface="+mn-ea"/>
+        <a:cs typeface="+mn-cs"/>
+      </a:defRPr>
+    </a:lvl1pPr>
+    <a:lvl2pPr marL="457200" algn="l" defTabSz="914400" rtl="0" eaLnBrk="1" latinLnBrk="0" hangingPunct="1">
+      <a:defRPr sz="1200" kern="1200">
+        <a:solidFill>
+          <a:schemeClr val="tx1"/>
+        </a:solidFill>
+        <a:latin typeface="+mn-lt"/>
+        <a:ea typeface="+mn-ea"/>
+        <a:cs typeface="+mn-cs"/>
+      </a:defRPr>
+    </a:lvl2pPr>
+    <a:lvl3pPr marL="914400" algn="l" defTabSz="914400" rtl="0" eaLnBrk="1" latinLnBrk="0" hangingPunct="1">
+      <a:defRPr sz="1200" kern="1200">
+        <a:solidFill>
+          <a:schemeClr val="tx1"/>
+        </a:solidFill>
+        <a:latin typeface="+mn-lt"/>
+        <a:ea typeface="+mn-ea"/>
+        <a:cs typeface="+mn-cs"/>
+      </a:defRPr>
+    </a:lvl3pPr>
+    <a:lvl4pPr marL="1371600" algn="l" defTabSz="914400" rtl="0" eaLnBrk="1" latinLnBrk="0" hangingPunct="1">
+      <a:defRPr sz="1200" kern="1200">
+        <a:solidFill>
+          <a:schemeClr val="tx1"/>
+        </a:solidFill>
+        <a:latin typeface="+mn-lt"/>
+        <a:ea typeface="+mn-ea"/>
+        <a:cs typeface="+mn-cs"/>
+      </a:defRPr>
+    </a:lvl4pPr>
+    <a:lvl5pPr marL="1828800" algn="l" defTabSz="914400" rtl="0" eaLnBrk="1" latinLnBrk="0" hangingPunct="1">
+      <a:defRPr sz="1200" kern="1200">
+        <a:solidFill>
+          <a:schemeClr val="tx1"/>
+        </a:solidFill>
+        <a:latin typeface="+mn-lt"/>
+        <a:ea typeface="+mn-ea"/>
+        <a:cs typeface="+mn-cs"/>
+      </a:defRPr>
+    </a:lvl5pPr>
+    <a:lvl6pPr marL="2286000" algn="l" defTabSz="914400" rtl="0" eaLnBrk="1" latinLnBrk="0" hangingPunct="1">
+      <a:defRPr sz="1200" kern="1200">
+        <a:solidFill>
+          <a:schemeClr val="tx1"/>
+        </a:solidFill>
+        <a:latin typeface="+mn-lt"/>
+        <a:ea typeface="+mn-ea"/>
+        <a:cs typeface="+mn-cs"/>
+      </a:defRPr>
+    </a:lvl6pPr>
+    <a:lvl7pPr marL="2743200" algn="l" defTabSz="914400" rtl="0" eaLnBrk="1" latinLnBrk="0" hangingPunct="1">
+      <a:defRPr sz="1200" kern="1200">
+        <a:solidFill>
+          <a:schemeClr val="tx1"/>
+        </a:solidFill>
+        <a:latin typeface="+mn-lt"/>
+        <a:ea typeface="+mn-ea"/>
+        <a:cs typeface="+mn-cs"/>
+      </a:defRPr>
+    </a:lvl7pPr>
+    <a:lvl8pPr marL="3200400" algn="l" defTabSz="914400" rtl="0" eaLnBrk="1" latinLnBrk="0" hangingPunct="1">
+      <a:defRPr sz="1200" kern="1200">
+        <a:solidFill>
+          <a:schemeClr val="tx1"/>
+        </a:solidFill>
+        <a:latin typeface="+mn-lt"/>
+        <a:ea typeface="+mn-ea"/>
+        <a:cs typeface="+mn-cs"/>
+      </a:defRPr>
+    </a:lvl8pPr>
+    <a:lvl9pPr marL="3657600" algn="l" defTabSz="914400" rtl="0" eaLnBrk="1" latinLnBrk="0" hangingPunct="1">
+      <a:defRPr sz="1200" kern="1200">
+        <a:solidFill>
+          <a:schemeClr val="tx1"/>
+        </a:solidFill>
+        <a:latin typeface="+mn-lt"/>
+        <a:ea typeface="+mn-ea"/>
+        <a:cs typeface="+mn-cs"/>
+      </a:defRPr>
+    </a:lvl9pPr>
+  </p:notesStyle>
 </p:notesMaster>
 </file>
 
 <file path=ppt/notesSlides/notesSlide1.xml><?xml version="1.0" encoding="utf-8"?>
-<p:notes xmlns:a="http://schemas.openxmlformats.org/drawingml/2006/main" xmlns:r="http://schemas.openxmlformats.org/officeDocument/2006/relationships" xmlns:mc="http://schemas.openxmlformats.org/markup-compatibility/2006" xmlns:mv="urn:schemas-microsoft-com:mac:vml" xmlns:p="http://schemas.openxmlformats.org/presentationml/2006/main" xmlns:c="http://schemas.openxmlformats.org/drawingml/2006/chart" xmlns:dgm="http://schemas.openxmlformats.org/drawingml/2006/diagram" xmlns:o="urn:schemas-microsoft-com:office:office" xmlns:v="urn:schemas-microsoft-com:vml" xmlns:pvml="urn:schemas-microsoft-com:office:powerpoint" xmlns:com="http://schemas.openxmlformats.org/drawingml/2006/compatibility" xmlns:p14="http://schemas.microsoft.com/office/powerpoint/2010/main" xmlns:p15="http://schemas.microsoft.com/office/powerpoint/2012/main" showMasterPhAnim="0" showMasterSp="0">
+<p:notes xmlns:a="http://schemas.openxmlformats.org/drawingml/2006/main" xmlns:r="http://schemas.openxmlformats.org/officeDocument/2006/relationships" xmlns:p="http://schemas.openxmlformats.org/presentationml/2006/main" showMasterSp="0" showMasterPhAnim="0">
   <p:cSld>
     <p:spTree>
       <p:nvGrpSpPr>
-        <p:cNvPr id="62" name="Shape 62"/>
+        <p:cNvPr id="1" name="Shape 62"/>
         <p:cNvGrpSpPr/>
         <p:nvPr/>
       </p:nvGrpSpPr>
@@ -425,19 +519,26 @@
       <p:sp>
         <p:nvSpPr>
           <p:cNvPr id="63" name="Shape 63"/>
-          <p:cNvSpPr/>
+          <p:cNvSpPr>
+            <a:spLocks noGrp="1" noRot="1" noChangeAspect="1"/>
+          </p:cNvSpPr>
           <p:nvPr>
-            <p:ph idx="2" type="sldImg"/>
+            <p:ph type="sldImg" idx="2"/>
           </p:nvPr>
         </p:nvSpPr>
         <p:spPr>
           <a:xfrm>
-            <a:off x="381300" y="685800"/>
-            <a:ext cx="6096075" cy="3429000"/>
+            <a:off x="381000" y="685800"/>
+            <a:ext cx="6096000" cy="3429000"/>
           </a:xfrm>
           <a:custGeom>
+            <a:avLst/>
+            <a:gdLst/>
+            <a:ahLst/>
+            <a:cxnLst/>
+            <a:rect l="0" t="0" r="0" b="0"/>
             <a:pathLst>
-              <a:path extrusionOk="0" h="120000" w="120000">
+              <a:path w="120000" h="120000" extrusionOk="0">
                 <a:moveTo>
                   <a:pt x="0" y="0"/>
                 </a:moveTo>
@@ -459,9 +560,11 @@
       <p:sp>
         <p:nvSpPr>
           <p:cNvPr id="64" name="Shape 64"/>
-          <p:cNvSpPr txBox="1"/>
+          <p:cNvSpPr txBox="1">
+            <a:spLocks noGrp="1"/>
+          </p:cNvSpPr>
           <p:nvPr>
-            <p:ph idx="1" type="body"/>
+            <p:ph type="body" idx="1"/>
           </p:nvPr>
         </p:nvSpPr>
         <p:spPr>
@@ -474,7 +577,7 @@
           </a:prstGeom>
         </p:spPr>
         <p:txBody>
-          <a:bodyPr anchorCtr="0" anchor="t" bIns="91425" lIns="91425" rIns="91425" wrap="square" tIns="91425">
+          <a:bodyPr wrap="square" lIns="91425" tIns="91425" rIns="91425" bIns="91425" anchor="t" anchorCtr="0">
             <a:noAutofit/>
           </a:bodyPr>
           <a:lstStyle/>
@@ -485,9 +588,6 @@
               </a:spcBef>
               <a:buNone/>
             </a:pPr>
-            <a:r>
-              <a:t/>
-            </a:r>
             <a:endParaRPr/>
           </a:p>
         </p:txBody>
@@ -501,11 +601,11 @@
 </file>
 
 <file path=ppt/notesSlides/notesSlide2.xml><?xml version="1.0" encoding="utf-8"?>
-<p:notes xmlns:a="http://schemas.openxmlformats.org/drawingml/2006/main" xmlns:r="http://schemas.openxmlformats.org/officeDocument/2006/relationships" xmlns:mc="http://schemas.openxmlformats.org/markup-compatibility/2006" xmlns:mv="urn:schemas-microsoft-com:mac:vml" xmlns:p="http://schemas.openxmlformats.org/presentationml/2006/main" xmlns:c="http://schemas.openxmlformats.org/drawingml/2006/chart" xmlns:dgm="http://schemas.openxmlformats.org/drawingml/2006/diagram" xmlns:o="urn:schemas-microsoft-com:office:office" xmlns:v="urn:schemas-microsoft-com:vml" xmlns:pvml="urn:schemas-microsoft-com:office:powerpoint" xmlns:com="http://schemas.openxmlformats.org/drawingml/2006/compatibility" xmlns:p14="http://schemas.microsoft.com/office/powerpoint/2010/main" xmlns:p15="http://schemas.microsoft.com/office/powerpoint/2012/main" showMasterPhAnim="0" showMasterSp="0">
+<p:notes xmlns:a="http://schemas.openxmlformats.org/drawingml/2006/main" xmlns:r="http://schemas.openxmlformats.org/officeDocument/2006/relationships" xmlns:p="http://schemas.openxmlformats.org/presentationml/2006/main" showMasterSp="0" showMasterPhAnim="0">
   <p:cSld>
     <p:spTree>
       <p:nvGrpSpPr>
-        <p:cNvPr id="68" name="Shape 68"/>
+        <p:cNvPr id="1" name="Shape 68"/>
         <p:cNvGrpSpPr/>
         <p:nvPr/>
       </p:nvGrpSpPr>
@@ -520,19 +620,26 @@
       <p:sp>
         <p:nvSpPr>
           <p:cNvPr id="69" name="Shape 69"/>
-          <p:cNvSpPr/>
+          <p:cNvSpPr>
+            <a:spLocks noGrp="1" noRot="1" noChangeAspect="1"/>
+          </p:cNvSpPr>
           <p:nvPr>
-            <p:ph idx="2" type="sldImg"/>
+            <p:ph type="sldImg" idx="2"/>
           </p:nvPr>
         </p:nvSpPr>
         <p:spPr>
           <a:xfrm>
-            <a:off x="381300" y="685800"/>
+            <a:off x="381000" y="685800"/>
             <a:ext cx="6096000" cy="3429000"/>
           </a:xfrm>
           <a:custGeom>
+            <a:avLst/>
+            <a:gdLst/>
+            <a:ahLst/>
+            <a:cxnLst/>
+            <a:rect l="0" t="0" r="0" b="0"/>
             <a:pathLst>
-              <a:path extrusionOk="0" h="120000" w="120000">
+              <a:path w="120000" h="120000" extrusionOk="0">
                 <a:moveTo>
                   <a:pt x="0" y="0"/>
                 </a:moveTo>
@@ -554,9 +661,11 @@
       <p:sp>
         <p:nvSpPr>
           <p:cNvPr id="70" name="Shape 70"/>
-          <p:cNvSpPr txBox="1"/>
+          <p:cNvSpPr txBox="1">
+            <a:spLocks noGrp="1"/>
+          </p:cNvSpPr>
           <p:nvPr>
-            <p:ph idx="1" type="body"/>
+            <p:ph type="body" idx="1"/>
           </p:nvPr>
         </p:nvSpPr>
         <p:spPr>
@@ -569,7 +678,7 @@
           </a:prstGeom>
         </p:spPr>
         <p:txBody>
-          <a:bodyPr anchorCtr="0" anchor="t" bIns="91425" lIns="91425" rIns="91425" wrap="square" tIns="91425">
+          <a:bodyPr wrap="square" lIns="91425" tIns="91425" rIns="91425" bIns="91425" anchor="t" anchorCtr="0">
             <a:noAutofit/>
           </a:bodyPr>
           <a:lstStyle/>
@@ -580,9 +689,6 @@
               </a:spcBef>
               <a:buNone/>
             </a:pPr>
-            <a:r>
-              <a:t/>
-            </a:r>
             <a:endParaRPr/>
           </a:p>
         </p:txBody>
@@ -596,11 +702,11 @@
 </file>
 
 <file path=ppt/notesSlides/notesSlide3.xml><?xml version="1.0" encoding="utf-8"?>
-<p:notes xmlns:a="http://schemas.openxmlformats.org/drawingml/2006/main" xmlns:r="http://schemas.openxmlformats.org/officeDocument/2006/relationships" xmlns:mc="http://schemas.openxmlformats.org/markup-compatibility/2006" xmlns:mv="urn:schemas-microsoft-com:mac:vml" xmlns:p="http://schemas.openxmlformats.org/presentationml/2006/main" xmlns:c="http://schemas.openxmlformats.org/drawingml/2006/chart" xmlns:dgm="http://schemas.openxmlformats.org/drawingml/2006/diagram" xmlns:o="urn:schemas-microsoft-com:office:office" xmlns:v="urn:schemas-microsoft-com:vml" xmlns:pvml="urn:schemas-microsoft-com:office:powerpoint" xmlns:com="http://schemas.openxmlformats.org/drawingml/2006/compatibility" xmlns:p14="http://schemas.microsoft.com/office/powerpoint/2010/main" xmlns:p15="http://schemas.microsoft.com/office/powerpoint/2012/main" showMasterPhAnim="0" showMasterSp="0">
+<p:notes xmlns:a="http://schemas.openxmlformats.org/drawingml/2006/main" xmlns:r="http://schemas.openxmlformats.org/officeDocument/2006/relationships" xmlns:p="http://schemas.openxmlformats.org/presentationml/2006/main" showMasterSp="0" showMasterPhAnim="0">
   <p:cSld>
     <p:spTree>
       <p:nvGrpSpPr>
-        <p:cNvPr id="74" name="Shape 74"/>
+        <p:cNvPr id="1" name="Shape 74"/>
         <p:cNvGrpSpPr/>
         <p:nvPr/>
       </p:nvGrpSpPr>
@@ -615,9 +721,11 @@
       <p:sp>
         <p:nvSpPr>
           <p:cNvPr id="75" name="Shape 75"/>
-          <p:cNvSpPr/>
+          <p:cNvSpPr>
+            <a:spLocks noGrp="1" noRot="1" noChangeAspect="1"/>
+          </p:cNvSpPr>
           <p:nvPr>
-            <p:ph idx="2" type="sldImg"/>
+            <p:ph type="sldImg" idx="2"/>
           </p:nvPr>
         </p:nvSpPr>
         <p:spPr>
@@ -626,8 +734,13 @@
             <a:ext cx="6096000" cy="3429000"/>
           </a:xfrm>
           <a:custGeom>
+            <a:avLst/>
+            <a:gdLst/>
+            <a:ahLst/>
+            <a:cxnLst/>
+            <a:rect l="0" t="0" r="0" b="0"/>
             <a:pathLst>
-              <a:path extrusionOk="0" h="120000" w="120000">
+              <a:path w="120000" h="120000" extrusionOk="0">
                 <a:moveTo>
                   <a:pt x="0" y="0"/>
                 </a:moveTo>
@@ -649,9 +762,11 @@
       <p:sp>
         <p:nvSpPr>
           <p:cNvPr id="76" name="Shape 76"/>
-          <p:cNvSpPr txBox="1"/>
+          <p:cNvSpPr txBox="1">
+            <a:spLocks noGrp="1"/>
+          </p:cNvSpPr>
           <p:nvPr>
-            <p:ph idx="1" type="body"/>
+            <p:ph type="body" idx="1"/>
           </p:nvPr>
         </p:nvSpPr>
         <p:spPr>
@@ -664,7 +779,7 @@
           </a:prstGeom>
         </p:spPr>
         <p:txBody>
-          <a:bodyPr anchorCtr="0" anchor="t" bIns="91425" lIns="91425" rIns="91425" wrap="square" tIns="91425">
+          <a:bodyPr wrap="square" lIns="91425" tIns="91425" rIns="91425" bIns="91425" anchor="t" anchorCtr="0">
             <a:noAutofit/>
           </a:bodyPr>
           <a:lstStyle/>
@@ -675,9 +790,6 @@
               </a:spcBef>
               <a:buNone/>
             </a:pPr>
-            <a:r>
-              <a:t/>
-            </a:r>
             <a:endParaRPr/>
           </a:p>
         </p:txBody>
@@ -691,11 +803,11 @@
 </file>
 
 <file path=ppt/notesSlides/notesSlide4.xml><?xml version="1.0" encoding="utf-8"?>
-<p:notes xmlns:a="http://schemas.openxmlformats.org/drawingml/2006/main" xmlns:r="http://schemas.openxmlformats.org/officeDocument/2006/relationships" xmlns:mc="http://schemas.openxmlformats.org/markup-compatibility/2006" xmlns:mv="urn:schemas-microsoft-com:mac:vml" xmlns:p="http://schemas.openxmlformats.org/presentationml/2006/main" xmlns:c="http://schemas.openxmlformats.org/drawingml/2006/chart" xmlns:dgm="http://schemas.openxmlformats.org/drawingml/2006/diagram" xmlns:o="urn:schemas-microsoft-com:office:office" xmlns:v="urn:schemas-microsoft-com:vml" xmlns:pvml="urn:schemas-microsoft-com:office:powerpoint" xmlns:com="http://schemas.openxmlformats.org/drawingml/2006/compatibility" xmlns:p14="http://schemas.microsoft.com/office/powerpoint/2010/main" xmlns:p15="http://schemas.microsoft.com/office/powerpoint/2012/main" showMasterPhAnim="0" showMasterSp="0">
+<p:notes xmlns:a="http://schemas.openxmlformats.org/drawingml/2006/main" xmlns:r="http://schemas.openxmlformats.org/officeDocument/2006/relationships" xmlns:p="http://schemas.openxmlformats.org/presentationml/2006/main" showMasterSp="0" showMasterPhAnim="0">
   <p:cSld>
     <p:spTree>
       <p:nvGrpSpPr>
-        <p:cNvPr id="80" name="Shape 80"/>
+        <p:cNvPr id="1" name="Shape 80"/>
         <p:cNvGrpSpPr/>
         <p:nvPr/>
       </p:nvGrpSpPr>
@@ -710,9 +822,11 @@
       <p:sp>
         <p:nvSpPr>
           <p:cNvPr id="81" name="Shape 81"/>
-          <p:cNvSpPr/>
+          <p:cNvSpPr>
+            <a:spLocks noGrp="1" noRot="1" noChangeAspect="1"/>
+          </p:cNvSpPr>
           <p:nvPr>
-            <p:ph idx="2" type="sldImg"/>
+            <p:ph type="sldImg" idx="2"/>
           </p:nvPr>
         </p:nvSpPr>
         <p:spPr>
@@ -721,8 +835,13 @@
             <a:ext cx="6096000" cy="3429000"/>
           </a:xfrm>
           <a:custGeom>
+            <a:avLst/>
+            <a:gdLst/>
+            <a:ahLst/>
+            <a:cxnLst/>
+            <a:rect l="0" t="0" r="0" b="0"/>
             <a:pathLst>
-              <a:path extrusionOk="0" h="120000" w="120000">
+              <a:path w="120000" h="120000" extrusionOk="0">
                 <a:moveTo>
                   <a:pt x="0" y="0"/>
                 </a:moveTo>
@@ -744,9 +863,11 @@
       <p:sp>
         <p:nvSpPr>
           <p:cNvPr id="82" name="Shape 82"/>
-          <p:cNvSpPr txBox="1"/>
+          <p:cNvSpPr txBox="1">
+            <a:spLocks noGrp="1"/>
+          </p:cNvSpPr>
           <p:nvPr>
-            <p:ph idx="1" type="body"/>
+            <p:ph type="body" idx="1"/>
           </p:nvPr>
         </p:nvSpPr>
         <p:spPr>
@@ -759,7 +880,7 @@
           </a:prstGeom>
         </p:spPr>
         <p:txBody>
-          <a:bodyPr anchorCtr="0" anchor="t" bIns="91425" lIns="91425" rIns="91425" wrap="square" tIns="91425">
+          <a:bodyPr wrap="square" lIns="91425" tIns="91425" rIns="91425" bIns="91425" anchor="t" anchorCtr="0">
             <a:noAutofit/>
           </a:bodyPr>
           <a:lstStyle/>
@@ -770,9 +891,6 @@
               </a:spcBef>
               <a:buNone/>
             </a:pPr>
-            <a:r>
-              <a:t/>
-            </a:r>
             <a:endParaRPr/>
           </a:p>
         </p:txBody>
@@ -786,11 +904,11 @@
 </file>
 
 <file path=ppt/notesSlides/notesSlide5.xml><?xml version="1.0" encoding="utf-8"?>
-<p:notes xmlns:a="http://schemas.openxmlformats.org/drawingml/2006/main" xmlns:r="http://schemas.openxmlformats.org/officeDocument/2006/relationships" xmlns:mc="http://schemas.openxmlformats.org/markup-compatibility/2006" xmlns:mv="urn:schemas-microsoft-com:mac:vml" xmlns:p="http://schemas.openxmlformats.org/presentationml/2006/main" xmlns:c="http://schemas.openxmlformats.org/drawingml/2006/chart" xmlns:dgm="http://schemas.openxmlformats.org/drawingml/2006/diagram" xmlns:o="urn:schemas-microsoft-com:office:office" xmlns:v="urn:schemas-microsoft-com:vml" xmlns:pvml="urn:schemas-microsoft-com:office:powerpoint" xmlns:com="http://schemas.openxmlformats.org/drawingml/2006/compatibility" xmlns:p14="http://schemas.microsoft.com/office/powerpoint/2010/main" xmlns:p15="http://schemas.microsoft.com/office/powerpoint/2012/main" showMasterPhAnim="0" showMasterSp="0">
+<p:notes xmlns:a="http://schemas.openxmlformats.org/drawingml/2006/main" xmlns:r="http://schemas.openxmlformats.org/officeDocument/2006/relationships" xmlns:p="http://schemas.openxmlformats.org/presentationml/2006/main" showMasterSp="0" showMasterPhAnim="0">
   <p:cSld>
     <p:spTree>
       <p:nvGrpSpPr>
-        <p:cNvPr id="86" name="Shape 86"/>
+        <p:cNvPr id="1" name="Shape 86"/>
         <p:cNvGrpSpPr/>
         <p:nvPr/>
       </p:nvGrpSpPr>
@@ -805,19 +923,26 @@
       <p:sp>
         <p:nvSpPr>
           <p:cNvPr id="87" name="Shape 87"/>
-          <p:cNvSpPr/>
+          <p:cNvSpPr>
+            <a:spLocks noGrp="1" noRot="1" noChangeAspect="1"/>
+          </p:cNvSpPr>
           <p:nvPr>
-            <p:ph idx="2" type="sldImg"/>
+            <p:ph type="sldImg" idx="2"/>
           </p:nvPr>
         </p:nvSpPr>
         <p:spPr>
           <a:xfrm>
-            <a:off x="381300" y="685800"/>
+            <a:off x="381000" y="685800"/>
             <a:ext cx="6096000" cy="3429000"/>
           </a:xfrm>
           <a:custGeom>
+            <a:avLst/>
+            <a:gdLst/>
+            <a:ahLst/>
+            <a:cxnLst/>
+            <a:rect l="0" t="0" r="0" b="0"/>
             <a:pathLst>
-              <a:path extrusionOk="0" h="120000" w="120000">
+              <a:path w="120000" h="120000" extrusionOk="0">
                 <a:moveTo>
                   <a:pt x="0" y="0"/>
                 </a:moveTo>
@@ -839,9 +964,11 @@
       <p:sp>
         <p:nvSpPr>
           <p:cNvPr id="88" name="Shape 88"/>
-          <p:cNvSpPr txBox="1"/>
+          <p:cNvSpPr txBox="1">
+            <a:spLocks noGrp="1"/>
+          </p:cNvSpPr>
           <p:nvPr>
-            <p:ph idx="1" type="body"/>
+            <p:ph type="body" idx="1"/>
           </p:nvPr>
         </p:nvSpPr>
         <p:spPr>
@@ -854,7 +981,7 @@
           </a:prstGeom>
         </p:spPr>
         <p:txBody>
-          <a:bodyPr anchorCtr="0" anchor="t" bIns="91425" lIns="91425" rIns="91425" wrap="square" tIns="91425">
+          <a:bodyPr wrap="square" lIns="91425" tIns="91425" rIns="91425" bIns="91425" anchor="t" anchorCtr="0">
             <a:noAutofit/>
           </a:bodyPr>
           <a:lstStyle/>
@@ -865,9 +992,6 @@
               </a:spcBef>
               <a:buNone/>
             </a:pPr>
-            <a:r>
-              <a:t/>
-            </a:r>
             <a:endParaRPr/>
           </a:p>
         </p:txBody>
@@ -881,11 +1005,11 @@
 </file>
 
 <file path=ppt/notesSlides/notesSlide6.xml><?xml version="1.0" encoding="utf-8"?>
-<p:notes xmlns:a="http://schemas.openxmlformats.org/drawingml/2006/main" xmlns:r="http://schemas.openxmlformats.org/officeDocument/2006/relationships" xmlns:mc="http://schemas.openxmlformats.org/markup-compatibility/2006" xmlns:mv="urn:schemas-microsoft-com:mac:vml" xmlns:p="http://schemas.openxmlformats.org/presentationml/2006/main" xmlns:c="http://schemas.openxmlformats.org/drawingml/2006/chart" xmlns:dgm="http://schemas.openxmlformats.org/drawingml/2006/diagram" xmlns:o="urn:schemas-microsoft-com:office:office" xmlns:v="urn:schemas-microsoft-com:vml" xmlns:pvml="urn:schemas-microsoft-com:office:powerpoint" xmlns:com="http://schemas.openxmlformats.org/drawingml/2006/compatibility" xmlns:p14="http://schemas.microsoft.com/office/powerpoint/2010/main" xmlns:p15="http://schemas.microsoft.com/office/powerpoint/2012/main" showMasterPhAnim="0" showMasterSp="0">
+<p:notes xmlns:a="http://schemas.openxmlformats.org/drawingml/2006/main" xmlns:r="http://schemas.openxmlformats.org/officeDocument/2006/relationships" xmlns:p="http://schemas.openxmlformats.org/presentationml/2006/main" showMasterSp="0" showMasterPhAnim="0">
   <p:cSld>
     <p:spTree>
       <p:nvGrpSpPr>
-        <p:cNvPr id="92" name="Shape 92"/>
+        <p:cNvPr id="1" name="Shape 92"/>
         <p:cNvGrpSpPr/>
         <p:nvPr/>
       </p:nvGrpSpPr>
@@ -900,19 +1024,26 @@
       <p:sp>
         <p:nvSpPr>
           <p:cNvPr id="93" name="Shape 93"/>
-          <p:cNvSpPr/>
+          <p:cNvSpPr>
+            <a:spLocks noGrp="1" noRot="1" noChangeAspect="1"/>
+          </p:cNvSpPr>
           <p:nvPr>
-            <p:ph idx="2" type="sldImg"/>
+            <p:ph type="sldImg" idx="2"/>
           </p:nvPr>
         </p:nvSpPr>
         <p:spPr>
           <a:xfrm>
-            <a:off x="381300" y="685800"/>
+            <a:off x="381000" y="685800"/>
             <a:ext cx="6096000" cy="3429000"/>
           </a:xfrm>
           <a:custGeom>
+            <a:avLst/>
+            <a:gdLst/>
+            <a:ahLst/>
+            <a:cxnLst/>
+            <a:rect l="0" t="0" r="0" b="0"/>
             <a:pathLst>
-              <a:path extrusionOk="0" h="120000" w="120000">
+              <a:path w="120000" h="120000" extrusionOk="0">
                 <a:moveTo>
                   <a:pt x="0" y="0"/>
                 </a:moveTo>
@@ -934,9 +1065,11 @@
       <p:sp>
         <p:nvSpPr>
           <p:cNvPr id="94" name="Shape 94"/>
-          <p:cNvSpPr txBox="1"/>
+          <p:cNvSpPr txBox="1">
+            <a:spLocks noGrp="1"/>
+          </p:cNvSpPr>
           <p:nvPr>
-            <p:ph idx="1" type="body"/>
+            <p:ph type="body" idx="1"/>
           </p:nvPr>
         </p:nvSpPr>
         <p:spPr>
@@ -949,7 +1082,7 @@
           </a:prstGeom>
         </p:spPr>
         <p:txBody>
-          <a:bodyPr anchorCtr="0" anchor="t" bIns="91425" lIns="91425" rIns="91425" wrap="square" tIns="91425">
+          <a:bodyPr wrap="square" lIns="91425" tIns="91425" rIns="91425" bIns="91425" anchor="t" anchorCtr="0">
             <a:noAutofit/>
           </a:bodyPr>
           <a:lstStyle/>
@@ -960,9 +1093,6 @@
               </a:spcBef>
               <a:buNone/>
             </a:pPr>
-            <a:r>
-              <a:t/>
-            </a:r>
             <a:endParaRPr/>
           </a:p>
         </p:txBody>
@@ -976,11 +1106,11 @@
 </file>
 
 <file path=ppt/notesSlides/notesSlide7.xml><?xml version="1.0" encoding="utf-8"?>
-<p:notes xmlns:a="http://schemas.openxmlformats.org/drawingml/2006/main" xmlns:r="http://schemas.openxmlformats.org/officeDocument/2006/relationships" xmlns:mc="http://schemas.openxmlformats.org/markup-compatibility/2006" xmlns:mv="urn:schemas-microsoft-com:mac:vml" xmlns:p="http://schemas.openxmlformats.org/presentationml/2006/main" xmlns:c="http://schemas.openxmlformats.org/drawingml/2006/chart" xmlns:dgm="http://schemas.openxmlformats.org/drawingml/2006/diagram" xmlns:o="urn:schemas-microsoft-com:office:office" xmlns:v="urn:schemas-microsoft-com:vml" xmlns:pvml="urn:schemas-microsoft-com:office:powerpoint" xmlns:com="http://schemas.openxmlformats.org/drawingml/2006/compatibility" xmlns:p14="http://schemas.microsoft.com/office/powerpoint/2010/main" xmlns:p15="http://schemas.microsoft.com/office/powerpoint/2012/main" showMasterPhAnim="0" showMasterSp="0">
+<p:notes xmlns:a="http://schemas.openxmlformats.org/drawingml/2006/main" xmlns:r="http://schemas.openxmlformats.org/officeDocument/2006/relationships" xmlns:p="http://schemas.openxmlformats.org/presentationml/2006/main" showMasterSp="0" showMasterPhAnim="0">
   <p:cSld>
     <p:spTree>
       <p:nvGrpSpPr>
-        <p:cNvPr id="98" name="Shape 98"/>
+        <p:cNvPr id="1" name="Shape 98"/>
         <p:cNvGrpSpPr/>
         <p:nvPr/>
       </p:nvGrpSpPr>
@@ -995,9 +1125,11 @@
       <p:sp>
         <p:nvSpPr>
           <p:cNvPr id="99" name="Shape 99"/>
-          <p:cNvSpPr/>
+          <p:cNvSpPr>
+            <a:spLocks noGrp="1" noRot="1" noChangeAspect="1"/>
+          </p:cNvSpPr>
           <p:nvPr>
-            <p:ph idx="2" type="sldImg"/>
+            <p:ph type="sldImg" idx="2"/>
           </p:nvPr>
         </p:nvSpPr>
         <p:spPr>
@@ -1006,8 +1138,13 @@
             <a:ext cx="6096000" cy="3429000"/>
           </a:xfrm>
           <a:custGeom>
+            <a:avLst/>
+            <a:gdLst/>
+            <a:ahLst/>
+            <a:cxnLst/>
+            <a:rect l="0" t="0" r="0" b="0"/>
             <a:pathLst>
-              <a:path extrusionOk="0" h="120000" w="120000">
+              <a:path w="120000" h="120000" extrusionOk="0">
                 <a:moveTo>
                   <a:pt x="0" y="0"/>
                 </a:moveTo>
@@ -1029,9 +1166,11 @@
       <p:sp>
         <p:nvSpPr>
           <p:cNvPr id="100" name="Shape 100"/>
-          <p:cNvSpPr txBox="1"/>
+          <p:cNvSpPr txBox="1">
+            <a:spLocks noGrp="1"/>
+          </p:cNvSpPr>
           <p:nvPr>
-            <p:ph idx="1" type="body"/>
+            <p:ph type="body" idx="1"/>
           </p:nvPr>
         </p:nvSpPr>
         <p:spPr>
@@ -1044,7 +1183,7 @@
           </a:prstGeom>
         </p:spPr>
         <p:txBody>
-          <a:bodyPr anchorCtr="0" anchor="t" bIns="91425" lIns="91425" rIns="91425" wrap="square" tIns="91425">
+          <a:bodyPr wrap="square" lIns="91425" tIns="91425" rIns="91425" bIns="91425" anchor="t" anchorCtr="0">
             <a:noAutofit/>
           </a:bodyPr>
           <a:lstStyle/>
@@ -1055,9 +1194,6 @@
               </a:spcBef>
               <a:buNone/>
             </a:pPr>
-            <a:r>
-              <a:t/>
-            </a:r>
             <a:endParaRPr/>
           </a:p>
         </p:txBody>
@@ -1071,11 +1207,11 @@
 </file>
 
 <file path=ppt/notesSlides/notesSlide8.xml><?xml version="1.0" encoding="utf-8"?>
-<p:notes xmlns:a="http://schemas.openxmlformats.org/drawingml/2006/main" xmlns:r="http://schemas.openxmlformats.org/officeDocument/2006/relationships" xmlns:mc="http://schemas.openxmlformats.org/markup-compatibility/2006" xmlns:mv="urn:schemas-microsoft-com:mac:vml" xmlns:p="http://schemas.openxmlformats.org/presentationml/2006/main" xmlns:c="http://schemas.openxmlformats.org/drawingml/2006/chart" xmlns:dgm="http://schemas.openxmlformats.org/drawingml/2006/diagram" xmlns:o="urn:schemas-microsoft-com:office:office" xmlns:v="urn:schemas-microsoft-com:vml" xmlns:pvml="urn:schemas-microsoft-com:office:powerpoint" xmlns:com="http://schemas.openxmlformats.org/drawingml/2006/compatibility" xmlns:p14="http://schemas.microsoft.com/office/powerpoint/2010/main" xmlns:p15="http://schemas.microsoft.com/office/powerpoint/2012/main" showMasterPhAnim="0" showMasterSp="0">
+<p:notes xmlns:a="http://schemas.openxmlformats.org/drawingml/2006/main" xmlns:r="http://schemas.openxmlformats.org/officeDocument/2006/relationships" xmlns:p="http://schemas.openxmlformats.org/presentationml/2006/main" showMasterSp="0" showMasterPhAnim="0">
   <p:cSld>
     <p:spTree>
       <p:nvGrpSpPr>
-        <p:cNvPr id="104" name="Shape 104"/>
+        <p:cNvPr id="1" name="Shape 104"/>
         <p:cNvGrpSpPr/>
         <p:nvPr/>
       </p:nvGrpSpPr>
@@ -1090,9 +1226,11 @@
       <p:sp>
         <p:nvSpPr>
           <p:cNvPr id="105" name="Shape 105"/>
-          <p:cNvSpPr/>
+          <p:cNvSpPr>
+            <a:spLocks noGrp="1" noRot="1" noChangeAspect="1"/>
+          </p:cNvSpPr>
           <p:nvPr>
-            <p:ph idx="2" type="sldImg"/>
+            <p:ph type="sldImg" idx="2"/>
           </p:nvPr>
         </p:nvSpPr>
         <p:spPr>
@@ -1101,8 +1239,13 @@
             <a:ext cx="6096000" cy="3429000"/>
           </a:xfrm>
           <a:custGeom>
+            <a:avLst/>
+            <a:gdLst/>
+            <a:ahLst/>
+            <a:cxnLst/>
+            <a:rect l="0" t="0" r="0" b="0"/>
             <a:pathLst>
-              <a:path extrusionOk="0" h="120000" w="120000">
+              <a:path w="120000" h="120000" extrusionOk="0">
                 <a:moveTo>
                   <a:pt x="0" y="0"/>
                 </a:moveTo>
@@ -1124,9 +1267,11 @@
       <p:sp>
         <p:nvSpPr>
           <p:cNvPr id="106" name="Shape 106"/>
-          <p:cNvSpPr txBox="1"/>
+          <p:cNvSpPr txBox="1">
+            <a:spLocks noGrp="1"/>
+          </p:cNvSpPr>
           <p:nvPr>
-            <p:ph idx="1" type="body"/>
+            <p:ph type="body" idx="1"/>
           </p:nvPr>
         </p:nvSpPr>
         <p:spPr>
@@ -1139,7 +1284,7 @@
           </a:prstGeom>
         </p:spPr>
         <p:txBody>
-          <a:bodyPr anchorCtr="0" anchor="t" bIns="91425" lIns="91425" rIns="91425" wrap="square" tIns="91425">
+          <a:bodyPr wrap="square" lIns="91425" tIns="91425" rIns="91425" bIns="91425" anchor="t" anchorCtr="0">
             <a:noAutofit/>
           </a:bodyPr>
           <a:lstStyle/>
@@ -1150,9 +1295,6 @@
               </a:spcBef>
               <a:buNone/>
             </a:pPr>
-            <a:r>
-              <a:t/>
-            </a:r>
             <a:endParaRPr/>
           </a:p>
         </p:txBody>
@@ -1166,11 +1308,11 @@
 </file>
 
 <file path=ppt/slideLayouts/slideLayout1.xml><?xml version="1.0" encoding="utf-8"?>
-<p:sldLayout xmlns:a="http://schemas.openxmlformats.org/drawingml/2006/main" xmlns:r="http://schemas.openxmlformats.org/officeDocument/2006/relationships" xmlns:mc="http://schemas.openxmlformats.org/markup-compatibility/2006" xmlns:mv="urn:schemas-microsoft-com:mac:vml" xmlns:p="http://schemas.openxmlformats.org/presentationml/2006/main" xmlns:c="http://schemas.openxmlformats.org/drawingml/2006/chart" xmlns:dgm="http://schemas.openxmlformats.org/drawingml/2006/diagram" xmlns:o="urn:schemas-microsoft-com:office:office" xmlns:v="urn:schemas-microsoft-com:vml" xmlns:pvml="urn:schemas-microsoft-com:office:powerpoint" xmlns:com="http://schemas.openxmlformats.org/drawingml/2006/compatibility" xmlns:p14="http://schemas.microsoft.com/office/powerpoint/2010/main" xmlns:p15="http://schemas.microsoft.com/office/powerpoint/2012/main" type="title">
+<p:sldLayout xmlns:a="http://schemas.openxmlformats.org/drawingml/2006/main" xmlns:r="http://schemas.openxmlformats.org/officeDocument/2006/relationships" xmlns:p="http://schemas.openxmlformats.org/presentationml/2006/main" type="title">
   <p:cSld name="Title slide">
     <p:spTree>
       <p:nvGrpSpPr>
-        <p:cNvPr id="9" name="Shape 9"/>
+        <p:cNvPr id="1" name="Shape 9"/>
         <p:cNvGrpSpPr/>
         <p:nvPr/>
       </p:nvGrpSpPr>
@@ -1197,14 +1339,14 @@
             <a:avLst/>
           </a:prstGeom>
           <a:noFill/>
-          <a:ln cap="flat" cmpd="sng" w="76200">
+          <a:ln w="76200" cap="flat" cmpd="sng">
             <a:solidFill>
               <a:schemeClr val="lt2"/>
             </a:solidFill>
             <a:prstDash val="solid"/>
             <a:round/>
-            <a:headEnd len="med" w="med" type="none"/>
-            <a:tailEnd len="med" w="med" type="none"/>
+            <a:headEnd type="none" w="med" len="med"/>
+            <a:tailEnd type="none" w="med" len="med"/>
           </a:ln>
         </p:spPr>
       </p:cxnSp>
@@ -1223,14 +1365,14 @@
             <a:avLst/>
           </a:prstGeom>
           <a:noFill/>
-          <a:ln cap="flat" cmpd="sng" w="76200">
+          <a:ln w="76200" cap="flat" cmpd="sng">
             <a:solidFill>
               <a:schemeClr val="lt2"/>
             </a:solidFill>
             <a:prstDash val="solid"/>
             <a:round/>
-            <a:headEnd len="med" w="med" type="none"/>
-            <a:tailEnd len="med" w="med" type="none"/>
+            <a:headEnd type="none" w="med" len="med"/>
+            <a:tailEnd type="none" w="med" len="med"/>
           </a:ln>
         </p:spPr>
       </p:cxnSp>
@@ -1263,14 +1405,14 @@
               <a:avLst/>
             </a:prstGeom>
             <a:noFill/>
-            <a:ln cap="flat" cmpd="sng" w="76200">
+            <a:ln w="76200" cap="flat" cmpd="sng">
               <a:solidFill>
                 <a:schemeClr val="accent3"/>
               </a:solidFill>
               <a:prstDash val="solid"/>
               <a:round/>
-              <a:headEnd len="med" w="med" type="none"/>
-              <a:tailEnd len="med" w="med" type="none"/>
+              <a:headEnd type="none" w="med" len="med"/>
+              <a:tailEnd type="none" w="med" len="med"/>
             </a:ln>
           </p:spPr>
         </p:cxnSp>
@@ -1289,14 +1431,14 @@
               <a:avLst/>
             </a:prstGeom>
             <a:noFill/>
-            <a:ln cap="flat" cmpd="sng" w="9525">
+            <a:ln w="9525" cap="flat" cmpd="sng">
               <a:solidFill>
                 <a:schemeClr val="accent3"/>
               </a:solidFill>
               <a:prstDash val="solid"/>
               <a:round/>
-              <a:headEnd len="med" w="med" type="none"/>
-              <a:tailEnd len="med" w="med" type="none"/>
+              <a:headEnd type="none" w="med" len="med"/>
+              <a:tailEnd type="none" w="med" len="med"/>
             </a:ln>
           </p:spPr>
         </p:cxnSp>
@@ -1330,14 +1472,14 @@
               <a:avLst/>
             </a:prstGeom>
             <a:noFill/>
-            <a:ln cap="flat" cmpd="sng" w="76200">
+            <a:ln w="76200" cap="flat" cmpd="sng">
               <a:solidFill>
                 <a:schemeClr val="accent3"/>
               </a:solidFill>
               <a:prstDash val="solid"/>
               <a:round/>
-              <a:headEnd len="med" w="med" type="none"/>
-              <a:tailEnd len="med" w="med" type="none"/>
+              <a:headEnd type="none" w="med" len="med"/>
+              <a:tailEnd type="none" w="med" len="med"/>
             </a:ln>
           </p:spPr>
         </p:cxnSp>
@@ -1356,14 +1498,14 @@
               <a:avLst/>
             </a:prstGeom>
             <a:noFill/>
-            <a:ln cap="flat" cmpd="sng" w="9525">
+            <a:ln w="9525" cap="flat" cmpd="sng">
               <a:solidFill>
                 <a:schemeClr val="accent3"/>
               </a:solidFill>
               <a:prstDash val="solid"/>
               <a:round/>
-              <a:headEnd len="med" w="med" type="none"/>
-              <a:tailEnd len="med" w="med" type="none"/>
+              <a:headEnd type="none" w="med" len="med"/>
+              <a:tailEnd type="none" w="med" len="med"/>
             </a:ln>
           </p:spPr>
         </p:cxnSp>
@@ -1371,7 +1513,9 @@
       <p:sp>
         <p:nvSpPr>
           <p:cNvPr id="18" name="Shape 18"/>
-          <p:cNvSpPr txBox="1"/>
+          <p:cNvSpPr txBox="1">
+            <a:spLocks noGrp="1"/>
+          </p:cNvSpPr>
           <p:nvPr>
             <p:ph type="ctrTitle"/>
           </p:nvPr>
@@ -1386,7 +1530,7 @@
           </a:prstGeom>
         </p:spPr>
         <p:txBody>
-          <a:bodyPr anchorCtr="0" anchor="b" bIns="91425" lIns="91425" rIns="91425" wrap="square" tIns="91425"/>
+          <a:bodyPr wrap="square" lIns="91425" tIns="91425" rIns="91425" bIns="91425" anchor="b" anchorCtr="0"/>
           <a:lstStyle>
             <a:lvl1pPr lvl="0" algn="ctr">
               <a:spcBef>
@@ -1452,15 +1596,19 @@
               <a:defRPr sz="5400"/>
             </a:lvl9pPr>
           </a:lstStyle>
-          <a:p/>
+          <a:p>
+            <a:endParaRPr/>
+          </a:p>
         </p:txBody>
       </p:sp>
       <p:sp>
         <p:nvSpPr>
           <p:cNvPr id="19" name="Shape 19"/>
-          <p:cNvSpPr txBox="1"/>
+          <p:cNvSpPr txBox="1">
+            <a:spLocks noGrp="1"/>
+          </p:cNvSpPr>
           <p:nvPr>
-            <p:ph idx="1" type="subTitle"/>
+            <p:ph type="subTitle" idx="1"/>
           </p:nvPr>
         </p:nvSpPr>
         <p:spPr>
@@ -1473,7 +1621,7 @@
           </a:prstGeom>
         </p:spPr>
         <p:txBody>
-          <a:bodyPr anchorCtr="0" anchor="t" bIns="91425" lIns="91425" rIns="91425" wrap="square" tIns="91425"/>
+          <a:bodyPr wrap="square" lIns="91425" tIns="91425" rIns="91425" bIns="91425" anchor="t" anchorCtr="0"/>
           <a:lstStyle>
             <a:lvl1pPr lvl="0" algn="ctr">
               <a:lnSpc>
@@ -1602,15 +1750,19 @@
               <a:defRPr sz="2400"/>
             </a:lvl9pPr>
           </a:lstStyle>
-          <a:p/>
+          <a:p>
+            <a:endParaRPr/>
+          </a:p>
         </p:txBody>
       </p:sp>
       <p:sp>
         <p:nvSpPr>
           <p:cNvPr id="20" name="Shape 20"/>
-          <p:cNvSpPr txBox="1"/>
+          <p:cNvSpPr txBox="1">
+            <a:spLocks noGrp="1"/>
+          </p:cNvSpPr>
           <p:nvPr>
-            <p:ph idx="12" type="sldNum"/>
+            <p:ph type="sldNum" idx="12"/>
           </p:nvPr>
         </p:nvSpPr>
         <p:spPr>
@@ -1623,7 +1775,7 @@
           </a:prstGeom>
         </p:spPr>
         <p:txBody>
-          <a:bodyPr anchorCtr="0" anchor="ctr" bIns="91425" lIns="91425" rIns="91425" wrap="square" tIns="91425">
+          <a:bodyPr wrap="square" lIns="91425" tIns="91425" rIns="91425" bIns="91425" anchor="ctr" anchorCtr="0">
             <a:noAutofit/>
           </a:bodyPr>
           <a:lstStyle/>
@@ -1638,6 +1790,7 @@
               <a:rPr lang="en"/>
               <a:t>‹#›</a:t>
             </a:fld>
+            <a:endParaRPr lang="en"/>
           </a:p>
         </p:txBody>
       </p:sp>
@@ -1650,11 +1803,11 @@
 </file>
 
 <file path=ppt/slideLayouts/slideLayout10.xml><?xml version="1.0" encoding="utf-8"?>
-<p:sldLayout xmlns:a="http://schemas.openxmlformats.org/drawingml/2006/main" xmlns:r="http://schemas.openxmlformats.org/officeDocument/2006/relationships" xmlns:mc="http://schemas.openxmlformats.org/markup-compatibility/2006" xmlns:mv="urn:schemas-microsoft-com:mac:vml" xmlns:p="http://schemas.openxmlformats.org/presentationml/2006/main" xmlns:c="http://schemas.openxmlformats.org/drawingml/2006/chart" xmlns:dgm="http://schemas.openxmlformats.org/drawingml/2006/diagram" xmlns:o="urn:schemas-microsoft-com:office:office" xmlns:v="urn:schemas-microsoft-com:vml" xmlns:pvml="urn:schemas-microsoft-com:office:powerpoint" xmlns:com="http://schemas.openxmlformats.org/drawingml/2006/compatibility" xmlns:p14="http://schemas.microsoft.com/office/powerpoint/2010/main" xmlns:p15="http://schemas.microsoft.com/office/powerpoint/2012/main">
+<p:sldLayout xmlns:a="http://schemas.openxmlformats.org/drawingml/2006/main" xmlns:r="http://schemas.openxmlformats.org/officeDocument/2006/relationships" xmlns:p="http://schemas.openxmlformats.org/presentationml/2006/main">
   <p:cSld name="Big number">
     <p:spTree>
       <p:nvGrpSpPr>
-        <p:cNvPr id="55" name="Shape 55"/>
+        <p:cNvPr id="1" name="Shape 55"/>
         <p:cNvGrpSpPr/>
         <p:nvPr/>
       </p:nvGrpSpPr>
@@ -1688,7 +1841,7 @@
           </a:ln>
         </p:spPr>
         <p:txBody>
-          <a:bodyPr anchorCtr="0" anchor="ctr" bIns="91425" lIns="91425" rIns="91425" wrap="square" tIns="91425">
+          <a:bodyPr wrap="square" lIns="91425" tIns="91425" rIns="91425" bIns="91425" anchor="ctr" anchorCtr="0">
             <a:noAutofit/>
           </a:bodyPr>
           <a:lstStyle/>
@@ -1699,9 +1852,6 @@
               </a:spcBef>
               <a:buNone/>
             </a:pPr>
-            <a:r>
-              <a:t/>
-            </a:r>
             <a:endParaRPr/>
           </a:p>
         </p:txBody>
@@ -1709,7 +1859,9 @@
       <p:sp>
         <p:nvSpPr>
           <p:cNvPr id="57" name="Shape 57"/>
-          <p:cNvSpPr txBox="1"/>
+          <p:cNvSpPr txBox="1">
+            <a:spLocks noGrp="1"/>
+          </p:cNvSpPr>
           <p:nvPr>
             <p:ph type="title"/>
           </p:nvPr>
@@ -1724,7 +1876,7 @@
           </a:prstGeom>
         </p:spPr>
         <p:txBody>
-          <a:bodyPr anchorCtr="0" anchor="ctr" bIns="91425" lIns="91425" rIns="91425" wrap="square" tIns="91425"/>
+          <a:bodyPr wrap="square" lIns="91425" tIns="91425" rIns="91425" bIns="91425" anchor="ctr" anchorCtr="0"/>
           <a:lstStyle>
             <a:lvl1pPr lvl="0" algn="ctr">
               <a:spcBef>
@@ -1853,15 +2005,19 @@
               </a:defRPr>
             </a:lvl9pPr>
           </a:lstStyle>
-          <a:p/>
+          <a:p>
+            <a:endParaRPr/>
+          </a:p>
         </p:txBody>
       </p:sp>
       <p:sp>
         <p:nvSpPr>
           <p:cNvPr id="58" name="Shape 58"/>
-          <p:cNvSpPr txBox="1"/>
+          <p:cNvSpPr txBox="1">
+            <a:spLocks noGrp="1"/>
+          </p:cNvSpPr>
           <p:nvPr>
-            <p:ph idx="1" type="body"/>
+            <p:ph type="body" idx="1"/>
           </p:nvPr>
         </p:nvSpPr>
         <p:spPr>
@@ -1874,7 +2030,7 @@
           </a:prstGeom>
         </p:spPr>
         <p:txBody>
-          <a:bodyPr anchorCtr="0" anchor="t" bIns="91425" lIns="91425" rIns="91425" wrap="square" tIns="91425"/>
+          <a:bodyPr wrap="square" lIns="91425" tIns="91425" rIns="91425" bIns="91425" anchor="t" anchorCtr="0"/>
           <a:lstStyle>
             <a:lvl1pPr lvl="0" algn="ctr">
               <a:spcBef>
@@ -1931,15 +2087,19 @@
               <a:defRPr/>
             </a:lvl9pPr>
           </a:lstStyle>
-          <a:p/>
+          <a:p>
+            <a:endParaRPr/>
+          </a:p>
         </p:txBody>
       </p:sp>
       <p:sp>
         <p:nvSpPr>
           <p:cNvPr id="59" name="Shape 59"/>
-          <p:cNvSpPr txBox="1"/>
+          <p:cNvSpPr txBox="1">
+            <a:spLocks noGrp="1"/>
+          </p:cNvSpPr>
           <p:nvPr>
-            <p:ph idx="12" type="sldNum"/>
+            <p:ph type="sldNum" idx="12"/>
           </p:nvPr>
         </p:nvSpPr>
         <p:spPr>
@@ -1952,7 +2112,7 @@
           </a:prstGeom>
         </p:spPr>
         <p:txBody>
-          <a:bodyPr anchorCtr="0" anchor="ctr" bIns="91425" lIns="91425" rIns="91425" wrap="square" tIns="91425">
+          <a:bodyPr wrap="square" lIns="91425" tIns="91425" rIns="91425" bIns="91425" anchor="ctr" anchorCtr="0">
             <a:noAutofit/>
           </a:bodyPr>
           <a:lstStyle/>
@@ -1967,6 +2127,7 @@
               <a:rPr lang="en"/>
               <a:t>‹#›</a:t>
             </a:fld>
+            <a:endParaRPr lang="en"/>
           </a:p>
         </p:txBody>
       </p:sp>
@@ -1979,11 +2140,11 @@
 </file>
 
 <file path=ppt/slideLayouts/slideLayout11.xml><?xml version="1.0" encoding="utf-8"?>
-<p:sldLayout xmlns:a="http://schemas.openxmlformats.org/drawingml/2006/main" xmlns:r="http://schemas.openxmlformats.org/officeDocument/2006/relationships" xmlns:mc="http://schemas.openxmlformats.org/markup-compatibility/2006" xmlns:mv="urn:schemas-microsoft-com:mac:vml" xmlns:p="http://schemas.openxmlformats.org/presentationml/2006/main" xmlns:c="http://schemas.openxmlformats.org/drawingml/2006/chart" xmlns:dgm="http://schemas.openxmlformats.org/drawingml/2006/diagram" xmlns:o="urn:schemas-microsoft-com:office:office" xmlns:v="urn:schemas-microsoft-com:vml" xmlns:pvml="urn:schemas-microsoft-com:office:powerpoint" xmlns:com="http://schemas.openxmlformats.org/drawingml/2006/compatibility" xmlns:p14="http://schemas.microsoft.com/office/powerpoint/2010/main" xmlns:p15="http://schemas.microsoft.com/office/powerpoint/2012/main" type="blank">
+<p:sldLayout xmlns:a="http://schemas.openxmlformats.org/drawingml/2006/main" xmlns:r="http://schemas.openxmlformats.org/officeDocument/2006/relationships" xmlns:p="http://schemas.openxmlformats.org/presentationml/2006/main" type="blank">
   <p:cSld name="Blank">
     <p:spTree>
       <p:nvGrpSpPr>
-        <p:cNvPr id="60" name="Shape 60"/>
+        <p:cNvPr id="1" name="Shape 60"/>
         <p:cNvGrpSpPr/>
         <p:nvPr/>
       </p:nvGrpSpPr>
@@ -1998,9 +2159,11 @@
       <p:sp>
         <p:nvSpPr>
           <p:cNvPr id="61" name="Shape 61"/>
-          <p:cNvSpPr txBox="1"/>
+          <p:cNvSpPr txBox="1">
+            <a:spLocks noGrp="1"/>
+          </p:cNvSpPr>
           <p:nvPr>
-            <p:ph idx="12" type="sldNum"/>
+            <p:ph type="sldNum" idx="12"/>
           </p:nvPr>
         </p:nvSpPr>
         <p:spPr>
@@ -2013,7 +2176,7 @@
           </a:prstGeom>
         </p:spPr>
         <p:txBody>
-          <a:bodyPr anchorCtr="0" anchor="ctr" bIns="91425" lIns="91425" rIns="91425" wrap="square" tIns="91425">
+          <a:bodyPr wrap="square" lIns="91425" tIns="91425" rIns="91425" bIns="91425" anchor="ctr" anchorCtr="0">
             <a:noAutofit/>
           </a:bodyPr>
           <a:lstStyle/>
@@ -2028,6 +2191,7 @@
               <a:rPr lang="en"/>
               <a:t>‹#›</a:t>
             </a:fld>
+            <a:endParaRPr lang="en"/>
           </a:p>
         </p:txBody>
       </p:sp>
@@ -2040,11 +2204,11 @@
 </file>
 
 <file path=ppt/slideLayouts/slideLayout2.xml><?xml version="1.0" encoding="utf-8"?>
-<p:sldLayout xmlns:a="http://schemas.openxmlformats.org/drawingml/2006/main" xmlns:r="http://schemas.openxmlformats.org/officeDocument/2006/relationships" xmlns:mc="http://schemas.openxmlformats.org/markup-compatibility/2006" xmlns:mv="urn:schemas-microsoft-com:mac:vml" xmlns:p="http://schemas.openxmlformats.org/presentationml/2006/main" xmlns:c="http://schemas.openxmlformats.org/drawingml/2006/chart" xmlns:dgm="http://schemas.openxmlformats.org/drawingml/2006/diagram" xmlns:o="urn:schemas-microsoft-com:office:office" xmlns:v="urn:schemas-microsoft-com:vml" xmlns:pvml="urn:schemas-microsoft-com:office:powerpoint" xmlns:com="http://schemas.openxmlformats.org/drawingml/2006/compatibility" xmlns:p14="http://schemas.microsoft.com/office/powerpoint/2010/main" xmlns:p15="http://schemas.microsoft.com/office/powerpoint/2012/main" type="secHead">
+<p:sldLayout xmlns:a="http://schemas.openxmlformats.org/drawingml/2006/main" xmlns:r="http://schemas.openxmlformats.org/officeDocument/2006/relationships" xmlns:p="http://schemas.openxmlformats.org/presentationml/2006/main" type="secHead">
   <p:cSld name="Section header">
     <p:spTree>
       <p:nvGrpSpPr>
-        <p:cNvPr id="21" name="Shape 21"/>
+        <p:cNvPr id="1" name="Shape 21"/>
         <p:cNvGrpSpPr/>
         <p:nvPr/>
       </p:nvGrpSpPr>
@@ -2078,7 +2242,7 @@
           </a:ln>
         </p:spPr>
         <p:txBody>
-          <a:bodyPr anchorCtr="0" anchor="ctr" bIns="91425" lIns="91425" rIns="91425" wrap="square" tIns="91425">
+          <a:bodyPr wrap="square" lIns="91425" tIns="91425" rIns="91425" bIns="91425" anchor="ctr" anchorCtr="0">
             <a:noAutofit/>
           </a:bodyPr>
           <a:lstStyle/>
@@ -2089,9 +2253,6 @@
               </a:spcBef>
               <a:buNone/>
             </a:pPr>
-            <a:r>
-              <a:t/>
-            </a:r>
             <a:endParaRPr/>
           </a:p>
         </p:txBody>
@@ -2099,7 +2260,9 @@
       <p:sp>
         <p:nvSpPr>
           <p:cNvPr id="23" name="Shape 23"/>
-          <p:cNvSpPr txBox="1"/>
+          <p:cNvSpPr txBox="1">
+            <a:spLocks noGrp="1"/>
+          </p:cNvSpPr>
           <p:nvPr>
             <p:ph type="title"/>
           </p:nvPr>
@@ -2114,7 +2277,7 @@
           </a:prstGeom>
         </p:spPr>
         <p:txBody>
-          <a:bodyPr anchorCtr="0" anchor="ctr" bIns="91425" lIns="91425" rIns="91425" wrap="square" tIns="91425"/>
+          <a:bodyPr wrap="square" lIns="91425" tIns="91425" rIns="91425" bIns="91425" anchor="ctr" anchorCtr="0"/>
           <a:lstStyle>
             <a:lvl1pPr lvl="0" algn="ctr">
               <a:spcBef>
@@ -2171,15 +2334,19 @@
               <a:defRPr/>
             </a:lvl9pPr>
           </a:lstStyle>
-          <a:p/>
+          <a:p>
+            <a:endParaRPr/>
+          </a:p>
         </p:txBody>
       </p:sp>
       <p:sp>
         <p:nvSpPr>
           <p:cNvPr id="24" name="Shape 24"/>
-          <p:cNvSpPr txBox="1"/>
+          <p:cNvSpPr txBox="1">
+            <a:spLocks noGrp="1"/>
+          </p:cNvSpPr>
           <p:nvPr>
-            <p:ph idx="12" type="sldNum"/>
+            <p:ph type="sldNum" idx="12"/>
           </p:nvPr>
         </p:nvSpPr>
         <p:spPr>
@@ -2192,7 +2359,7 @@
           </a:prstGeom>
         </p:spPr>
         <p:txBody>
-          <a:bodyPr anchorCtr="0" anchor="ctr" bIns="91425" lIns="91425" rIns="91425" wrap="square" tIns="91425">
+          <a:bodyPr wrap="square" lIns="91425" tIns="91425" rIns="91425" bIns="91425" anchor="ctr" anchorCtr="0">
             <a:noAutofit/>
           </a:bodyPr>
           <a:lstStyle/>
@@ -2211,6 +2378,11 @@
               </a:rPr>
               <a:t>‹#›</a:t>
             </a:fld>
+            <a:endParaRPr lang="en">
+              <a:solidFill>
+                <a:schemeClr val="lt1"/>
+              </a:solidFill>
+            </a:endParaRPr>
           </a:p>
         </p:txBody>
       </p:sp>
@@ -2223,11 +2395,11 @@
 </file>
 
 <file path=ppt/slideLayouts/slideLayout3.xml><?xml version="1.0" encoding="utf-8"?>
-<p:sldLayout xmlns:a="http://schemas.openxmlformats.org/drawingml/2006/main" xmlns:r="http://schemas.openxmlformats.org/officeDocument/2006/relationships" xmlns:mc="http://schemas.openxmlformats.org/markup-compatibility/2006" xmlns:mv="urn:schemas-microsoft-com:mac:vml" xmlns:p="http://schemas.openxmlformats.org/presentationml/2006/main" xmlns:c="http://schemas.openxmlformats.org/drawingml/2006/chart" xmlns:dgm="http://schemas.openxmlformats.org/drawingml/2006/diagram" xmlns:o="urn:schemas-microsoft-com:office:office" xmlns:v="urn:schemas-microsoft-com:vml" xmlns:pvml="urn:schemas-microsoft-com:office:powerpoint" xmlns:com="http://schemas.openxmlformats.org/drawingml/2006/compatibility" xmlns:p14="http://schemas.microsoft.com/office/powerpoint/2010/main" xmlns:p15="http://schemas.microsoft.com/office/powerpoint/2012/main" type="tx">
+<p:sldLayout xmlns:a="http://schemas.openxmlformats.org/drawingml/2006/main" xmlns:r="http://schemas.openxmlformats.org/officeDocument/2006/relationships" xmlns:p="http://schemas.openxmlformats.org/presentationml/2006/main" type="tx">
   <p:cSld name="Title and body">
     <p:spTree>
       <p:nvGrpSpPr>
-        <p:cNvPr id="25" name="Shape 25"/>
+        <p:cNvPr id="1" name="Shape 25"/>
         <p:cNvGrpSpPr/>
         <p:nvPr/>
       </p:nvGrpSpPr>
@@ -2261,7 +2433,7 @@
           </a:ln>
         </p:spPr>
         <p:txBody>
-          <a:bodyPr anchorCtr="0" anchor="ctr" bIns="91425" lIns="91425" rIns="91425" wrap="square" tIns="91425">
+          <a:bodyPr wrap="square" lIns="91425" tIns="91425" rIns="91425" bIns="91425" anchor="ctr" anchorCtr="0">
             <a:noAutofit/>
           </a:bodyPr>
           <a:lstStyle/>
@@ -2272,9 +2444,6 @@
               </a:spcBef>
               <a:buNone/>
             </a:pPr>
-            <a:r>
-              <a:t/>
-            </a:r>
             <a:endParaRPr/>
           </a:p>
         </p:txBody>
@@ -2282,7 +2451,9 @@
       <p:sp>
         <p:nvSpPr>
           <p:cNvPr id="27" name="Shape 27"/>
-          <p:cNvSpPr txBox="1"/>
+          <p:cNvSpPr txBox="1">
+            <a:spLocks noGrp="1"/>
+          </p:cNvSpPr>
           <p:nvPr>
             <p:ph type="title"/>
           </p:nvPr>
@@ -2297,7 +2468,7 @@
           </a:prstGeom>
         </p:spPr>
         <p:txBody>
-          <a:bodyPr anchorCtr="0" anchor="t" bIns="91425" lIns="91425" rIns="91425" wrap="square" tIns="91425"/>
+          <a:bodyPr wrap="square" lIns="91425" tIns="91425" rIns="91425" bIns="91425" anchor="t" anchorCtr="0"/>
           <a:lstStyle>
             <a:lvl1pPr lvl="0">
               <a:spcBef>
@@ -2354,15 +2525,19 @@
               <a:defRPr/>
             </a:lvl9pPr>
           </a:lstStyle>
-          <a:p/>
+          <a:p>
+            <a:endParaRPr/>
+          </a:p>
         </p:txBody>
       </p:sp>
       <p:sp>
         <p:nvSpPr>
           <p:cNvPr id="28" name="Shape 28"/>
-          <p:cNvSpPr txBox="1"/>
+          <p:cNvSpPr txBox="1">
+            <a:spLocks noGrp="1"/>
+          </p:cNvSpPr>
           <p:nvPr>
-            <p:ph idx="1" type="body"/>
+            <p:ph type="body" idx="1"/>
           </p:nvPr>
         </p:nvSpPr>
         <p:spPr>
@@ -2375,7 +2550,7 @@
           </a:prstGeom>
         </p:spPr>
         <p:txBody>
-          <a:bodyPr anchorCtr="0" anchor="t" bIns="91425" lIns="91425" rIns="91425" wrap="square" tIns="91425"/>
+          <a:bodyPr wrap="square" lIns="91425" tIns="91425" rIns="91425" bIns="91425" anchor="t" anchorCtr="0"/>
           <a:lstStyle>
             <a:lvl1pPr lvl="0">
               <a:spcBef>
@@ -2432,15 +2607,19 @@
               <a:defRPr/>
             </a:lvl9pPr>
           </a:lstStyle>
-          <a:p/>
+          <a:p>
+            <a:endParaRPr/>
+          </a:p>
         </p:txBody>
       </p:sp>
       <p:sp>
         <p:nvSpPr>
           <p:cNvPr id="29" name="Shape 29"/>
-          <p:cNvSpPr txBox="1"/>
+          <p:cNvSpPr txBox="1">
+            <a:spLocks noGrp="1"/>
+          </p:cNvSpPr>
           <p:nvPr>
-            <p:ph idx="12" type="sldNum"/>
+            <p:ph type="sldNum" idx="12"/>
           </p:nvPr>
         </p:nvSpPr>
         <p:spPr>
@@ -2453,7 +2632,7 @@
           </a:prstGeom>
         </p:spPr>
         <p:txBody>
-          <a:bodyPr anchorCtr="0" anchor="ctr" bIns="91425" lIns="91425" rIns="91425" wrap="square" tIns="91425">
+          <a:bodyPr wrap="square" lIns="91425" tIns="91425" rIns="91425" bIns="91425" anchor="ctr" anchorCtr="0">
             <a:noAutofit/>
           </a:bodyPr>
           <a:lstStyle/>
@@ -2468,6 +2647,7 @@
               <a:rPr lang="en"/>
               <a:t>‹#›</a:t>
             </a:fld>
+            <a:endParaRPr lang="en"/>
           </a:p>
         </p:txBody>
       </p:sp>
@@ -2480,11 +2660,11 @@
 </file>
 
 <file path=ppt/slideLayouts/slideLayout4.xml><?xml version="1.0" encoding="utf-8"?>
-<p:sldLayout xmlns:a="http://schemas.openxmlformats.org/drawingml/2006/main" xmlns:r="http://schemas.openxmlformats.org/officeDocument/2006/relationships" xmlns:mc="http://schemas.openxmlformats.org/markup-compatibility/2006" xmlns:mv="urn:schemas-microsoft-com:mac:vml" xmlns:p="http://schemas.openxmlformats.org/presentationml/2006/main" xmlns:c="http://schemas.openxmlformats.org/drawingml/2006/chart" xmlns:dgm="http://schemas.openxmlformats.org/drawingml/2006/diagram" xmlns:o="urn:schemas-microsoft-com:office:office" xmlns:v="urn:schemas-microsoft-com:vml" xmlns:pvml="urn:schemas-microsoft-com:office:powerpoint" xmlns:com="http://schemas.openxmlformats.org/drawingml/2006/compatibility" xmlns:p14="http://schemas.microsoft.com/office/powerpoint/2010/main" xmlns:p15="http://schemas.microsoft.com/office/powerpoint/2012/main" type="twoColTx">
+<p:sldLayout xmlns:a="http://schemas.openxmlformats.org/drawingml/2006/main" xmlns:r="http://schemas.openxmlformats.org/officeDocument/2006/relationships" xmlns:p="http://schemas.openxmlformats.org/presentationml/2006/main" type="twoColTx">
   <p:cSld name="Title and two columns">
     <p:spTree>
       <p:nvGrpSpPr>
-        <p:cNvPr id="30" name="Shape 30"/>
+        <p:cNvPr id="1" name="Shape 30"/>
         <p:cNvGrpSpPr/>
         <p:nvPr/>
       </p:nvGrpSpPr>
@@ -2499,7 +2679,9 @@
       <p:sp>
         <p:nvSpPr>
           <p:cNvPr id="31" name="Shape 31"/>
-          <p:cNvSpPr txBox="1"/>
+          <p:cNvSpPr txBox="1">
+            <a:spLocks noGrp="1"/>
+          </p:cNvSpPr>
           <p:nvPr>
             <p:ph type="title"/>
           </p:nvPr>
@@ -2514,7 +2696,7 @@
           </a:prstGeom>
         </p:spPr>
         <p:txBody>
-          <a:bodyPr anchorCtr="0" anchor="t" bIns="91425" lIns="91425" rIns="91425" wrap="square" tIns="91425"/>
+          <a:bodyPr wrap="square" lIns="91425" tIns="91425" rIns="91425" bIns="91425" anchor="t" anchorCtr="0"/>
           <a:lstStyle>
             <a:lvl1pPr lvl="0">
               <a:spcBef>
@@ -2571,15 +2753,19 @@
               <a:defRPr/>
             </a:lvl9pPr>
           </a:lstStyle>
-          <a:p/>
+          <a:p>
+            <a:endParaRPr/>
+          </a:p>
         </p:txBody>
       </p:sp>
       <p:sp>
         <p:nvSpPr>
           <p:cNvPr id="32" name="Shape 32"/>
-          <p:cNvSpPr txBox="1"/>
+          <p:cNvSpPr txBox="1">
+            <a:spLocks noGrp="1"/>
+          </p:cNvSpPr>
           <p:nvPr>
-            <p:ph idx="1" type="body"/>
+            <p:ph type="body" idx="1"/>
           </p:nvPr>
         </p:nvSpPr>
         <p:spPr>
@@ -2592,7 +2778,7 @@
           </a:prstGeom>
         </p:spPr>
         <p:txBody>
-          <a:bodyPr anchorCtr="0" anchor="t" bIns="91425" lIns="91425" rIns="91425" wrap="square" tIns="91425"/>
+          <a:bodyPr wrap="square" lIns="91425" tIns="91425" rIns="91425" bIns="91425" anchor="t" anchorCtr="0"/>
           <a:lstStyle>
             <a:lvl1pPr lvl="0">
               <a:spcBef>
@@ -2658,15 +2844,19 @@
               <a:defRPr sz="1200"/>
             </a:lvl9pPr>
           </a:lstStyle>
-          <a:p/>
+          <a:p>
+            <a:endParaRPr/>
+          </a:p>
         </p:txBody>
       </p:sp>
       <p:sp>
         <p:nvSpPr>
           <p:cNvPr id="33" name="Shape 33"/>
-          <p:cNvSpPr txBox="1"/>
+          <p:cNvSpPr txBox="1">
+            <a:spLocks noGrp="1"/>
+          </p:cNvSpPr>
           <p:nvPr>
-            <p:ph idx="2" type="body"/>
+            <p:ph type="body" idx="2"/>
           </p:nvPr>
         </p:nvSpPr>
         <p:spPr>
@@ -2679,7 +2869,7 @@
           </a:prstGeom>
         </p:spPr>
         <p:txBody>
-          <a:bodyPr anchorCtr="0" anchor="t" bIns="91425" lIns="91425" rIns="91425" wrap="square" tIns="91425"/>
+          <a:bodyPr wrap="square" lIns="91425" tIns="91425" rIns="91425" bIns="91425" anchor="t" anchorCtr="0"/>
           <a:lstStyle>
             <a:lvl1pPr lvl="0">
               <a:spcBef>
@@ -2745,15 +2935,19 @@
               <a:defRPr sz="1200"/>
             </a:lvl9pPr>
           </a:lstStyle>
-          <a:p/>
+          <a:p>
+            <a:endParaRPr/>
+          </a:p>
         </p:txBody>
       </p:sp>
       <p:sp>
         <p:nvSpPr>
           <p:cNvPr id="34" name="Shape 34"/>
-          <p:cNvSpPr txBox="1"/>
+          <p:cNvSpPr txBox="1">
+            <a:spLocks noGrp="1"/>
+          </p:cNvSpPr>
           <p:nvPr>
-            <p:ph idx="12" type="sldNum"/>
+            <p:ph type="sldNum" idx="12"/>
           </p:nvPr>
         </p:nvSpPr>
         <p:spPr>
@@ -2766,7 +2960,7 @@
           </a:prstGeom>
         </p:spPr>
         <p:txBody>
-          <a:bodyPr anchorCtr="0" anchor="ctr" bIns="91425" lIns="91425" rIns="91425" wrap="square" tIns="91425">
+          <a:bodyPr wrap="square" lIns="91425" tIns="91425" rIns="91425" bIns="91425" anchor="ctr" anchorCtr="0">
             <a:noAutofit/>
           </a:bodyPr>
           <a:lstStyle/>
@@ -2781,6 +2975,7 @@
               <a:rPr lang="en"/>
               <a:t>‹#›</a:t>
             </a:fld>
+            <a:endParaRPr lang="en"/>
           </a:p>
         </p:txBody>
       </p:sp>
@@ -2793,11 +2988,11 @@
 </file>
 
 <file path=ppt/slideLayouts/slideLayout5.xml><?xml version="1.0" encoding="utf-8"?>
-<p:sldLayout xmlns:a="http://schemas.openxmlformats.org/drawingml/2006/main" xmlns:r="http://schemas.openxmlformats.org/officeDocument/2006/relationships" xmlns:mc="http://schemas.openxmlformats.org/markup-compatibility/2006" xmlns:mv="urn:schemas-microsoft-com:mac:vml" xmlns:p="http://schemas.openxmlformats.org/presentationml/2006/main" xmlns:c="http://schemas.openxmlformats.org/drawingml/2006/chart" xmlns:dgm="http://schemas.openxmlformats.org/drawingml/2006/diagram" xmlns:o="urn:schemas-microsoft-com:office:office" xmlns:v="urn:schemas-microsoft-com:vml" xmlns:pvml="urn:schemas-microsoft-com:office:powerpoint" xmlns:com="http://schemas.openxmlformats.org/drawingml/2006/compatibility" xmlns:p14="http://schemas.microsoft.com/office/powerpoint/2010/main" xmlns:p15="http://schemas.microsoft.com/office/powerpoint/2012/main" type="titleOnly">
+<p:sldLayout xmlns:a="http://schemas.openxmlformats.org/drawingml/2006/main" xmlns:r="http://schemas.openxmlformats.org/officeDocument/2006/relationships" xmlns:p="http://schemas.openxmlformats.org/presentationml/2006/main" type="titleOnly">
   <p:cSld name="Title only">
     <p:spTree>
       <p:nvGrpSpPr>
-        <p:cNvPr id="35" name="Shape 35"/>
+        <p:cNvPr id="1" name="Shape 35"/>
         <p:cNvGrpSpPr/>
         <p:nvPr/>
       </p:nvGrpSpPr>
@@ -2812,7 +3007,9 @@
       <p:sp>
         <p:nvSpPr>
           <p:cNvPr id="36" name="Shape 36"/>
-          <p:cNvSpPr txBox="1"/>
+          <p:cNvSpPr txBox="1">
+            <a:spLocks noGrp="1"/>
+          </p:cNvSpPr>
           <p:nvPr>
             <p:ph type="title"/>
           </p:nvPr>
@@ -2827,7 +3024,7 @@
           </a:prstGeom>
         </p:spPr>
         <p:txBody>
-          <a:bodyPr anchorCtr="0" anchor="t" bIns="91425" lIns="91425" rIns="91425" wrap="square" tIns="91425"/>
+          <a:bodyPr wrap="square" lIns="91425" tIns="91425" rIns="91425" bIns="91425" anchor="t" anchorCtr="0"/>
           <a:lstStyle>
             <a:lvl1pPr lvl="0">
               <a:spcBef>
@@ -2884,15 +3081,19 @@
               <a:defRPr/>
             </a:lvl9pPr>
           </a:lstStyle>
-          <a:p/>
+          <a:p>
+            <a:endParaRPr/>
+          </a:p>
         </p:txBody>
       </p:sp>
       <p:sp>
         <p:nvSpPr>
           <p:cNvPr id="37" name="Shape 37"/>
-          <p:cNvSpPr txBox="1"/>
+          <p:cNvSpPr txBox="1">
+            <a:spLocks noGrp="1"/>
+          </p:cNvSpPr>
           <p:nvPr>
-            <p:ph idx="12" type="sldNum"/>
+            <p:ph type="sldNum" idx="12"/>
           </p:nvPr>
         </p:nvSpPr>
         <p:spPr>
@@ -2905,7 +3106,7 @@
           </a:prstGeom>
         </p:spPr>
         <p:txBody>
-          <a:bodyPr anchorCtr="0" anchor="ctr" bIns="91425" lIns="91425" rIns="91425" wrap="square" tIns="91425">
+          <a:bodyPr wrap="square" lIns="91425" tIns="91425" rIns="91425" bIns="91425" anchor="ctr" anchorCtr="0">
             <a:noAutofit/>
           </a:bodyPr>
           <a:lstStyle/>
@@ -2920,6 +3121,7 @@
               <a:rPr lang="en"/>
               <a:t>‹#›</a:t>
             </a:fld>
+            <a:endParaRPr lang="en"/>
           </a:p>
         </p:txBody>
       </p:sp>
@@ -2932,11 +3134,11 @@
 </file>
 
 <file path=ppt/slideLayouts/slideLayout6.xml><?xml version="1.0" encoding="utf-8"?>
-<p:sldLayout xmlns:a="http://schemas.openxmlformats.org/drawingml/2006/main" xmlns:r="http://schemas.openxmlformats.org/officeDocument/2006/relationships" xmlns:mc="http://schemas.openxmlformats.org/markup-compatibility/2006" xmlns:mv="urn:schemas-microsoft-com:mac:vml" xmlns:p="http://schemas.openxmlformats.org/presentationml/2006/main" xmlns:c="http://schemas.openxmlformats.org/drawingml/2006/chart" xmlns:dgm="http://schemas.openxmlformats.org/drawingml/2006/diagram" xmlns:o="urn:schemas-microsoft-com:office:office" xmlns:v="urn:schemas-microsoft-com:vml" xmlns:pvml="urn:schemas-microsoft-com:office:powerpoint" xmlns:com="http://schemas.openxmlformats.org/drawingml/2006/compatibility" xmlns:p14="http://schemas.microsoft.com/office/powerpoint/2010/main" xmlns:p15="http://schemas.microsoft.com/office/powerpoint/2012/main">
+<p:sldLayout xmlns:a="http://schemas.openxmlformats.org/drawingml/2006/main" xmlns:r="http://schemas.openxmlformats.org/officeDocument/2006/relationships" xmlns:p="http://schemas.openxmlformats.org/presentationml/2006/main">
   <p:cSld name="One column text">
     <p:spTree>
       <p:nvGrpSpPr>
-        <p:cNvPr id="38" name="Shape 38"/>
+        <p:cNvPr id="1" name="Shape 38"/>
         <p:cNvGrpSpPr/>
         <p:nvPr/>
       </p:nvGrpSpPr>
@@ -2951,7 +3153,9 @@
       <p:sp>
         <p:nvSpPr>
           <p:cNvPr id="39" name="Shape 39"/>
-          <p:cNvSpPr txBox="1"/>
+          <p:cNvSpPr txBox="1">
+            <a:spLocks noGrp="1"/>
+          </p:cNvSpPr>
           <p:nvPr>
             <p:ph type="title"/>
           </p:nvPr>
@@ -2966,7 +3170,7 @@
           </a:prstGeom>
         </p:spPr>
         <p:txBody>
-          <a:bodyPr anchorCtr="0" anchor="b" bIns="91425" lIns="91425" rIns="91425" wrap="square" tIns="91425"/>
+          <a:bodyPr wrap="square" lIns="91425" tIns="91425" rIns="91425" bIns="91425" anchor="b" anchorCtr="0"/>
           <a:lstStyle>
             <a:lvl1pPr lvl="0">
               <a:spcBef>
@@ -3032,15 +3236,19 @@
               <a:defRPr sz="2400"/>
             </a:lvl9pPr>
           </a:lstStyle>
-          <a:p/>
+          <a:p>
+            <a:endParaRPr/>
+          </a:p>
         </p:txBody>
       </p:sp>
       <p:sp>
         <p:nvSpPr>
           <p:cNvPr id="40" name="Shape 40"/>
-          <p:cNvSpPr txBox="1"/>
+          <p:cNvSpPr txBox="1">
+            <a:spLocks noGrp="1"/>
+          </p:cNvSpPr>
           <p:nvPr>
-            <p:ph idx="1" type="body"/>
+            <p:ph type="body" idx="1"/>
           </p:nvPr>
         </p:nvSpPr>
         <p:spPr>
@@ -3053,7 +3261,7 @@
           </a:prstGeom>
         </p:spPr>
         <p:txBody>
-          <a:bodyPr anchorCtr="0" anchor="t" bIns="91425" lIns="91425" rIns="91425" wrap="square" tIns="91425"/>
+          <a:bodyPr wrap="square" lIns="91425" tIns="91425" rIns="91425" bIns="91425" anchor="t" anchorCtr="0"/>
           <a:lstStyle>
             <a:lvl1pPr lvl="0">
               <a:spcBef>
@@ -3119,15 +3327,19 @@
               <a:defRPr sz="1200"/>
             </a:lvl9pPr>
           </a:lstStyle>
-          <a:p/>
+          <a:p>
+            <a:endParaRPr/>
+          </a:p>
         </p:txBody>
       </p:sp>
       <p:sp>
         <p:nvSpPr>
           <p:cNvPr id="41" name="Shape 41"/>
-          <p:cNvSpPr txBox="1"/>
+          <p:cNvSpPr txBox="1">
+            <a:spLocks noGrp="1"/>
+          </p:cNvSpPr>
           <p:nvPr>
-            <p:ph idx="12" type="sldNum"/>
+            <p:ph type="sldNum" idx="12"/>
           </p:nvPr>
         </p:nvSpPr>
         <p:spPr>
@@ -3140,7 +3352,7 @@
           </a:prstGeom>
         </p:spPr>
         <p:txBody>
-          <a:bodyPr anchorCtr="0" anchor="ctr" bIns="91425" lIns="91425" rIns="91425" wrap="square" tIns="91425">
+          <a:bodyPr wrap="square" lIns="91425" tIns="91425" rIns="91425" bIns="91425" anchor="ctr" anchorCtr="0">
             <a:noAutofit/>
           </a:bodyPr>
           <a:lstStyle/>
@@ -3155,6 +3367,7 @@
               <a:rPr lang="en"/>
               <a:t>‹#›</a:t>
             </a:fld>
+            <a:endParaRPr lang="en"/>
           </a:p>
         </p:txBody>
       </p:sp>
@@ -3167,18 +3380,19 @@
 </file>
 
 <file path=ppt/slideLayouts/slideLayout7.xml><?xml version="1.0" encoding="utf-8"?>
-<p:sldLayout xmlns:a="http://schemas.openxmlformats.org/drawingml/2006/main" xmlns:r="http://schemas.openxmlformats.org/officeDocument/2006/relationships" xmlns:mc="http://schemas.openxmlformats.org/markup-compatibility/2006" xmlns:mv="urn:schemas-microsoft-com:mac:vml" xmlns:p="http://schemas.openxmlformats.org/presentationml/2006/main" xmlns:c="http://schemas.openxmlformats.org/drawingml/2006/chart" xmlns:dgm="http://schemas.openxmlformats.org/drawingml/2006/diagram" xmlns:o="urn:schemas-microsoft-com:office:office" xmlns:v="urn:schemas-microsoft-com:vml" xmlns:pvml="urn:schemas-microsoft-com:office:powerpoint" xmlns:com="http://schemas.openxmlformats.org/drawingml/2006/compatibility" xmlns:p14="http://schemas.microsoft.com/office/powerpoint/2010/main" xmlns:p15="http://schemas.microsoft.com/office/powerpoint/2012/main">
+<p:sldLayout xmlns:a="http://schemas.openxmlformats.org/drawingml/2006/main" xmlns:r="http://schemas.openxmlformats.org/officeDocument/2006/relationships" xmlns:p="http://schemas.openxmlformats.org/presentationml/2006/main">
   <p:cSld name="Main point">
     <p:bg>
       <p:bgPr>
         <a:solidFill>
           <a:schemeClr val="accent6"/>
         </a:solidFill>
+        <a:effectLst/>
       </p:bgPr>
     </p:bg>
     <p:spTree>
       <p:nvGrpSpPr>
-        <p:cNvPr id="42" name="Shape 42"/>
+        <p:cNvPr id="1" name="Shape 42"/>
         <p:cNvGrpSpPr/>
         <p:nvPr/>
       </p:nvGrpSpPr>
@@ -3193,7 +3407,9 @@
       <p:sp>
         <p:nvSpPr>
           <p:cNvPr id="43" name="Shape 43"/>
-          <p:cNvSpPr txBox="1"/>
+          <p:cNvSpPr txBox="1">
+            <a:spLocks noGrp="1"/>
+          </p:cNvSpPr>
           <p:nvPr>
             <p:ph type="title"/>
           </p:nvPr>
@@ -3208,7 +3424,7 @@
           </a:prstGeom>
         </p:spPr>
         <p:txBody>
-          <a:bodyPr anchorCtr="0" anchor="ctr" bIns="91425" lIns="91425" rIns="91425" wrap="square" tIns="91425"/>
+          <a:bodyPr wrap="square" lIns="91425" tIns="91425" rIns="91425" bIns="91425" anchor="ctr" anchorCtr="0"/>
           <a:lstStyle>
             <a:lvl1pPr lvl="0">
               <a:spcBef>
@@ -3218,7 +3434,7 @@
                 <a:schemeClr val="dk2"/>
               </a:buClr>
               <a:buSzPct val="100000"/>
-              <a:defRPr b="0" sz="5400">
+              <a:defRPr sz="5400" b="0">
                 <a:solidFill>
                   <a:schemeClr val="dk2"/>
                 </a:solidFill>
@@ -3232,7 +3448,7 @@
                 <a:schemeClr val="dk2"/>
               </a:buClr>
               <a:buSzPct val="100000"/>
-              <a:defRPr b="0" sz="5400">
+              <a:defRPr sz="5400" b="0">
                 <a:solidFill>
                   <a:schemeClr val="dk2"/>
                 </a:solidFill>
@@ -3246,7 +3462,7 @@
                 <a:schemeClr val="dk2"/>
               </a:buClr>
               <a:buSzPct val="100000"/>
-              <a:defRPr b="0" sz="5400">
+              <a:defRPr sz="5400" b="0">
                 <a:solidFill>
                   <a:schemeClr val="dk2"/>
                 </a:solidFill>
@@ -3260,7 +3476,7 @@
                 <a:schemeClr val="dk2"/>
               </a:buClr>
               <a:buSzPct val="100000"/>
-              <a:defRPr b="0" sz="5400">
+              <a:defRPr sz="5400" b="0">
                 <a:solidFill>
                   <a:schemeClr val="dk2"/>
                 </a:solidFill>
@@ -3274,7 +3490,7 @@
                 <a:schemeClr val="dk2"/>
               </a:buClr>
               <a:buSzPct val="100000"/>
-              <a:defRPr b="0" sz="5400">
+              <a:defRPr sz="5400" b="0">
                 <a:solidFill>
                   <a:schemeClr val="dk2"/>
                 </a:solidFill>
@@ -3288,7 +3504,7 @@
                 <a:schemeClr val="dk2"/>
               </a:buClr>
               <a:buSzPct val="100000"/>
-              <a:defRPr b="0" sz="5400">
+              <a:defRPr sz="5400" b="0">
                 <a:solidFill>
                   <a:schemeClr val="dk2"/>
                 </a:solidFill>
@@ -3302,7 +3518,7 @@
                 <a:schemeClr val="dk2"/>
               </a:buClr>
               <a:buSzPct val="100000"/>
-              <a:defRPr b="0" sz="5400">
+              <a:defRPr sz="5400" b="0">
                 <a:solidFill>
                   <a:schemeClr val="dk2"/>
                 </a:solidFill>
@@ -3316,7 +3532,7 @@
                 <a:schemeClr val="dk2"/>
               </a:buClr>
               <a:buSzPct val="100000"/>
-              <a:defRPr b="0" sz="5400">
+              <a:defRPr sz="5400" b="0">
                 <a:solidFill>
                   <a:schemeClr val="dk2"/>
                 </a:solidFill>
@@ -3330,22 +3546,26 @@
                 <a:schemeClr val="dk2"/>
               </a:buClr>
               <a:buSzPct val="100000"/>
-              <a:defRPr b="0" sz="5400">
+              <a:defRPr sz="5400" b="0">
                 <a:solidFill>
                   <a:schemeClr val="dk2"/>
                 </a:solidFill>
               </a:defRPr>
             </a:lvl9pPr>
           </a:lstStyle>
-          <a:p/>
+          <a:p>
+            <a:endParaRPr/>
+          </a:p>
         </p:txBody>
       </p:sp>
       <p:sp>
         <p:nvSpPr>
           <p:cNvPr id="44" name="Shape 44"/>
-          <p:cNvSpPr txBox="1"/>
+          <p:cNvSpPr txBox="1">
+            <a:spLocks noGrp="1"/>
+          </p:cNvSpPr>
           <p:nvPr>
-            <p:ph idx="12" type="sldNum"/>
+            <p:ph type="sldNum" idx="12"/>
           </p:nvPr>
         </p:nvSpPr>
         <p:spPr>
@@ -3358,7 +3578,7 @@
           </a:prstGeom>
         </p:spPr>
         <p:txBody>
-          <a:bodyPr anchorCtr="0" anchor="ctr" bIns="91425" lIns="91425" rIns="91425" wrap="square" tIns="91425">
+          <a:bodyPr wrap="square" lIns="91425" tIns="91425" rIns="91425" bIns="91425" anchor="ctr" anchorCtr="0">
             <a:noAutofit/>
           </a:bodyPr>
           <a:lstStyle/>
@@ -3373,6 +3593,7 @@
               <a:rPr lang="en"/>
               <a:t>‹#›</a:t>
             </a:fld>
+            <a:endParaRPr lang="en"/>
           </a:p>
         </p:txBody>
       </p:sp>
@@ -3385,11 +3606,11 @@
 </file>
 
 <file path=ppt/slideLayouts/slideLayout8.xml><?xml version="1.0" encoding="utf-8"?>
-<p:sldLayout xmlns:a="http://schemas.openxmlformats.org/drawingml/2006/main" xmlns:r="http://schemas.openxmlformats.org/officeDocument/2006/relationships" xmlns:mc="http://schemas.openxmlformats.org/markup-compatibility/2006" xmlns:mv="urn:schemas-microsoft-com:mac:vml" xmlns:p="http://schemas.openxmlformats.org/presentationml/2006/main" xmlns:c="http://schemas.openxmlformats.org/drawingml/2006/chart" xmlns:dgm="http://schemas.openxmlformats.org/drawingml/2006/diagram" xmlns:o="urn:schemas-microsoft-com:office:office" xmlns:v="urn:schemas-microsoft-com:vml" xmlns:pvml="urn:schemas-microsoft-com:office:powerpoint" xmlns:com="http://schemas.openxmlformats.org/drawingml/2006/compatibility" xmlns:p14="http://schemas.microsoft.com/office/powerpoint/2010/main" xmlns:p15="http://schemas.microsoft.com/office/powerpoint/2012/main">
+<p:sldLayout xmlns:a="http://schemas.openxmlformats.org/drawingml/2006/main" xmlns:r="http://schemas.openxmlformats.org/officeDocument/2006/relationships" xmlns:p="http://schemas.openxmlformats.org/presentationml/2006/main">
   <p:cSld name="Section title and description">
     <p:spTree>
       <p:nvGrpSpPr>
-        <p:cNvPr id="45" name="Shape 45"/>
+        <p:cNvPr id="1" name="Shape 45"/>
         <p:cNvGrpSpPr/>
         <p:nvPr/>
       </p:nvGrpSpPr>
@@ -3423,7 +3644,7 @@
           </a:ln>
         </p:spPr>
         <p:txBody>
-          <a:bodyPr anchorCtr="0" anchor="ctr" bIns="91425" lIns="91425" rIns="91425" wrap="square" tIns="91425">
+          <a:bodyPr wrap="square" lIns="91425" tIns="91425" rIns="91425" bIns="91425" anchor="ctr" anchorCtr="0">
             <a:noAutofit/>
           </a:bodyPr>
           <a:lstStyle/>
@@ -3434,9 +3655,6 @@
               </a:spcBef>
               <a:buNone/>
             </a:pPr>
-            <a:r>
-              <a:t/>
-            </a:r>
             <a:endParaRPr/>
           </a:p>
         </p:txBody>
@@ -3456,21 +3674,23 @@
             <a:avLst/>
           </a:prstGeom>
           <a:noFill/>
-          <a:ln cap="flat" cmpd="sng" w="19050">
+          <a:ln w="19050" cap="flat" cmpd="sng">
             <a:solidFill>
               <a:schemeClr val="lt1"/>
             </a:solidFill>
             <a:prstDash val="solid"/>
             <a:round/>
-            <a:headEnd len="med" w="med" type="none"/>
-            <a:tailEnd len="med" w="med" type="none"/>
+            <a:headEnd type="none" w="med" len="med"/>
+            <a:tailEnd type="none" w="med" len="med"/>
           </a:ln>
         </p:spPr>
       </p:cxnSp>
       <p:sp>
         <p:nvSpPr>
           <p:cNvPr id="48" name="Shape 48"/>
-          <p:cNvSpPr txBox="1"/>
+          <p:cNvSpPr txBox="1">
+            <a:spLocks noGrp="1"/>
+          </p:cNvSpPr>
           <p:nvPr>
             <p:ph type="title"/>
           </p:nvPr>
@@ -3485,7 +3705,7 @@
           </a:prstGeom>
         </p:spPr>
         <p:txBody>
-          <a:bodyPr anchorCtr="0" anchor="b" bIns="91425" lIns="91425" rIns="91425" wrap="square" tIns="91425"/>
+          <a:bodyPr wrap="square" lIns="91425" tIns="91425" rIns="91425" bIns="91425" anchor="b" anchorCtr="0"/>
           <a:lstStyle>
             <a:lvl1pPr lvl="0" algn="ctr">
               <a:spcBef>
@@ -3551,15 +3771,19 @@
               <a:defRPr sz="4200"/>
             </a:lvl9pPr>
           </a:lstStyle>
-          <a:p/>
+          <a:p>
+            <a:endParaRPr/>
+          </a:p>
         </p:txBody>
       </p:sp>
       <p:sp>
         <p:nvSpPr>
           <p:cNvPr id="49" name="Shape 49"/>
-          <p:cNvSpPr txBox="1"/>
+          <p:cNvSpPr txBox="1">
+            <a:spLocks noGrp="1"/>
+          </p:cNvSpPr>
           <p:nvPr>
-            <p:ph idx="1" type="subTitle"/>
+            <p:ph type="subTitle" idx="1"/>
           </p:nvPr>
         </p:nvSpPr>
         <p:spPr>
@@ -3572,7 +3796,7 @@
           </a:prstGeom>
         </p:spPr>
         <p:txBody>
-          <a:bodyPr anchorCtr="0" anchor="t" bIns="91425" lIns="91425" rIns="91425" wrap="square" tIns="91425"/>
+          <a:bodyPr wrap="square" lIns="91425" tIns="91425" rIns="91425" bIns="91425" anchor="t" anchorCtr="0"/>
           <a:lstStyle>
             <a:lvl1pPr lvl="0" algn="ctr">
               <a:lnSpc>
@@ -3701,15 +3925,19 @@
               <a:defRPr sz="2100"/>
             </a:lvl9pPr>
           </a:lstStyle>
-          <a:p/>
+          <a:p>
+            <a:endParaRPr/>
+          </a:p>
         </p:txBody>
       </p:sp>
       <p:sp>
         <p:nvSpPr>
           <p:cNvPr id="50" name="Shape 50"/>
-          <p:cNvSpPr txBox="1"/>
+          <p:cNvSpPr txBox="1">
+            <a:spLocks noGrp="1"/>
+          </p:cNvSpPr>
           <p:nvPr>
-            <p:ph idx="2" type="body"/>
+            <p:ph type="body" idx="2"/>
           </p:nvPr>
         </p:nvSpPr>
         <p:spPr>
@@ -3722,7 +3950,7 @@
           </a:prstGeom>
         </p:spPr>
         <p:txBody>
-          <a:bodyPr anchorCtr="0" anchor="ctr" bIns="91425" lIns="91425" rIns="91425" wrap="square" tIns="91425"/>
+          <a:bodyPr wrap="square" lIns="91425" tIns="91425" rIns="91425" bIns="91425" anchor="ctr" anchorCtr="0"/>
           <a:lstStyle>
             <a:lvl1pPr lvl="0">
               <a:spcBef>
@@ -3842,15 +4070,19 @@
               </a:defRPr>
             </a:lvl9pPr>
           </a:lstStyle>
-          <a:p/>
+          <a:p>
+            <a:endParaRPr/>
+          </a:p>
         </p:txBody>
       </p:sp>
       <p:sp>
         <p:nvSpPr>
           <p:cNvPr id="51" name="Shape 51"/>
-          <p:cNvSpPr txBox="1"/>
+          <p:cNvSpPr txBox="1">
+            <a:spLocks noGrp="1"/>
+          </p:cNvSpPr>
           <p:nvPr>
-            <p:ph idx="12" type="sldNum"/>
+            <p:ph type="sldNum" idx="12"/>
           </p:nvPr>
         </p:nvSpPr>
         <p:spPr>
@@ -3863,7 +4095,7 @@
           </a:prstGeom>
         </p:spPr>
         <p:txBody>
-          <a:bodyPr anchorCtr="0" anchor="ctr" bIns="91425" lIns="91425" rIns="91425" wrap="square" tIns="91425">
+          <a:bodyPr wrap="square" lIns="91425" tIns="91425" rIns="91425" bIns="91425" anchor="ctr" anchorCtr="0">
             <a:noAutofit/>
           </a:bodyPr>
           <a:lstStyle/>
@@ -3882,6 +4114,11 @@
               </a:rPr>
               <a:t>‹#›</a:t>
             </a:fld>
+            <a:endParaRPr lang="en">
+              <a:solidFill>
+                <a:schemeClr val="lt1"/>
+              </a:solidFill>
+            </a:endParaRPr>
           </a:p>
         </p:txBody>
       </p:sp>
@@ -3894,11 +4131,11 @@
 </file>
 
 <file path=ppt/slideLayouts/slideLayout9.xml><?xml version="1.0" encoding="utf-8"?>
-<p:sldLayout xmlns:a="http://schemas.openxmlformats.org/drawingml/2006/main" xmlns:r="http://schemas.openxmlformats.org/officeDocument/2006/relationships" xmlns:mc="http://schemas.openxmlformats.org/markup-compatibility/2006" xmlns:mv="urn:schemas-microsoft-com:mac:vml" xmlns:p="http://schemas.openxmlformats.org/presentationml/2006/main" xmlns:c="http://schemas.openxmlformats.org/drawingml/2006/chart" xmlns:dgm="http://schemas.openxmlformats.org/drawingml/2006/diagram" xmlns:o="urn:schemas-microsoft-com:office:office" xmlns:v="urn:schemas-microsoft-com:vml" xmlns:pvml="urn:schemas-microsoft-com:office:powerpoint" xmlns:com="http://schemas.openxmlformats.org/drawingml/2006/compatibility" xmlns:p14="http://schemas.microsoft.com/office/powerpoint/2010/main" xmlns:p15="http://schemas.microsoft.com/office/powerpoint/2012/main">
+<p:sldLayout xmlns:a="http://schemas.openxmlformats.org/drawingml/2006/main" xmlns:r="http://schemas.openxmlformats.org/officeDocument/2006/relationships" xmlns:p="http://schemas.openxmlformats.org/presentationml/2006/main">
   <p:cSld name="Caption">
     <p:spTree>
       <p:nvGrpSpPr>
-        <p:cNvPr id="52" name="Shape 52"/>
+        <p:cNvPr id="1" name="Shape 52"/>
         <p:cNvGrpSpPr/>
         <p:nvPr/>
       </p:nvGrpSpPr>
@@ -3913,9 +4150,11 @@
       <p:sp>
         <p:nvSpPr>
           <p:cNvPr id="53" name="Shape 53"/>
-          <p:cNvSpPr txBox="1"/>
+          <p:cNvSpPr txBox="1">
+            <a:spLocks noGrp="1"/>
+          </p:cNvSpPr>
           <p:nvPr>
-            <p:ph idx="1" type="body"/>
+            <p:ph type="body" idx="1"/>
           </p:nvPr>
         </p:nvSpPr>
         <p:spPr>
@@ -3928,7 +4167,7 @@
           </a:prstGeom>
         </p:spPr>
         <p:txBody>
-          <a:bodyPr anchorCtr="0" anchor="ctr" bIns="91425" lIns="91425" rIns="91425" wrap="square" tIns="91425"/>
+          <a:bodyPr wrap="square" lIns="91425" tIns="91425" rIns="91425" bIns="91425" anchor="ctr" anchorCtr="0"/>
           <a:lstStyle>
             <a:lvl1pPr lvl="0">
               <a:lnSpc>
@@ -3951,15 +4190,19 @@
               </a:defRPr>
             </a:lvl1pPr>
           </a:lstStyle>
-          <a:p/>
+          <a:p>
+            <a:endParaRPr/>
+          </a:p>
         </p:txBody>
       </p:sp>
       <p:sp>
         <p:nvSpPr>
           <p:cNvPr id="54" name="Shape 54"/>
-          <p:cNvSpPr txBox="1"/>
+          <p:cNvSpPr txBox="1">
+            <a:spLocks noGrp="1"/>
+          </p:cNvSpPr>
           <p:nvPr>
-            <p:ph idx="12" type="sldNum"/>
+            <p:ph type="sldNum" idx="12"/>
           </p:nvPr>
         </p:nvSpPr>
         <p:spPr>
@@ -3972,7 +4215,7 @@
           </a:prstGeom>
         </p:spPr>
         <p:txBody>
-          <a:bodyPr anchorCtr="0" anchor="ctr" bIns="91425" lIns="91425" rIns="91425" wrap="square" tIns="91425">
+          <a:bodyPr wrap="square" lIns="91425" tIns="91425" rIns="91425" bIns="91425" anchor="ctr" anchorCtr="0">
             <a:noAutofit/>
           </a:bodyPr>
           <a:lstStyle/>
@@ -3987,6 +4230,7 @@
               <a:rPr lang="en"/>
               <a:t>‹#›</a:t>
             </a:fld>
+            <a:endParaRPr lang="en"/>
           </a:p>
         </p:txBody>
       </p:sp>
@@ -3999,18 +4243,19 @@
 </file>
 
 <file path=ppt/slideMasters/slideMaster1.xml><?xml version="1.0" encoding="utf-8"?>
-<p:sldMaster xmlns:a="http://schemas.openxmlformats.org/drawingml/2006/main" xmlns:r="http://schemas.openxmlformats.org/officeDocument/2006/relationships" xmlns:mc="http://schemas.openxmlformats.org/markup-compatibility/2006" xmlns:mv="urn:schemas-microsoft-com:mac:vml" xmlns:p="http://schemas.openxmlformats.org/presentationml/2006/main" xmlns:c="http://schemas.openxmlformats.org/drawingml/2006/chart" xmlns:dgm="http://schemas.openxmlformats.org/drawingml/2006/diagram" xmlns:o="urn:schemas-microsoft-com:office:office" xmlns:v="urn:schemas-microsoft-com:vml" xmlns:pvml="urn:schemas-microsoft-com:office:powerpoint" xmlns:com="http://schemas.openxmlformats.org/drawingml/2006/compatibility" xmlns:p14="http://schemas.microsoft.com/office/powerpoint/2010/main" xmlns:p15="http://schemas.microsoft.com/office/powerpoint/2012/main">
+<p:sldMaster xmlns:a="http://schemas.openxmlformats.org/drawingml/2006/main" xmlns:r="http://schemas.openxmlformats.org/officeDocument/2006/relationships" xmlns:p="http://schemas.openxmlformats.org/presentationml/2006/main">
   <p:cSld name="tropic">
     <p:bg>
       <p:bgPr>
         <a:solidFill>
           <a:schemeClr val="lt1"/>
         </a:solidFill>
+        <a:effectLst/>
       </p:bgPr>
     </p:bg>
     <p:spTree>
       <p:nvGrpSpPr>
-        <p:cNvPr id="5" name="Shape 5"/>
+        <p:cNvPr id="1" name="Shape 5"/>
         <p:cNvGrpSpPr/>
         <p:nvPr/>
       </p:nvGrpSpPr>
@@ -4025,7 +4270,9 @@
       <p:sp>
         <p:nvSpPr>
           <p:cNvPr id="6" name="Shape 6"/>
-          <p:cNvSpPr txBox="1"/>
+          <p:cNvSpPr txBox="1">
+            <a:spLocks noGrp="1"/>
+          </p:cNvSpPr>
           <p:nvPr>
             <p:ph type="title"/>
           </p:nvPr>
@@ -4044,7 +4291,7 @@
           </a:ln>
         </p:spPr>
         <p:txBody>
-          <a:bodyPr anchorCtr="0" anchor="t" bIns="91425" lIns="91425" rIns="91425" wrap="square" tIns="91425"/>
+          <a:bodyPr wrap="square" lIns="91425" tIns="91425" rIns="91425" bIns="91425" anchor="t" anchorCtr="0"/>
           <a:lstStyle>
             <a:lvl1pPr lvl="0">
               <a:spcBef>
@@ -4056,7 +4303,7 @@
               <a:buSzPct val="100000"/>
               <a:buFont typeface="PT Sans Narrow"/>
               <a:buNone/>
-              <a:defRPr b="1" sz="3600">
+              <a:defRPr sz="3600" b="1">
                 <a:solidFill>
                   <a:schemeClr val="accent1"/>
                 </a:solidFill>
@@ -4076,7 +4323,7 @@
               <a:buSzPct val="100000"/>
               <a:buFont typeface="PT Sans Narrow"/>
               <a:buNone/>
-              <a:defRPr b="1" sz="3600">
+              <a:defRPr sz="3600" b="1">
                 <a:solidFill>
                   <a:schemeClr val="accent1"/>
                 </a:solidFill>
@@ -4096,7 +4343,7 @@
               <a:buSzPct val="100000"/>
               <a:buFont typeface="PT Sans Narrow"/>
               <a:buNone/>
-              <a:defRPr b="1" sz="3600">
+              <a:defRPr sz="3600" b="1">
                 <a:solidFill>
                   <a:schemeClr val="accent1"/>
                 </a:solidFill>
@@ -4116,7 +4363,7 @@
               <a:buSzPct val="100000"/>
               <a:buFont typeface="PT Sans Narrow"/>
               <a:buNone/>
-              <a:defRPr b="1" sz="3600">
+              <a:defRPr sz="3600" b="1">
                 <a:solidFill>
                   <a:schemeClr val="accent1"/>
                 </a:solidFill>
@@ -4136,7 +4383,7 @@
               <a:buSzPct val="100000"/>
               <a:buFont typeface="PT Sans Narrow"/>
               <a:buNone/>
-              <a:defRPr b="1" sz="3600">
+              <a:defRPr sz="3600" b="1">
                 <a:solidFill>
                   <a:schemeClr val="accent1"/>
                 </a:solidFill>
@@ -4156,7 +4403,7 @@
               <a:buSzPct val="100000"/>
               <a:buFont typeface="PT Sans Narrow"/>
               <a:buNone/>
-              <a:defRPr b="1" sz="3600">
+              <a:defRPr sz="3600" b="1">
                 <a:solidFill>
                   <a:schemeClr val="accent1"/>
                 </a:solidFill>
@@ -4176,7 +4423,7 @@
               <a:buSzPct val="100000"/>
               <a:buFont typeface="PT Sans Narrow"/>
               <a:buNone/>
-              <a:defRPr b="1" sz="3600">
+              <a:defRPr sz="3600" b="1">
                 <a:solidFill>
                   <a:schemeClr val="accent1"/>
                 </a:solidFill>
@@ -4196,7 +4443,7 @@
               <a:buSzPct val="100000"/>
               <a:buFont typeface="PT Sans Narrow"/>
               <a:buNone/>
-              <a:defRPr b="1" sz="3600">
+              <a:defRPr sz="3600" b="1">
                 <a:solidFill>
                   <a:schemeClr val="accent1"/>
                 </a:solidFill>
@@ -4216,7 +4463,7 @@
               <a:buSzPct val="100000"/>
               <a:buFont typeface="PT Sans Narrow"/>
               <a:buNone/>
-              <a:defRPr b="1" sz="3600">
+              <a:defRPr sz="3600" b="1">
                 <a:solidFill>
                   <a:schemeClr val="accent1"/>
                 </a:solidFill>
@@ -4227,15 +4474,19 @@
               </a:defRPr>
             </a:lvl9pPr>
           </a:lstStyle>
-          <a:p/>
+          <a:p>
+            <a:endParaRPr/>
+          </a:p>
         </p:txBody>
       </p:sp>
       <p:sp>
         <p:nvSpPr>
           <p:cNvPr id="7" name="Shape 7"/>
-          <p:cNvSpPr txBox="1"/>
+          <p:cNvSpPr txBox="1">
+            <a:spLocks noGrp="1"/>
+          </p:cNvSpPr>
           <p:nvPr>
-            <p:ph idx="1" type="body"/>
+            <p:ph type="body" idx="1"/>
           </p:nvPr>
         </p:nvSpPr>
         <p:spPr>
@@ -4252,7 +4503,7 @@
           </a:ln>
         </p:spPr>
         <p:txBody>
-          <a:bodyPr anchorCtr="0" anchor="t" bIns="91425" lIns="91425" rIns="91425" wrap="square" tIns="91425"/>
+          <a:bodyPr wrap="square" lIns="91425" tIns="91425" rIns="91425" bIns="91425" anchor="t" anchorCtr="0"/>
           <a:lstStyle>
             <a:lvl1pPr lvl="0">
               <a:lnSpc>
@@ -4481,15 +4732,19 @@
               </a:defRPr>
             </a:lvl9pPr>
           </a:lstStyle>
-          <a:p/>
+          <a:p>
+            <a:endParaRPr/>
+          </a:p>
         </p:txBody>
       </p:sp>
       <p:sp>
         <p:nvSpPr>
           <p:cNvPr id="8" name="Shape 8"/>
-          <p:cNvSpPr txBox="1"/>
+          <p:cNvSpPr txBox="1">
+            <a:spLocks noGrp="1"/>
+          </p:cNvSpPr>
           <p:nvPr>
-            <p:ph idx="12" type="sldNum"/>
+            <p:ph type="sldNum" idx="12"/>
           </p:nvPr>
         </p:nvSpPr>
         <p:spPr>
@@ -4506,7 +4761,7 @@
           </a:ln>
         </p:spPr>
         <p:txBody>
-          <a:bodyPr anchorCtr="0" anchor="ctr" bIns="91425" lIns="91425" rIns="91425" wrap="square" tIns="91425">
+          <a:bodyPr wrap="square" lIns="91425" tIns="91425" rIns="91425" bIns="91425" anchor="ctr" anchorCtr="0">
             <a:noAutofit/>
           </a:bodyPr>
           <a:lstStyle/>
@@ -4529,12 +4784,21 @@
               </a:rPr>
               <a:t>‹#›</a:t>
             </a:fld>
+            <a:endParaRPr lang="en" sz="1000">
+              <a:solidFill>
+                <a:schemeClr val="dk2"/>
+              </a:solidFill>
+              <a:latin typeface="Open Sans"/>
+              <a:ea typeface="Open Sans"/>
+              <a:cs typeface="Open Sans"/>
+              <a:sym typeface="Open Sans"/>
+            </a:endParaRPr>
           </a:p>
         </p:txBody>
       </p:sp>
     </p:spTree>
   </p:cSld>
-  <p:clrMap accent1="accent1" accent2="accent2" accent3="accent3" accent4="accent4" accent5="accent5" accent6="accent6" bg1="lt1" bg2="dk2" tx1="dk1" tx2="lt2" folHlink="folHlink" hlink="hlink"/>
+  <p:clrMap bg1="lt1" tx1="dk1" bg2="dk2" tx2="lt2" accent1="accent1" accent2="accent2" accent3="accent3" accent4="accent4" accent5="accent5" accent6="accent6" hlink="hlink" folHlink="folHlink"/>
   <p:sldLayoutIdLst>
     <p:sldLayoutId id="2147483648" r:id="rId1"/>
     <p:sldLayoutId id="2147483649" r:id="rId2"/>
@@ -4548,10 +4812,10 @@
     <p:sldLayoutId id="2147483657" r:id="rId10"/>
     <p:sldLayoutId id="2147483658" r:id="rId11"/>
   </p:sldLayoutIdLst>
-  <p:hf dt="0" ftr="0" hdr="0" sldNum="0"/>
+  <p:hf sldNum="0" hdr="0" ftr="0" dt="0"/>
   <p:txStyles>
     <p:titleStyle>
-      <a:defPPr lvl="0" marR="0" rtl="0" algn="l">
+      <a:defPPr marR="0" lvl="0" algn="l" rtl="0">
         <a:lnSpc>
           <a:spcPct val="100000"/>
         </a:lnSpc>
@@ -4562,7 +4826,7 @@
           <a:spcPts val="0"/>
         </a:spcAft>
       </a:defPPr>
-      <a:lvl1pPr lvl="0" marR="0" rtl="0" algn="l">
+      <a:lvl1pPr marR="0" lvl="0" algn="l" rtl="0">
         <a:lnSpc>
           <a:spcPct val="100000"/>
         </a:lnSpc>
@@ -4573,7 +4837,7 @@
           <a:spcPts val="0"/>
         </a:spcAft>
         <a:buNone/>
-        <a:defRPr b="0" i="0" sz="1400" u="none" cap="none" strike="noStrike">
+        <a:defRPr sz="1400" b="0" i="0" u="none" strike="noStrike" cap="none">
           <a:solidFill>
             <a:srgbClr val="000000"/>
           </a:solidFill>
@@ -4585,7 +4849,7 @@
       </a:lvl1pPr>
     </p:titleStyle>
     <p:bodyStyle>
-      <a:defPPr lvl="0" marR="0" rtl="0" algn="l">
+      <a:defPPr marR="0" lvl="0" algn="l" rtl="0">
         <a:lnSpc>
           <a:spcPct val="100000"/>
         </a:lnSpc>
@@ -4596,7 +4860,7 @@
           <a:spcPts val="0"/>
         </a:spcAft>
       </a:defPPr>
-      <a:lvl1pPr lvl="0" marR="0" rtl="0" algn="l">
+      <a:lvl1pPr marR="0" lvl="0" algn="l" rtl="0">
         <a:lnSpc>
           <a:spcPct val="100000"/>
         </a:lnSpc>
@@ -4607,7 +4871,7 @@
           <a:spcPts val="0"/>
         </a:spcAft>
         <a:buNone/>
-        <a:defRPr b="0" i="0" sz="1400" u="none" cap="none" strike="noStrike">
+        <a:defRPr sz="1400" b="0" i="0" u="none" strike="noStrike" cap="none">
           <a:solidFill>
             <a:srgbClr val="000000"/>
           </a:solidFill>
@@ -4617,7 +4881,7 @@
           <a:sym typeface="Arial"/>
         </a:defRPr>
       </a:lvl1pPr>
-      <a:lvl2pPr lvl="1" marR="0" rtl="0" algn="l">
+      <a:lvl2pPr marR="0" lvl="1" algn="l" rtl="0">
         <a:lnSpc>
           <a:spcPct val="100000"/>
         </a:lnSpc>
@@ -4628,7 +4892,7 @@
           <a:spcPts val="0"/>
         </a:spcAft>
         <a:buNone/>
-        <a:defRPr b="0" i="0" sz="1400" u="none" cap="none" strike="noStrike">
+        <a:defRPr sz="1400" b="0" i="0" u="none" strike="noStrike" cap="none">
           <a:solidFill>
             <a:srgbClr val="000000"/>
           </a:solidFill>
@@ -4638,7 +4902,7 @@
           <a:sym typeface="Arial"/>
         </a:defRPr>
       </a:lvl2pPr>
-      <a:lvl3pPr lvl="2" marR="0" rtl="0" algn="l">
+      <a:lvl3pPr marR="0" lvl="2" algn="l" rtl="0">
         <a:lnSpc>
           <a:spcPct val="100000"/>
         </a:lnSpc>
@@ -4649,7 +4913,7 @@
           <a:spcPts val="0"/>
         </a:spcAft>
         <a:buNone/>
-        <a:defRPr b="0" i="0" sz="1400" u="none" cap="none" strike="noStrike">
+        <a:defRPr sz="1400" b="0" i="0" u="none" strike="noStrike" cap="none">
           <a:solidFill>
             <a:srgbClr val="000000"/>
           </a:solidFill>
@@ -4659,7 +4923,7 @@
           <a:sym typeface="Arial"/>
         </a:defRPr>
       </a:lvl3pPr>
-      <a:lvl4pPr lvl="3" marR="0" rtl="0" algn="l">
+      <a:lvl4pPr marR="0" lvl="3" algn="l" rtl="0">
         <a:lnSpc>
           <a:spcPct val="100000"/>
         </a:lnSpc>
@@ -4670,7 +4934,7 @@
           <a:spcPts val="0"/>
         </a:spcAft>
         <a:buNone/>
-        <a:defRPr b="0" i="0" sz="1400" u="none" cap="none" strike="noStrike">
+        <a:defRPr sz="1400" b="0" i="0" u="none" strike="noStrike" cap="none">
           <a:solidFill>
             <a:srgbClr val="000000"/>
           </a:solidFill>
@@ -4680,7 +4944,7 @@
           <a:sym typeface="Arial"/>
         </a:defRPr>
       </a:lvl4pPr>
-      <a:lvl5pPr lvl="4" marR="0" rtl="0" algn="l">
+      <a:lvl5pPr marR="0" lvl="4" algn="l" rtl="0">
         <a:lnSpc>
           <a:spcPct val="100000"/>
         </a:lnSpc>
@@ -4691,7 +4955,7 @@
           <a:spcPts val="0"/>
         </a:spcAft>
         <a:buNone/>
-        <a:defRPr b="0" i="0" sz="1400" u="none" cap="none" strike="noStrike">
+        <a:defRPr sz="1400" b="0" i="0" u="none" strike="noStrike" cap="none">
           <a:solidFill>
             <a:srgbClr val="000000"/>
           </a:solidFill>
@@ -4701,7 +4965,7 @@
           <a:sym typeface="Arial"/>
         </a:defRPr>
       </a:lvl5pPr>
-      <a:lvl6pPr lvl="5" marR="0" rtl="0" algn="l">
+      <a:lvl6pPr marR="0" lvl="5" algn="l" rtl="0">
         <a:lnSpc>
           <a:spcPct val="100000"/>
         </a:lnSpc>
@@ -4712,7 +4976,7 @@
           <a:spcPts val="0"/>
         </a:spcAft>
         <a:buNone/>
-        <a:defRPr b="0" i="0" sz="1400" u="none" cap="none" strike="noStrike">
+        <a:defRPr sz="1400" b="0" i="0" u="none" strike="noStrike" cap="none">
           <a:solidFill>
             <a:srgbClr val="000000"/>
           </a:solidFill>
@@ -4722,7 +4986,7 @@
           <a:sym typeface="Arial"/>
         </a:defRPr>
       </a:lvl6pPr>
-      <a:lvl7pPr lvl="6" marR="0" rtl="0" algn="l">
+      <a:lvl7pPr marR="0" lvl="6" algn="l" rtl="0">
         <a:lnSpc>
           <a:spcPct val="100000"/>
         </a:lnSpc>
@@ -4733,7 +4997,7 @@
           <a:spcPts val="0"/>
         </a:spcAft>
         <a:buNone/>
-        <a:defRPr b="0" i="0" sz="1400" u="none" cap="none" strike="noStrike">
+        <a:defRPr sz="1400" b="0" i="0" u="none" strike="noStrike" cap="none">
           <a:solidFill>
             <a:srgbClr val="000000"/>
           </a:solidFill>
@@ -4743,7 +5007,7 @@
           <a:sym typeface="Arial"/>
         </a:defRPr>
       </a:lvl7pPr>
-      <a:lvl8pPr lvl="7" marR="0" rtl="0" algn="l">
+      <a:lvl8pPr marR="0" lvl="7" algn="l" rtl="0">
         <a:lnSpc>
           <a:spcPct val="100000"/>
         </a:lnSpc>
@@ -4754,7 +5018,7 @@
           <a:spcPts val="0"/>
         </a:spcAft>
         <a:buNone/>
-        <a:defRPr b="0" i="0" sz="1400" u="none" cap="none" strike="noStrike">
+        <a:defRPr sz="1400" b="0" i="0" u="none" strike="noStrike" cap="none">
           <a:solidFill>
             <a:srgbClr val="000000"/>
           </a:solidFill>
@@ -4764,7 +5028,7 @@
           <a:sym typeface="Arial"/>
         </a:defRPr>
       </a:lvl8pPr>
-      <a:lvl9pPr lvl="8" marR="0" rtl="0" algn="l">
+      <a:lvl9pPr marR="0" lvl="8" algn="l" rtl="0">
         <a:lnSpc>
           <a:spcPct val="100000"/>
         </a:lnSpc>
@@ -4775,7 +5039,7 @@
           <a:spcPts val="0"/>
         </a:spcAft>
         <a:buNone/>
-        <a:defRPr b="0" i="0" sz="1400" u="none" cap="none" strike="noStrike">
+        <a:defRPr sz="1400" b="0" i="0" u="none" strike="noStrike" cap="none">
           <a:solidFill>
             <a:srgbClr val="000000"/>
           </a:solidFill>
@@ -4787,7 +5051,7 @@
       </a:lvl9pPr>
     </p:bodyStyle>
     <p:otherStyle>
-      <a:defPPr lvl="0" marR="0" rtl="0" algn="l">
+      <a:defPPr marR="0" lvl="0" algn="l" rtl="0">
         <a:lnSpc>
           <a:spcPct val="100000"/>
         </a:lnSpc>
@@ -4798,7 +5062,7 @@
           <a:spcPts val="0"/>
         </a:spcAft>
       </a:defPPr>
-      <a:lvl1pPr lvl="0" marR="0" rtl="0" algn="l">
+      <a:lvl1pPr marR="0" lvl="0" algn="l" rtl="0">
         <a:lnSpc>
           <a:spcPct val="100000"/>
         </a:lnSpc>
@@ -4809,7 +5073,7 @@
           <a:spcPts val="0"/>
         </a:spcAft>
         <a:buNone/>
-        <a:defRPr b="0" i="0" sz="1400" u="none" cap="none" strike="noStrike">
+        <a:defRPr sz="1400" b="0" i="0" u="none" strike="noStrike" cap="none">
           <a:solidFill>
             <a:srgbClr val="000000"/>
           </a:solidFill>
@@ -4819,7 +5083,7 @@
           <a:sym typeface="Arial"/>
         </a:defRPr>
       </a:lvl1pPr>
-      <a:lvl2pPr lvl="1" marR="0" rtl="0" algn="l">
+      <a:lvl2pPr marR="0" lvl="1" algn="l" rtl="0">
         <a:lnSpc>
           <a:spcPct val="100000"/>
         </a:lnSpc>
@@ -4830,7 +5094,7 @@
           <a:spcPts val="0"/>
         </a:spcAft>
         <a:buNone/>
-        <a:defRPr b="0" i="0" sz="1400" u="none" cap="none" strike="noStrike">
+        <a:defRPr sz="1400" b="0" i="0" u="none" strike="noStrike" cap="none">
           <a:solidFill>
             <a:srgbClr val="000000"/>
           </a:solidFill>
@@ -4840,7 +5104,7 @@
           <a:sym typeface="Arial"/>
         </a:defRPr>
       </a:lvl2pPr>
-      <a:lvl3pPr lvl="2" marR="0" rtl="0" algn="l">
+      <a:lvl3pPr marR="0" lvl="2" algn="l" rtl="0">
         <a:lnSpc>
           <a:spcPct val="100000"/>
         </a:lnSpc>
@@ -4851,7 +5115,7 @@
           <a:spcPts val="0"/>
         </a:spcAft>
         <a:buNone/>
-        <a:defRPr b="0" i="0" sz="1400" u="none" cap="none" strike="noStrike">
+        <a:defRPr sz="1400" b="0" i="0" u="none" strike="noStrike" cap="none">
           <a:solidFill>
             <a:srgbClr val="000000"/>
           </a:solidFill>
@@ -4861,7 +5125,7 @@
           <a:sym typeface="Arial"/>
         </a:defRPr>
       </a:lvl3pPr>
-      <a:lvl4pPr lvl="3" marR="0" rtl="0" algn="l">
+      <a:lvl4pPr marR="0" lvl="3" algn="l" rtl="0">
         <a:lnSpc>
           <a:spcPct val="100000"/>
         </a:lnSpc>
@@ -4872,7 +5136,7 @@
           <a:spcPts val="0"/>
         </a:spcAft>
         <a:buNone/>
-        <a:defRPr b="0" i="0" sz="1400" u="none" cap="none" strike="noStrike">
+        <a:defRPr sz="1400" b="0" i="0" u="none" strike="noStrike" cap="none">
           <a:solidFill>
             <a:srgbClr val="000000"/>
           </a:solidFill>
@@ -4882,7 +5146,7 @@
           <a:sym typeface="Arial"/>
         </a:defRPr>
       </a:lvl4pPr>
-      <a:lvl5pPr lvl="4" marR="0" rtl="0" algn="l">
+      <a:lvl5pPr marR="0" lvl="4" algn="l" rtl="0">
         <a:lnSpc>
           <a:spcPct val="100000"/>
         </a:lnSpc>
@@ -4893,7 +5157,7 @@
           <a:spcPts val="0"/>
         </a:spcAft>
         <a:buNone/>
-        <a:defRPr b="0" i="0" sz="1400" u="none" cap="none" strike="noStrike">
+        <a:defRPr sz="1400" b="0" i="0" u="none" strike="noStrike" cap="none">
           <a:solidFill>
             <a:srgbClr val="000000"/>
           </a:solidFill>
@@ -4903,7 +5167,7 @@
           <a:sym typeface="Arial"/>
         </a:defRPr>
       </a:lvl5pPr>
-      <a:lvl6pPr lvl="5" marR="0" rtl="0" algn="l">
+      <a:lvl6pPr marR="0" lvl="5" algn="l" rtl="0">
         <a:lnSpc>
           <a:spcPct val="100000"/>
         </a:lnSpc>
@@ -4914,7 +5178,7 @@
           <a:spcPts val="0"/>
         </a:spcAft>
         <a:buNone/>
-        <a:defRPr b="0" i="0" sz="1400" u="none" cap="none" strike="noStrike">
+        <a:defRPr sz="1400" b="0" i="0" u="none" strike="noStrike" cap="none">
           <a:solidFill>
             <a:srgbClr val="000000"/>
           </a:solidFill>
@@ -4924,7 +5188,7 @@
           <a:sym typeface="Arial"/>
         </a:defRPr>
       </a:lvl6pPr>
-      <a:lvl7pPr lvl="6" marR="0" rtl="0" algn="l">
+      <a:lvl7pPr marR="0" lvl="6" algn="l" rtl="0">
         <a:lnSpc>
           <a:spcPct val="100000"/>
         </a:lnSpc>
@@ -4935,7 +5199,7 @@
           <a:spcPts val="0"/>
         </a:spcAft>
         <a:buNone/>
-        <a:defRPr b="0" i="0" sz="1400" u="none" cap="none" strike="noStrike">
+        <a:defRPr sz="1400" b="0" i="0" u="none" strike="noStrike" cap="none">
           <a:solidFill>
             <a:srgbClr val="000000"/>
           </a:solidFill>
@@ -4945,7 +5209,7 @@
           <a:sym typeface="Arial"/>
         </a:defRPr>
       </a:lvl7pPr>
-      <a:lvl8pPr lvl="7" marR="0" rtl="0" algn="l">
+      <a:lvl8pPr marR="0" lvl="7" algn="l" rtl="0">
         <a:lnSpc>
           <a:spcPct val="100000"/>
         </a:lnSpc>
@@ -4956,7 +5220,7 @@
           <a:spcPts val="0"/>
         </a:spcAft>
         <a:buNone/>
-        <a:defRPr b="0" i="0" sz="1400" u="none" cap="none" strike="noStrike">
+        <a:defRPr sz="1400" b="0" i="0" u="none" strike="noStrike" cap="none">
           <a:solidFill>
             <a:srgbClr val="000000"/>
           </a:solidFill>
@@ -4966,7 +5230,7 @@
           <a:sym typeface="Arial"/>
         </a:defRPr>
       </a:lvl8pPr>
-      <a:lvl9pPr lvl="8" marR="0" rtl="0" algn="l">
+      <a:lvl9pPr marR="0" lvl="8" algn="l" rtl="0">
         <a:lnSpc>
           <a:spcPct val="100000"/>
         </a:lnSpc>
@@ -4977,7 +5241,7 @@
           <a:spcPts val="0"/>
         </a:spcAft>
         <a:buNone/>
-        <a:defRPr b="0" i="0" sz="1400" u="none" cap="none" strike="noStrike">
+        <a:defRPr sz="1400" b="0" i="0" u="none" strike="noStrike" cap="none">
           <a:solidFill>
             <a:srgbClr val="000000"/>
           </a:solidFill>
@@ -4993,11 +5257,11 @@
 </file>
 
 <file path=ppt/slides/slide1.xml><?xml version="1.0" encoding="utf-8"?>
-<p:sld xmlns:a="http://schemas.openxmlformats.org/drawingml/2006/main" xmlns:r="http://schemas.openxmlformats.org/officeDocument/2006/relationships" xmlns:mc="http://schemas.openxmlformats.org/markup-compatibility/2006" xmlns:mv="urn:schemas-microsoft-com:mac:vml" xmlns:p="http://schemas.openxmlformats.org/presentationml/2006/main" xmlns:c="http://schemas.openxmlformats.org/drawingml/2006/chart" xmlns:dgm="http://schemas.openxmlformats.org/drawingml/2006/diagram" xmlns:o="urn:schemas-microsoft-com:office:office" xmlns:v="urn:schemas-microsoft-com:vml" xmlns:pvml="urn:schemas-microsoft-com:office:powerpoint" xmlns:com="http://schemas.openxmlformats.org/drawingml/2006/compatibility" xmlns:p14="http://schemas.microsoft.com/office/powerpoint/2010/main" xmlns:p15="http://schemas.microsoft.com/office/powerpoint/2012/main">
+<p:sld xmlns:a="http://schemas.openxmlformats.org/drawingml/2006/main" xmlns:r="http://schemas.openxmlformats.org/officeDocument/2006/relationships" xmlns:p="http://schemas.openxmlformats.org/presentationml/2006/main">
   <p:cSld>
     <p:spTree>
       <p:nvGrpSpPr>
-        <p:cNvPr id="65" name="Shape 65"/>
+        <p:cNvPr id="1" name="Shape 65"/>
         <p:cNvGrpSpPr/>
         <p:nvPr/>
       </p:nvGrpSpPr>
@@ -5012,7 +5276,9 @@
       <p:sp>
         <p:nvSpPr>
           <p:cNvPr id="66" name="Shape 66"/>
-          <p:cNvSpPr txBox="1"/>
+          <p:cNvSpPr txBox="1">
+            <a:spLocks noGrp="1"/>
+          </p:cNvSpPr>
           <p:nvPr>
             <p:ph type="ctrTitle"/>
           </p:nvPr>
@@ -5027,7 +5293,7 @@
           </a:prstGeom>
         </p:spPr>
         <p:txBody>
-          <a:bodyPr anchorCtr="0" anchor="b" bIns="91425" lIns="91425" rIns="91425" wrap="square" tIns="91425">
+          <a:bodyPr wrap="square" lIns="91425" tIns="91425" rIns="91425" bIns="91425" anchor="b" anchorCtr="0">
             <a:noAutofit/>
           </a:bodyPr>
           <a:lstStyle/>
@@ -5039,18 +5305,37 @@
               <a:buNone/>
             </a:pPr>
             <a:r>
-              <a:rPr lang="en"/>
-              <a:t>CSYE 7200 Final Project Proposal</a:t>
+              <a:rPr lang="en-US" altLang="zh-CN" dirty="0" smtClean="0"/>
+              <a:t>Dog</a:t>
             </a:r>
+            <a:r>
+              <a:rPr lang="zh-CN" altLang="en-US" dirty="0" smtClean="0"/>
+              <a:t> </a:t>
+            </a:r>
+            <a:r>
+              <a:rPr lang="en-US" altLang="zh-CN" dirty="0" smtClean="0"/>
+              <a:t>Breed</a:t>
+            </a:r>
+            <a:r>
+              <a:rPr lang="zh-CN" altLang="en-US" dirty="0" smtClean="0"/>
+              <a:t> </a:t>
+            </a:r>
+            <a:r>
+              <a:rPr lang="en-US" altLang="zh-CN" dirty="0" smtClean="0"/>
+              <a:t>Identification</a:t>
+            </a:r>
+            <a:endParaRPr lang="en" dirty="0"/>
           </a:p>
         </p:txBody>
       </p:sp>
       <p:sp>
         <p:nvSpPr>
           <p:cNvPr id="67" name="Shape 67"/>
-          <p:cNvSpPr txBox="1"/>
+          <p:cNvSpPr txBox="1">
+            <a:spLocks noGrp="1"/>
+          </p:cNvSpPr>
           <p:nvPr>
-            <p:ph idx="1" type="subTitle"/>
+            <p:ph type="subTitle" idx="1"/>
           </p:nvPr>
         </p:nvSpPr>
         <p:spPr>
@@ -5063,7 +5348,7 @@
           </a:prstGeom>
         </p:spPr>
         <p:txBody>
-          <a:bodyPr anchorCtr="0" anchor="t" bIns="91425" lIns="91425" rIns="91425" wrap="square" tIns="91425">
+          <a:bodyPr wrap="square" lIns="91425" tIns="91425" rIns="91425" bIns="91425" anchor="t" anchorCtr="0">
             <a:noAutofit/>
           </a:bodyPr>
           <a:lstStyle/>
@@ -5090,11 +5375,11 @@
 </file>
 
 <file path=ppt/slides/slide2.xml><?xml version="1.0" encoding="utf-8"?>
-<p:sld xmlns:a="http://schemas.openxmlformats.org/drawingml/2006/main" xmlns:r="http://schemas.openxmlformats.org/officeDocument/2006/relationships" xmlns:mc="http://schemas.openxmlformats.org/markup-compatibility/2006" xmlns:mv="urn:schemas-microsoft-com:mac:vml" xmlns:p="http://schemas.openxmlformats.org/presentationml/2006/main" xmlns:c="http://schemas.openxmlformats.org/drawingml/2006/chart" xmlns:dgm="http://schemas.openxmlformats.org/drawingml/2006/diagram" xmlns:o="urn:schemas-microsoft-com:office:office" xmlns:v="urn:schemas-microsoft-com:vml" xmlns:pvml="urn:schemas-microsoft-com:office:powerpoint" xmlns:com="http://schemas.openxmlformats.org/drawingml/2006/compatibility" xmlns:p14="http://schemas.microsoft.com/office/powerpoint/2010/main" xmlns:p15="http://schemas.microsoft.com/office/powerpoint/2012/main">
+<p:sld xmlns:a="http://schemas.openxmlformats.org/drawingml/2006/main" xmlns:r="http://schemas.openxmlformats.org/officeDocument/2006/relationships" xmlns:p="http://schemas.openxmlformats.org/presentationml/2006/main">
   <p:cSld>
     <p:spTree>
       <p:nvGrpSpPr>
-        <p:cNvPr id="71" name="Shape 71"/>
+        <p:cNvPr id="1" name="Shape 71"/>
         <p:cNvGrpSpPr/>
         <p:nvPr/>
       </p:nvGrpSpPr>
@@ -5109,7 +5394,9 @@
       <p:sp>
         <p:nvSpPr>
           <p:cNvPr id="72" name="Shape 72"/>
-          <p:cNvSpPr txBox="1"/>
+          <p:cNvSpPr txBox="1">
+            <a:spLocks noGrp="1"/>
+          </p:cNvSpPr>
           <p:nvPr>
             <p:ph type="title"/>
           </p:nvPr>
@@ -5124,7 +5411,7 @@
           </a:prstGeom>
         </p:spPr>
         <p:txBody>
-          <a:bodyPr anchorCtr="0" anchor="t" bIns="91425" lIns="91425" rIns="91425" wrap="square" tIns="91425">
+          <a:bodyPr wrap="square" lIns="91425" tIns="91425" rIns="91425" bIns="91425" anchor="t" anchorCtr="0">
             <a:noAutofit/>
           </a:bodyPr>
           <a:lstStyle/>
@@ -5145,9 +5432,11 @@
       <p:sp>
         <p:nvSpPr>
           <p:cNvPr id="73" name="Shape 73"/>
-          <p:cNvSpPr txBox="1"/>
+          <p:cNvSpPr txBox="1">
+            <a:spLocks noGrp="1"/>
+          </p:cNvSpPr>
           <p:nvPr>
-            <p:ph idx="1" type="body"/>
+            <p:ph type="body" idx="1"/>
           </p:nvPr>
         </p:nvSpPr>
         <p:spPr>
@@ -5160,23 +5449,35 @@
           </a:prstGeom>
         </p:spPr>
         <p:txBody>
-          <a:bodyPr anchorCtr="0" anchor="t" bIns="91425" lIns="91425" rIns="91425" wrap="square" tIns="91425">
+          <a:bodyPr wrap="square" lIns="91425" tIns="91425" rIns="91425" bIns="91425" anchor="t" anchorCtr="0">
             <a:noAutofit/>
           </a:bodyPr>
           <a:lstStyle/>
           <a:p>
-            <a:pPr indent="-342900" lvl="0" marL="457200" rtl="0">
+            <a:pPr marL="457200" lvl="0" indent="-342900" rtl="0">
               <a:spcBef>
                 <a:spcPts val="0"/>
               </a:spcBef>
               <a:buChar char="●"/>
             </a:pPr>
             <a:r>
-              <a:rPr b="1" lang="en"/>
-              <a:t>Identify Human &amp; Dog</a:t>
+              <a:rPr lang="en-US" altLang="zh-CN" b="1" dirty="0" smtClean="0"/>
+              <a:t>Distinguish</a:t>
             </a:r>
             <a:r>
-              <a:rPr lang="en"/>
+              <a:rPr lang="zh-CN" altLang="en-US" b="1" dirty="0" smtClean="0"/>
+              <a:t> </a:t>
+            </a:r>
+            <a:r>
+              <a:rPr lang="en" b="1" dirty="0" smtClean="0"/>
+              <a:t>Human </a:t>
+            </a:r>
+            <a:r>
+              <a:rPr lang="en" b="1" dirty="0"/>
+              <a:t>&amp; Dog</a:t>
+            </a:r>
+            <a:r>
+              <a:rPr lang="en" dirty="0"/>
               <a:t>: system is helpful to distinguish dog's and human's images from others. So that can be used to classify photos.</a:t>
             </a:r>
           </a:p>
@@ -5187,24 +5488,21 @@
               </a:spcBef>
               <a:buNone/>
             </a:pPr>
-            <a:r>
-              <a:t/>
-            </a:r>
-            <a:endParaRPr/>
-          </a:p>
-          <a:p>
-            <a:pPr indent="-342900" lvl="0" marL="457200" rtl="0">
+            <a:endParaRPr dirty="0"/>
+          </a:p>
+          <a:p>
+            <a:pPr marL="457200" lvl="0" indent="-342900" rtl="0">
               <a:spcBef>
                 <a:spcPts val="0"/>
               </a:spcBef>
               <a:buChar char="●"/>
             </a:pPr>
             <a:r>
-              <a:rPr b="1" lang="en"/>
+              <a:rPr lang="en" b="1" dirty="0"/>
               <a:t>Identify Dog's Breed</a:t>
             </a:r>
             <a:r>
-              <a:rPr lang="en"/>
+              <a:rPr lang="en" dirty="0"/>
               <a:t>: A dog’s breed could be very complicated,  or users are not familiar with dog breeds. However, users may wonder what breed is this dog most similar to, in this case, they could simply take a picture of it and the system can analyze for them.</a:t>
             </a:r>
           </a:p>
@@ -5215,10 +5513,7 @@
               </a:spcBef>
               <a:buNone/>
             </a:pPr>
-            <a:r>
-              <a:t/>
-            </a:r>
-            <a:endParaRPr/>
+            <a:endParaRPr dirty="0"/>
           </a:p>
         </p:txBody>
       </p:sp>
@@ -5231,11 +5526,11 @@
 </file>
 
 <file path=ppt/slides/slide3.xml><?xml version="1.0" encoding="utf-8"?>
-<p:sld xmlns:a="http://schemas.openxmlformats.org/drawingml/2006/main" xmlns:r="http://schemas.openxmlformats.org/officeDocument/2006/relationships" xmlns:mc="http://schemas.openxmlformats.org/markup-compatibility/2006" xmlns:mv="urn:schemas-microsoft-com:mac:vml" xmlns:p="http://schemas.openxmlformats.org/presentationml/2006/main" xmlns:c="http://schemas.openxmlformats.org/drawingml/2006/chart" xmlns:dgm="http://schemas.openxmlformats.org/drawingml/2006/diagram" xmlns:o="urn:schemas-microsoft-com:office:office" xmlns:v="urn:schemas-microsoft-com:vml" xmlns:pvml="urn:schemas-microsoft-com:office:powerpoint" xmlns:com="http://schemas.openxmlformats.org/drawingml/2006/compatibility" xmlns:p14="http://schemas.microsoft.com/office/powerpoint/2010/main" xmlns:p15="http://schemas.microsoft.com/office/powerpoint/2012/main">
+<p:sld xmlns:a="http://schemas.openxmlformats.org/drawingml/2006/main" xmlns:r="http://schemas.openxmlformats.org/officeDocument/2006/relationships" xmlns:p="http://schemas.openxmlformats.org/presentationml/2006/main">
   <p:cSld>
     <p:spTree>
       <p:nvGrpSpPr>
-        <p:cNvPr id="77" name="Shape 77"/>
+        <p:cNvPr id="1" name="Shape 77"/>
         <p:cNvGrpSpPr/>
         <p:nvPr/>
       </p:nvGrpSpPr>
@@ -5250,7 +5545,9 @@
       <p:sp>
         <p:nvSpPr>
           <p:cNvPr id="78" name="Shape 78"/>
-          <p:cNvSpPr txBox="1"/>
+          <p:cNvSpPr txBox="1">
+            <a:spLocks noGrp="1"/>
+          </p:cNvSpPr>
           <p:nvPr>
             <p:ph type="title"/>
           </p:nvPr>
@@ -5265,7 +5562,7 @@
           </a:prstGeom>
         </p:spPr>
         <p:txBody>
-          <a:bodyPr anchorCtr="0" anchor="t" bIns="91425" lIns="91425" rIns="91425" wrap="square" tIns="91425">
+          <a:bodyPr wrap="square" lIns="91425" tIns="91425" rIns="91425" bIns="91425" anchor="t" anchorCtr="0">
             <a:noAutofit/>
           </a:bodyPr>
           <a:lstStyle/>
@@ -5286,9 +5583,11 @@
       <p:sp>
         <p:nvSpPr>
           <p:cNvPr id="79" name="Shape 79"/>
-          <p:cNvSpPr txBox="1"/>
+          <p:cNvSpPr txBox="1">
+            <a:spLocks noGrp="1"/>
+          </p:cNvSpPr>
           <p:nvPr>
-            <p:ph idx="1" type="body"/>
+            <p:ph type="body" idx="1"/>
           </p:nvPr>
         </p:nvSpPr>
         <p:spPr>
@@ -5301,12 +5600,12 @@
           </a:prstGeom>
         </p:spPr>
         <p:txBody>
-          <a:bodyPr anchorCtr="0" anchor="t" bIns="91425" lIns="91425" rIns="91425" wrap="square" tIns="91425">
+          <a:bodyPr wrap="square" lIns="91425" tIns="91425" rIns="91425" bIns="91425" anchor="t" anchorCtr="0">
             <a:noAutofit/>
           </a:bodyPr>
           <a:lstStyle/>
           <a:p>
-            <a:pPr indent="-342900" lvl="0" marL="457200" rtl="0">
+            <a:pPr marL="457200" lvl="0" indent="-342900" rtl="0">
               <a:lnSpc>
                 <a:spcPct val="200000"/>
               </a:lnSpc>
@@ -5331,7 +5630,7 @@
             </a:r>
           </a:p>
           <a:p>
-            <a:pPr indent="-342900" lvl="0" marL="457200" rtl="0">
+            <a:pPr marL="457200" lvl="0" indent="-342900" rtl="0">
               <a:lnSpc>
                 <a:spcPct val="200000"/>
               </a:lnSpc>
@@ -5356,7 +5655,7 @@
             </a:r>
           </a:p>
           <a:p>
-            <a:pPr indent="-342900" lvl="0" marL="457200" rtl="0">
+            <a:pPr marL="457200" lvl="0" indent="-342900" rtl="0">
               <a:lnSpc>
                 <a:spcPct val="200000"/>
               </a:lnSpc>
@@ -5381,7 +5680,7 @@
             </a:r>
           </a:p>
           <a:p>
-            <a:pPr indent="-342900" lvl="0" marL="457200" rtl="0">
+            <a:pPr marL="457200" lvl="0" indent="-342900" rtl="0">
               <a:lnSpc>
                 <a:spcPct val="200000"/>
               </a:lnSpc>
@@ -5433,7 +5732,7 @@
             </a:r>
           </a:p>
           <a:p>
-            <a:pPr indent="-342900" lvl="0" marL="457200" rtl="0">
+            <a:pPr marL="457200" lvl="0" indent="-342900" rtl="0">
               <a:lnSpc>
                 <a:spcPct val="200000"/>
               </a:lnSpc>
@@ -5468,11 +5767,11 @@
 </file>
 
 <file path=ppt/slides/slide4.xml><?xml version="1.0" encoding="utf-8"?>
-<p:sld xmlns:a="http://schemas.openxmlformats.org/drawingml/2006/main" xmlns:r="http://schemas.openxmlformats.org/officeDocument/2006/relationships" xmlns:mc="http://schemas.openxmlformats.org/markup-compatibility/2006" xmlns:mv="urn:schemas-microsoft-com:mac:vml" xmlns:p="http://schemas.openxmlformats.org/presentationml/2006/main" xmlns:c="http://schemas.openxmlformats.org/drawingml/2006/chart" xmlns:dgm="http://schemas.openxmlformats.org/drawingml/2006/diagram" xmlns:o="urn:schemas-microsoft-com:office:office" xmlns:v="urn:schemas-microsoft-com:vml" xmlns:pvml="urn:schemas-microsoft-com:office:powerpoint" xmlns:com="http://schemas.openxmlformats.org/drawingml/2006/compatibility" xmlns:p14="http://schemas.microsoft.com/office/powerpoint/2010/main" xmlns:p15="http://schemas.microsoft.com/office/powerpoint/2012/main">
+<p:sld xmlns:a="http://schemas.openxmlformats.org/drawingml/2006/main" xmlns:r="http://schemas.openxmlformats.org/officeDocument/2006/relationships" xmlns:p="http://schemas.openxmlformats.org/presentationml/2006/main">
   <p:cSld>
     <p:spTree>
       <p:nvGrpSpPr>
-        <p:cNvPr id="83" name="Shape 83"/>
+        <p:cNvPr id="1" name="Shape 83"/>
         <p:cNvGrpSpPr/>
         <p:nvPr/>
       </p:nvGrpSpPr>
@@ -5487,7 +5786,9 @@
       <p:sp>
         <p:nvSpPr>
           <p:cNvPr id="84" name="Shape 84"/>
-          <p:cNvSpPr txBox="1"/>
+          <p:cNvSpPr txBox="1">
+            <a:spLocks noGrp="1"/>
+          </p:cNvSpPr>
           <p:nvPr>
             <p:ph type="title"/>
           </p:nvPr>
@@ -5502,7 +5803,7 @@
           </a:prstGeom>
         </p:spPr>
         <p:txBody>
-          <a:bodyPr anchorCtr="0" anchor="t" bIns="91425" lIns="91425" rIns="91425" wrap="square" tIns="91425">
+          <a:bodyPr wrap="square" lIns="91425" tIns="91425" rIns="91425" bIns="91425" anchor="t" anchorCtr="0">
             <a:noAutofit/>
           </a:bodyPr>
           <a:lstStyle/>
@@ -5523,9 +5824,11 @@
       <p:sp>
         <p:nvSpPr>
           <p:cNvPr id="85" name="Shape 85"/>
-          <p:cNvSpPr txBox="1"/>
+          <p:cNvSpPr txBox="1">
+            <a:spLocks noGrp="1"/>
+          </p:cNvSpPr>
           <p:nvPr>
-            <p:ph idx="1" type="body"/>
+            <p:ph type="body" idx="1"/>
           </p:nvPr>
         </p:nvSpPr>
         <p:spPr>
@@ -5538,12 +5841,12 @@
           </a:prstGeom>
         </p:spPr>
         <p:txBody>
-          <a:bodyPr anchorCtr="0" anchor="t" bIns="91425" lIns="91425" rIns="91425" wrap="square" tIns="91425">
+          <a:bodyPr wrap="square" lIns="91425" tIns="91425" rIns="91425" bIns="91425" anchor="t" anchorCtr="0">
             <a:noAutofit/>
           </a:bodyPr>
           <a:lstStyle/>
           <a:p>
-            <a:pPr indent="-342900" lvl="0" marL="457200" rtl="0">
+            <a:pPr marL="457200" lvl="0" indent="-342900" rtl="0">
               <a:lnSpc>
                 <a:spcPct val="200000"/>
               </a:lnSpc>
@@ -5570,7 +5873,7 @@
             </a:r>
           </a:p>
           <a:p>
-            <a:pPr indent="-342900" lvl="0" marL="457200" rtl="0">
+            <a:pPr marL="457200" lvl="0" indent="-342900" rtl="0">
               <a:lnSpc>
                 <a:spcPct val="200000"/>
               </a:lnSpc>
@@ -5600,9 +5903,6 @@
               </a:spcBef>
               <a:buNone/>
             </a:pPr>
-            <a:r>
-              <a:t/>
-            </a:r>
             <a:endParaRPr/>
           </a:p>
         </p:txBody>
@@ -5616,11 +5916,11 @@
 </file>
 
 <file path=ppt/slides/slide5.xml><?xml version="1.0" encoding="utf-8"?>
-<p:sld xmlns:a="http://schemas.openxmlformats.org/drawingml/2006/main" xmlns:r="http://schemas.openxmlformats.org/officeDocument/2006/relationships" xmlns:mc="http://schemas.openxmlformats.org/markup-compatibility/2006" xmlns:mv="urn:schemas-microsoft-com:mac:vml" xmlns:p="http://schemas.openxmlformats.org/presentationml/2006/main" xmlns:c="http://schemas.openxmlformats.org/drawingml/2006/chart" xmlns:dgm="http://schemas.openxmlformats.org/drawingml/2006/diagram" xmlns:o="urn:schemas-microsoft-com:office:office" xmlns:v="urn:schemas-microsoft-com:vml" xmlns:pvml="urn:schemas-microsoft-com:office:powerpoint" xmlns:com="http://schemas.openxmlformats.org/drawingml/2006/compatibility" xmlns:p14="http://schemas.microsoft.com/office/powerpoint/2010/main" xmlns:p15="http://schemas.microsoft.com/office/powerpoint/2012/main">
+<p:sld xmlns:a="http://schemas.openxmlformats.org/drawingml/2006/main" xmlns:r="http://schemas.openxmlformats.org/officeDocument/2006/relationships" xmlns:p="http://schemas.openxmlformats.org/presentationml/2006/main">
   <p:cSld>
     <p:spTree>
       <p:nvGrpSpPr>
-        <p:cNvPr id="89" name="Shape 89"/>
+        <p:cNvPr id="1" name="Shape 89"/>
         <p:cNvGrpSpPr/>
         <p:nvPr/>
       </p:nvGrpSpPr>
@@ -5635,7 +5935,9 @@
       <p:sp>
         <p:nvSpPr>
           <p:cNvPr id="90" name="Shape 90"/>
-          <p:cNvSpPr txBox="1"/>
+          <p:cNvSpPr txBox="1">
+            <a:spLocks noGrp="1"/>
+          </p:cNvSpPr>
           <p:nvPr>
             <p:ph type="title"/>
           </p:nvPr>
@@ -5650,7 +5952,7 @@
           </a:prstGeom>
         </p:spPr>
         <p:txBody>
-          <a:bodyPr anchorCtr="0" anchor="t" bIns="91425" lIns="91425" rIns="91425" wrap="square" tIns="91425">
+          <a:bodyPr wrap="square" lIns="91425" tIns="91425" rIns="91425" bIns="91425" anchor="t" anchorCtr="0">
             <a:noAutofit/>
           </a:bodyPr>
           <a:lstStyle/>
@@ -5662,18 +5964,21 @@
               <a:buNone/>
             </a:pPr>
             <a:r>
-              <a:rPr lang="en"/>
-              <a:t>Milestone/Sprints--Wen</a:t>
+              <a:rPr lang="en" dirty="0" smtClean="0"/>
+              <a:t>Milestone/Sprints</a:t>
             </a:r>
+            <a:endParaRPr lang="en" dirty="0"/>
           </a:p>
         </p:txBody>
       </p:sp>
       <p:sp>
         <p:nvSpPr>
           <p:cNvPr id="91" name="Shape 91"/>
-          <p:cNvSpPr txBox="1"/>
+          <p:cNvSpPr txBox="1">
+            <a:spLocks noGrp="1"/>
+          </p:cNvSpPr>
           <p:nvPr>
-            <p:ph idx="1" type="body"/>
+            <p:ph type="body" idx="1"/>
           </p:nvPr>
         </p:nvSpPr>
         <p:spPr>
@@ -5686,12 +5991,12 @@
           </a:prstGeom>
         </p:spPr>
         <p:txBody>
-          <a:bodyPr anchorCtr="0" anchor="t" bIns="91425" lIns="91425" rIns="91425" wrap="square" tIns="91425">
+          <a:bodyPr wrap="square" lIns="91425" tIns="91425" rIns="91425" bIns="91425" anchor="t" anchorCtr="0">
             <a:noAutofit/>
           </a:bodyPr>
           <a:lstStyle/>
           <a:p>
-            <a:pPr indent="-330200" lvl="0" marL="457200" rtl="0">
+            <a:pPr marL="457200" lvl="0" indent="-330200" rtl="0">
               <a:lnSpc>
                 <a:spcPct val="200000"/>
               </a:lnSpc>
@@ -5721,7 +6026,7 @@
             </a:r>
           </a:p>
           <a:p>
-            <a:pPr indent="-330200" lvl="0" marL="457200" rtl="0">
+            <a:pPr marL="457200" lvl="0" indent="-330200" rtl="0">
               <a:lnSpc>
                 <a:spcPct val="200000"/>
               </a:lnSpc>
@@ -5751,7 +6056,7 @@
             </a:r>
           </a:p>
           <a:p>
-            <a:pPr indent="-330200" lvl="0" marL="457200" rtl="0">
+            <a:pPr marL="457200" lvl="0" indent="-330200" rtl="0">
               <a:lnSpc>
                 <a:spcPct val="200000"/>
               </a:lnSpc>
@@ -5781,7 +6086,7 @@
             </a:r>
           </a:p>
           <a:p>
-            <a:pPr indent="-330200" lvl="0" marL="457200" rtl="0">
+            <a:pPr marL="457200" lvl="0" indent="-330200" rtl="0">
               <a:lnSpc>
                 <a:spcPct val="200000"/>
               </a:lnSpc>
@@ -5811,7 +6116,7 @@
             </a:r>
           </a:p>
           <a:p>
-            <a:pPr indent="-330200" lvl="0" marL="457200" rtl="0">
+            <a:pPr marL="457200" lvl="0" indent="-330200" rtl="0">
               <a:lnSpc>
                 <a:spcPct val="200000"/>
               </a:lnSpc>
@@ -5856,7 +6161,7 @@
             </a:r>
           </a:p>
           <a:p>
-            <a:pPr indent="-330200" lvl="0" marL="457200" rtl="0">
+            <a:pPr marL="457200" lvl="0" indent="-330200" rtl="0">
               <a:lnSpc>
                 <a:spcPct val="200000"/>
               </a:lnSpc>
@@ -5892,9 +6197,6 @@
               </a:spcBef>
               <a:buNone/>
             </a:pPr>
-            <a:r>
-              <a:t/>
-            </a:r>
             <a:endParaRPr/>
           </a:p>
         </p:txBody>
@@ -5908,11 +6210,11 @@
 </file>
 
 <file path=ppt/slides/slide6.xml><?xml version="1.0" encoding="utf-8"?>
-<p:sld xmlns:a="http://schemas.openxmlformats.org/drawingml/2006/main" xmlns:r="http://schemas.openxmlformats.org/officeDocument/2006/relationships" xmlns:mc="http://schemas.openxmlformats.org/markup-compatibility/2006" xmlns:mv="urn:schemas-microsoft-com:mac:vml" xmlns:p="http://schemas.openxmlformats.org/presentationml/2006/main" xmlns:c="http://schemas.openxmlformats.org/drawingml/2006/chart" xmlns:dgm="http://schemas.openxmlformats.org/drawingml/2006/diagram" xmlns:o="urn:schemas-microsoft-com:office:office" xmlns:v="urn:schemas-microsoft-com:vml" xmlns:pvml="urn:schemas-microsoft-com:office:powerpoint" xmlns:com="http://schemas.openxmlformats.org/drawingml/2006/compatibility" xmlns:p14="http://schemas.microsoft.com/office/powerpoint/2010/main" xmlns:p15="http://schemas.microsoft.com/office/powerpoint/2012/main">
+<p:sld xmlns:a="http://schemas.openxmlformats.org/drawingml/2006/main" xmlns:r="http://schemas.openxmlformats.org/officeDocument/2006/relationships" xmlns:p="http://schemas.openxmlformats.org/presentationml/2006/main">
   <p:cSld>
     <p:spTree>
       <p:nvGrpSpPr>
-        <p:cNvPr id="95" name="Shape 95"/>
+        <p:cNvPr id="1" name="Shape 95"/>
         <p:cNvGrpSpPr/>
         <p:nvPr/>
       </p:nvGrpSpPr>
@@ -5927,7 +6229,9 @@
       <p:sp>
         <p:nvSpPr>
           <p:cNvPr id="96" name="Shape 96"/>
-          <p:cNvSpPr txBox="1"/>
+          <p:cNvSpPr txBox="1">
+            <a:spLocks noGrp="1"/>
+          </p:cNvSpPr>
           <p:nvPr>
             <p:ph type="title"/>
           </p:nvPr>
@@ -5942,7 +6246,7 @@
           </a:prstGeom>
         </p:spPr>
         <p:txBody>
-          <a:bodyPr anchorCtr="0" anchor="t" bIns="91425" lIns="91425" rIns="91425" wrap="square" tIns="91425">
+          <a:bodyPr wrap="square" lIns="91425" tIns="91425" rIns="91425" bIns="91425" anchor="t" anchorCtr="0">
             <a:noAutofit/>
           </a:bodyPr>
           <a:lstStyle/>
@@ -5963,9 +6267,11 @@
       <p:sp>
         <p:nvSpPr>
           <p:cNvPr id="97" name="Shape 97"/>
-          <p:cNvSpPr txBox="1"/>
+          <p:cNvSpPr txBox="1">
+            <a:spLocks noGrp="1"/>
+          </p:cNvSpPr>
           <p:nvPr>
-            <p:ph idx="1" type="body"/>
+            <p:ph type="body" idx="1"/>
           </p:nvPr>
         </p:nvSpPr>
         <p:spPr>
@@ -5978,12 +6284,12 @@
           </a:prstGeom>
         </p:spPr>
         <p:txBody>
-          <a:bodyPr anchorCtr="0" anchor="t" bIns="91425" lIns="91425" rIns="91425" wrap="square" tIns="91425">
+          <a:bodyPr wrap="square" lIns="91425" tIns="91425" rIns="91425" bIns="91425" anchor="t" anchorCtr="0">
             <a:noAutofit/>
           </a:bodyPr>
           <a:lstStyle/>
           <a:p>
-            <a:pPr indent="-342900" lvl="0" marL="457200" rtl="0">
+            <a:pPr marL="457200" lvl="0" indent="-342900" rtl="0">
               <a:lnSpc>
                 <a:spcPct val="133333"/>
               </a:lnSpc>
@@ -5999,7 +6305,7 @@
               <a:buFont typeface="Arial"/>
             </a:pPr>
             <a:r>
-              <a:rPr lang="en">
+              <a:rPr lang="en" dirty="0">
                 <a:solidFill>
                   <a:srgbClr val="444444"/>
                 </a:solidFill>
@@ -6012,7 +6318,7 @@
             </a:r>
           </a:p>
           <a:p>
-            <a:pPr indent="-342900" lvl="1" marL="914400" rtl="0">
+            <a:pPr marL="914400" lvl="1" indent="-342900" rtl="0">
               <a:lnSpc>
                 <a:spcPct val="133333"/>
               </a:lnSpc>
@@ -6030,7 +6336,7 @@
               <a:buChar char="○"/>
             </a:pPr>
             <a:r>
-              <a:rPr lang="en" sz="1800">
+              <a:rPr lang="en" sz="1800" dirty="0">
                 <a:solidFill>
                   <a:srgbClr val="444444"/>
                 </a:solidFill>
@@ -6043,7 +6349,7 @@
             </a:r>
           </a:p>
           <a:p>
-            <a:pPr indent="-342900" lvl="1" marL="914400" rtl="0">
+            <a:pPr marL="914400" lvl="1" indent="-342900" rtl="0">
               <a:lnSpc>
                 <a:spcPct val="133333"/>
               </a:lnSpc>
@@ -6061,7 +6367,7 @@
               <a:buChar char="○"/>
             </a:pPr>
             <a:r>
-              <a:rPr lang="en" sz="1800">
+              <a:rPr lang="en" sz="1800" dirty="0">
                 <a:solidFill>
                   <a:srgbClr val="444444"/>
                 </a:solidFill>
@@ -6074,7 +6380,7 @@
             </a:r>
           </a:p>
           <a:p>
-            <a:pPr indent="-342900" lvl="1" marL="914400" rtl="0">
+            <a:pPr marL="914400" lvl="1" indent="-342900" rtl="0">
               <a:lnSpc>
                 <a:spcPct val="133333"/>
               </a:lnSpc>
@@ -6092,7 +6398,7 @@
               <a:buChar char="○"/>
             </a:pPr>
             <a:r>
-              <a:rPr lang="en" sz="1800">
+              <a:rPr lang="en" sz="1800" dirty="0">
                 <a:solidFill>
                   <a:srgbClr val="444444"/>
                 </a:solidFill>
@@ -6101,26 +6407,21 @@
                 <a:cs typeface="Arial"/>
                 <a:sym typeface="Arial"/>
               </a:rPr>
-              <a:t>Data visualization.</a:t>
+              <a:t>Data visualization</a:t>
             </a:r>
-          </a:p>
-          <a:p>
-            <a:pPr indent="0" lvl="0" marL="457200" rtl="0">
-              <a:lnSpc>
-                <a:spcPct val="133333"/>
-              </a:lnSpc>
-              <a:spcBef>
-                <a:spcPts val="1100"/>
-              </a:spcBef>
-              <a:spcAft>
-                <a:spcPts val="1100"/>
-              </a:spcAft>
-              <a:buNone/>
-            </a:pPr>
             <a:r>
-              <a:t/>
+              <a:rPr lang="en" sz="1800" dirty="0" smtClean="0">
+                <a:solidFill>
+                  <a:srgbClr val="444444"/>
+                </a:solidFill>
+                <a:latin typeface="Arial"/>
+                <a:ea typeface="Arial"/>
+                <a:cs typeface="Arial"/>
+                <a:sym typeface="Arial"/>
+              </a:rPr>
+              <a:t>.</a:t>
             </a:r>
-            <a:endParaRPr sz="1800">
+            <a:endParaRPr sz="1800" dirty="0">
               <a:solidFill>
                 <a:srgbClr val="444444"/>
               </a:solidFill>
@@ -6131,7 +6432,7 @@
             </a:endParaRPr>
           </a:p>
           <a:p>
-            <a:pPr indent="-342900" lvl="0" marL="457200" rtl="0">
+            <a:pPr marL="457200" lvl="0" indent="-342900" rtl="0">
               <a:lnSpc>
                 <a:spcPct val="133333"/>
               </a:lnSpc>
@@ -6149,7 +6450,7 @@
               <a:buChar char="●"/>
             </a:pPr>
             <a:r>
-              <a:rPr lang="en">
+              <a:rPr lang="en" dirty="0">
                 <a:solidFill>
                   <a:srgbClr val="444444"/>
                 </a:solidFill>
@@ -6158,7 +6459,55 @@
                 <a:cs typeface="Arial"/>
                 <a:sym typeface="Arial"/>
               </a:rPr>
-              <a:t>Repository: https://github.com/cicioutofspace/CSYE7200_FinalProject</a:t>
+              <a:t>Repository: https://</a:t>
+            </a:r>
+            <a:r>
+              <a:rPr lang="en" dirty="0" err="1">
+                <a:solidFill>
+                  <a:srgbClr val="444444"/>
+                </a:solidFill>
+                <a:latin typeface="Arial"/>
+                <a:ea typeface="Arial"/>
+                <a:cs typeface="Arial"/>
+                <a:sym typeface="Arial"/>
+              </a:rPr>
+              <a:t>github.com</a:t>
+            </a:r>
+            <a:r>
+              <a:rPr lang="en" dirty="0">
+                <a:solidFill>
+                  <a:srgbClr val="444444"/>
+                </a:solidFill>
+                <a:latin typeface="Arial"/>
+                <a:ea typeface="Arial"/>
+                <a:cs typeface="Arial"/>
+                <a:sym typeface="Arial"/>
+              </a:rPr>
+              <a:t>/</a:t>
+            </a:r>
+            <a:r>
+              <a:rPr lang="en" dirty="0" err="1">
+                <a:solidFill>
+                  <a:srgbClr val="444444"/>
+                </a:solidFill>
+                <a:latin typeface="Arial"/>
+                <a:ea typeface="Arial"/>
+                <a:cs typeface="Arial"/>
+                <a:sym typeface="Arial"/>
+              </a:rPr>
+              <a:t>cicioutofspace</a:t>
+            </a:r>
+            <a:r>
+              <a:rPr lang="en" dirty="0">
+                <a:solidFill>
+                  <a:srgbClr val="444444"/>
+                </a:solidFill>
+                <a:latin typeface="Arial"/>
+                <a:ea typeface="Arial"/>
+                <a:cs typeface="Arial"/>
+                <a:sym typeface="Arial"/>
+              </a:rPr>
+              <a:t>/CSYE7200_FinalProject</a:t>
             </a:r>
           </a:p>
           <a:p>
@@ -6168,10 +6517,7 @@
               </a:spcBef>
               <a:buNone/>
             </a:pPr>
-            <a:r>
-              <a:t/>
-            </a:r>
-            <a:endParaRPr/>
+            <a:endParaRPr dirty="0"/>
           </a:p>
         </p:txBody>
       </p:sp>
@@ -6184,11 +6530,11 @@
 </file>
 
 <file path=ppt/slides/slide7.xml><?xml version="1.0" encoding="utf-8"?>
-<p:sld xmlns:a="http://schemas.openxmlformats.org/drawingml/2006/main" xmlns:r="http://schemas.openxmlformats.org/officeDocument/2006/relationships" xmlns:mc="http://schemas.openxmlformats.org/markup-compatibility/2006" xmlns:mv="urn:schemas-microsoft-com:mac:vml" xmlns:p="http://schemas.openxmlformats.org/presentationml/2006/main" xmlns:c="http://schemas.openxmlformats.org/drawingml/2006/chart" xmlns:dgm="http://schemas.openxmlformats.org/drawingml/2006/diagram" xmlns:o="urn:schemas-microsoft-com:office:office" xmlns:v="urn:schemas-microsoft-com:vml" xmlns:pvml="urn:schemas-microsoft-com:office:powerpoint" xmlns:com="http://schemas.openxmlformats.org/drawingml/2006/compatibility" xmlns:p14="http://schemas.microsoft.com/office/powerpoint/2010/main" xmlns:p15="http://schemas.microsoft.com/office/powerpoint/2012/main">
+<p:sld xmlns:a="http://schemas.openxmlformats.org/drawingml/2006/main" xmlns:r="http://schemas.openxmlformats.org/officeDocument/2006/relationships" xmlns:p="http://schemas.openxmlformats.org/presentationml/2006/main">
   <p:cSld>
     <p:spTree>
       <p:nvGrpSpPr>
-        <p:cNvPr id="101" name="Shape 101"/>
+        <p:cNvPr id="1" name="Shape 101"/>
         <p:cNvGrpSpPr/>
         <p:nvPr/>
       </p:nvGrpSpPr>
@@ -6203,7 +6549,9 @@
       <p:sp>
         <p:nvSpPr>
           <p:cNvPr id="102" name="Shape 102"/>
-          <p:cNvSpPr txBox="1"/>
+          <p:cNvSpPr txBox="1">
+            <a:spLocks noGrp="1"/>
+          </p:cNvSpPr>
           <p:nvPr>
             <p:ph type="title"/>
           </p:nvPr>
@@ -6218,7 +6566,7 @@
           </a:prstGeom>
         </p:spPr>
         <p:txBody>
-          <a:bodyPr anchorCtr="0" anchor="t" bIns="91425" lIns="91425" rIns="91425" wrap="square" tIns="91425">
+          <a:bodyPr wrap="square" lIns="91425" tIns="91425" rIns="91425" bIns="91425" anchor="t" anchorCtr="0">
             <a:noAutofit/>
           </a:bodyPr>
           <a:lstStyle/>
@@ -6239,9 +6587,11 @@
       <p:sp>
         <p:nvSpPr>
           <p:cNvPr id="103" name="Shape 103"/>
-          <p:cNvSpPr txBox="1"/>
+          <p:cNvSpPr txBox="1">
+            <a:spLocks noGrp="1"/>
+          </p:cNvSpPr>
           <p:nvPr>
-            <p:ph idx="1" type="body"/>
+            <p:ph type="body" idx="1"/>
           </p:nvPr>
         </p:nvSpPr>
         <p:spPr>
@@ -6255,12 +6605,12 @@
           <a:noFill/>
         </p:spPr>
         <p:txBody>
-          <a:bodyPr anchorCtr="0" anchor="t" bIns="91425" lIns="91425" rIns="91425" wrap="square" tIns="91425">
+          <a:bodyPr wrap="square" lIns="91425" tIns="91425" rIns="91425" bIns="91425" anchor="t" anchorCtr="0">
             <a:noAutofit/>
           </a:bodyPr>
           <a:lstStyle/>
           <a:p>
-            <a:pPr indent="-342900" lvl="0" marL="457200" rtl="0">
+            <a:pPr marL="457200" lvl="0" indent="-342900" rtl="0">
               <a:lnSpc>
                 <a:spcPct val="200000"/>
               </a:lnSpc>
@@ -6277,7 +6627,7 @@
               <a:buFont typeface="Arial"/>
             </a:pPr>
             <a:r>
-              <a:rPr lang="en">
+              <a:rPr lang="en" dirty="0">
                 <a:solidFill>
                   <a:srgbClr val="444444"/>
                 </a:solidFill>
@@ -6290,7 +6640,7 @@
             </a:r>
           </a:p>
           <a:p>
-            <a:pPr indent="-342900" lvl="0" marL="457200" rtl="0">
+            <a:pPr marL="457200" lvl="0" indent="-342900" rtl="0">
               <a:lnSpc>
                 <a:spcPct val="200000"/>
               </a:lnSpc>
@@ -6307,7 +6657,7 @@
               <a:buFont typeface="Arial"/>
             </a:pPr>
             <a:r>
-              <a:rPr lang="en">
+              <a:rPr lang="en" dirty="0">
                 <a:solidFill>
                   <a:srgbClr val="444444"/>
                 </a:solidFill>
@@ -6320,7 +6670,7 @@
             </a:r>
           </a:p>
           <a:p>
-            <a:pPr indent="-342900" lvl="0" marL="457200" rtl="0">
+            <a:pPr marL="457200" lvl="0" indent="-342900" rtl="0">
               <a:lnSpc>
                 <a:spcPct val="200000"/>
               </a:lnSpc>
@@ -6337,7 +6687,7 @@
               <a:buFont typeface="Arial"/>
             </a:pPr>
             <a:r>
-              <a:rPr lang="en">
+              <a:rPr lang="en" dirty="0">
                 <a:solidFill>
                   <a:srgbClr val="444444"/>
                 </a:solidFill>
@@ -6360,11 +6710,11 @@
 </file>
 
 <file path=ppt/slides/slide8.xml><?xml version="1.0" encoding="utf-8"?>
-<p:sld xmlns:a="http://schemas.openxmlformats.org/drawingml/2006/main" xmlns:r="http://schemas.openxmlformats.org/officeDocument/2006/relationships" xmlns:mc="http://schemas.openxmlformats.org/markup-compatibility/2006" xmlns:mv="urn:schemas-microsoft-com:mac:vml" xmlns:p="http://schemas.openxmlformats.org/presentationml/2006/main" xmlns:c="http://schemas.openxmlformats.org/drawingml/2006/chart" xmlns:dgm="http://schemas.openxmlformats.org/drawingml/2006/diagram" xmlns:o="urn:schemas-microsoft-com:office:office" xmlns:v="urn:schemas-microsoft-com:vml" xmlns:pvml="urn:schemas-microsoft-com:office:powerpoint" xmlns:com="http://schemas.openxmlformats.org/drawingml/2006/compatibility" xmlns:p14="http://schemas.microsoft.com/office/powerpoint/2010/main" xmlns:p15="http://schemas.microsoft.com/office/powerpoint/2012/main">
+<p:sld xmlns:a="http://schemas.openxmlformats.org/drawingml/2006/main" xmlns:r="http://schemas.openxmlformats.org/officeDocument/2006/relationships" xmlns:p="http://schemas.openxmlformats.org/presentationml/2006/main">
   <p:cSld>
     <p:spTree>
       <p:nvGrpSpPr>
-        <p:cNvPr id="107" name="Shape 107"/>
+        <p:cNvPr id="1" name="Shape 107"/>
         <p:cNvGrpSpPr/>
         <p:nvPr/>
       </p:nvGrpSpPr>
@@ -6379,7 +6729,9 @@
       <p:sp>
         <p:nvSpPr>
           <p:cNvPr id="108" name="Shape 108"/>
-          <p:cNvSpPr txBox="1"/>
+          <p:cNvSpPr txBox="1">
+            <a:spLocks noGrp="1"/>
+          </p:cNvSpPr>
           <p:nvPr>
             <p:ph type="title"/>
           </p:nvPr>
@@ -6394,7 +6746,7 @@
           </a:prstGeom>
         </p:spPr>
         <p:txBody>
-          <a:bodyPr anchorCtr="0" anchor="t" bIns="91425" lIns="91425" rIns="91425" wrap="square" tIns="91425">
+          <a:bodyPr wrap="square" lIns="91425" tIns="91425" rIns="91425" bIns="91425" anchor="t" anchorCtr="0">
             <a:noAutofit/>
           </a:bodyPr>
           <a:lstStyle/>
@@ -6415,9 +6767,11 @@
       <p:sp>
         <p:nvSpPr>
           <p:cNvPr id="109" name="Shape 109"/>
-          <p:cNvSpPr txBox="1"/>
+          <p:cNvSpPr txBox="1">
+            <a:spLocks noGrp="1"/>
+          </p:cNvSpPr>
           <p:nvPr>
-            <p:ph idx="1" type="body"/>
+            <p:ph type="body" idx="1"/>
           </p:nvPr>
         </p:nvSpPr>
         <p:spPr>
@@ -6430,12 +6784,12 @@
           </a:prstGeom>
         </p:spPr>
         <p:txBody>
-          <a:bodyPr anchorCtr="0" anchor="t" bIns="91425" lIns="91425" rIns="91425" wrap="square" tIns="91425">
+          <a:bodyPr wrap="square" lIns="91425" tIns="91425" rIns="91425" bIns="91425" anchor="t" anchorCtr="0">
             <a:noAutofit/>
           </a:bodyPr>
           <a:lstStyle/>
           <a:p>
-            <a:pPr indent="-342900" lvl="0" marL="457200" rtl="0">
+            <a:pPr marL="457200" lvl="0" indent="-342900" rtl="0">
               <a:lnSpc>
                 <a:spcPct val="200000"/>
               </a:lnSpc>
@@ -6464,7 +6818,7 @@
             </a:r>
           </a:p>
           <a:p>
-            <a:pPr indent="-342900" lvl="0" marL="457200" rtl="0">
+            <a:pPr marL="457200" lvl="0" indent="-342900" rtl="0">
               <a:lnSpc>
                 <a:spcPct val="200000"/>
               </a:lnSpc>
@@ -6493,7 +6847,7 @@
             </a:r>
           </a:p>
           <a:p>
-            <a:pPr indent="-342900" lvl="0" marL="457200" rtl="0">
+            <a:pPr marL="457200" lvl="0" indent="-342900" rtl="0">
               <a:lnSpc>
                 <a:spcPct val="200000"/>
               </a:lnSpc>
@@ -6537,9 +6891,6 @@
               </a:spcBef>
               <a:buNone/>
             </a:pPr>
-            <a:r>
-              <a:t/>
-            </a:r>
             <a:endParaRPr sz="1200">
               <a:solidFill>
                 <a:srgbClr val="444444"/>
@@ -6561,7 +6912,288 @@
 </file>
 
 <file path=ppt/theme/theme1.xml><?xml version="1.0" encoding="utf-8"?>
-<a:theme xmlns:a="http://schemas.openxmlformats.org/drawingml/2006/main" xmlns:r="http://schemas.openxmlformats.org/officeDocument/2006/relationships" name="Custom Theme">
+<a:theme xmlns:a="http://schemas.openxmlformats.org/drawingml/2006/main" name="Tropic">
+  <a:themeElements>
+    <a:clrScheme name="Tropic">
+      <a:dk1>
+        <a:srgbClr val="A1E8D9"/>
+      </a:dk1>
+      <a:lt1>
+        <a:srgbClr val="FFFFFF"/>
+      </a:lt1>
+      <a:dk2>
+        <a:srgbClr val="695D46"/>
+      </a:dk2>
+      <a:lt2>
+        <a:srgbClr val="B3A77D"/>
+      </a:lt2>
+      <a:accent1>
+        <a:srgbClr val="EF6C00"/>
+      </a:accent1>
+      <a:accent2>
+        <a:srgbClr val="009668"/>
+      </a:accent2>
+      <a:accent3>
+        <a:srgbClr val="4DB6AC"/>
+      </a:accent3>
+      <a:accent4>
+        <a:srgbClr val="FF9800"/>
+      </a:accent4>
+      <a:accent5>
+        <a:srgbClr val="CE93D8"/>
+      </a:accent5>
+      <a:accent6>
+        <a:srgbClr val="EEFF41"/>
+      </a:accent6>
+      <a:hlink>
+        <a:srgbClr val="CE93D8"/>
+      </a:hlink>
+      <a:folHlink>
+        <a:srgbClr val="CE93D8"/>
+      </a:folHlink>
+    </a:clrScheme>
+    <a:fontScheme name="Office">
+      <a:majorFont>
+        <a:latin typeface="Arial"/>
+        <a:ea typeface=""/>
+        <a:cs typeface=""/>
+        <a:font script="Jpan" typeface="ＭＳ Ｐゴシック"/>
+        <a:font script="Hang" typeface="맑은 고딕"/>
+        <a:font script="Hans" typeface="宋体"/>
+        <a:font script="Hant" typeface="新細明體"/>
+        <a:font script="Arab" typeface="Times New Roman"/>
+        <a:font script="Hebr" typeface="Times New Roman"/>
+        <a:font script="Thai" typeface="Angsana New"/>
+        <a:font script="Ethi" typeface="Nyala"/>
+        <a:font script="Beng" typeface="Vrinda"/>
+        <a:font script="Gujr" typeface="Shruti"/>
+        <a:font script="Khmr" typeface="MoolBoran"/>
+        <a:font script="Knda" typeface="Tunga"/>
+        <a:font script="Guru" typeface="Raavi"/>
+        <a:font script="Cans" typeface="Euphemia"/>
+        <a:font script="Cher" typeface="Plantagenet Cherokee"/>
+        <a:font script="Yiii" typeface="Microsoft Yi Baiti"/>
+        <a:font script="Tibt" typeface="Microsoft Himalaya"/>
+        <a:font script="Thaa" typeface="MV Boli"/>
+        <a:font script="Deva" typeface="Mangal"/>
+        <a:font script="Telu" typeface="Gautami"/>
+        <a:font script="Taml" typeface="Latha"/>
+        <a:font script="Syrc" typeface="Estrangelo Edessa"/>
+        <a:font script="Orya" typeface="Kalinga"/>
+        <a:font script="Mlym" typeface="Kartika"/>
+        <a:font script="Laoo" typeface="DokChampa"/>
+        <a:font script="Sinh" typeface="Iskoola Pota"/>
+        <a:font script="Mong" typeface="Mongolian Baiti"/>
+        <a:font script="Viet" typeface="Times New Roman"/>
+        <a:font script="Uigh" typeface="Microsoft Uighur"/>
+        <a:font script="Geor" typeface="Sylfaen"/>
+      </a:majorFont>
+      <a:minorFont>
+        <a:latin typeface="Arial"/>
+        <a:ea typeface=""/>
+        <a:cs typeface=""/>
+        <a:font script="Jpan" typeface="ＭＳ Ｐゴシック"/>
+        <a:font script="Hang" typeface="맑은 고딕"/>
+        <a:font script="Hans" typeface="宋体"/>
+        <a:font script="Hant" typeface="新細明體"/>
+        <a:font script="Arab" typeface="Arial"/>
+        <a:font script="Hebr" typeface="Arial"/>
+        <a:font script="Thai" typeface="Cordia New"/>
+        <a:font script="Ethi" typeface="Nyala"/>
+        <a:font script="Beng" typeface="Vrinda"/>
+        <a:font script="Gujr" typeface="Shruti"/>
+        <a:font script="Khmr" typeface="DaunPenh"/>
+        <a:font script="Knda" typeface="Tunga"/>
+        <a:font script="Guru" typeface="Raavi"/>
+        <a:font script="Cans" typeface="Euphemia"/>
+        <a:font script="Cher" typeface="Plantagenet Cherokee"/>
+        <a:font script="Yiii" typeface="Microsoft Yi Baiti"/>
+        <a:font script="Tibt" typeface="Microsoft Himalaya"/>
+        <a:font script="Thaa" typeface="MV Boli"/>
+        <a:font script="Deva" typeface="Mangal"/>
+        <a:font script="Telu" typeface="Gautami"/>
+        <a:font script="Taml" typeface="Latha"/>
+        <a:font script="Syrc" typeface="Estrangelo Edessa"/>
+        <a:font script="Orya" typeface="Kalinga"/>
+        <a:font script="Mlym" typeface="Kartika"/>
+        <a:font script="Laoo" typeface="DokChampa"/>
+        <a:font script="Sinh" typeface="Iskoola Pota"/>
+        <a:font script="Mong" typeface="Mongolian Baiti"/>
+        <a:font script="Viet" typeface="Arial"/>
+        <a:font script="Uigh" typeface="Microsoft Uighur"/>
+        <a:font script="Geor" typeface="Sylfaen"/>
+      </a:minorFont>
+    </a:fontScheme>
+    <a:fmtScheme name="Office">
+      <a:fillStyleLst>
+        <a:solidFill>
+          <a:schemeClr val="phClr"/>
+        </a:solidFill>
+        <a:gradFill rotWithShape="1">
+          <a:gsLst>
+            <a:gs pos="0">
+              <a:schemeClr val="phClr">
+                <a:tint val="50000"/>
+                <a:satMod val="300000"/>
+              </a:schemeClr>
+            </a:gs>
+            <a:gs pos="35000">
+              <a:schemeClr val="phClr">
+                <a:tint val="37000"/>
+                <a:satMod val="300000"/>
+              </a:schemeClr>
+            </a:gs>
+            <a:gs pos="100000">
+              <a:schemeClr val="phClr">
+                <a:tint val="15000"/>
+                <a:satMod val="350000"/>
+              </a:schemeClr>
+            </a:gs>
+          </a:gsLst>
+          <a:lin ang="16200000" scaled="1"/>
+        </a:gradFill>
+        <a:gradFill rotWithShape="1">
+          <a:gsLst>
+            <a:gs pos="0">
+              <a:schemeClr val="phClr">
+                <a:tint val="100000"/>
+                <a:shade val="100000"/>
+                <a:satMod val="130000"/>
+              </a:schemeClr>
+            </a:gs>
+            <a:gs pos="100000">
+              <a:schemeClr val="phClr">
+                <a:tint val="50000"/>
+                <a:shade val="100000"/>
+                <a:satMod val="350000"/>
+              </a:schemeClr>
+            </a:gs>
+          </a:gsLst>
+          <a:lin ang="16200000" scaled="0"/>
+        </a:gradFill>
+      </a:fillStyleLst>
+      <a:lnStyleLst>
+        <a:ln w="9525" cap="flat" cmpd="sng" algn="ctr">
+          <a:solidFill>
+            <a:schemeClr val="phClr">
+              <a:shade val="95000"/>
+              <a:satMod val="105000"/>
+            </a:schemeClr>
+          </a:solidFill>
+          <a:prstDash val="solid"/>
+        </a:ln>
+        <a:ln w="25400" cap="flat" cmpd="sng" algn="ctr">
+          <a:solidFill>
+            <a:schemeClr val="phClr"/>
+          </a:solidFill>
+          <a:prstDash val="solid"/>
+        </a:ln>
+        <a:ln w="38100" cap="flat" cmpd="sng" algn="ctr">
+          <a:solidFill>
+            <a:schemeClr val="phClr"/>
+          </a:solidFill>
+          <a:prstDash val="solid"/>
+        </a:ln>
+      </a:lnStyleLst>
+      <a:effectStyleLst>
+        <a:effectStyle>
+          <a:effectLst>
+            <a:outerShdw blurRad="40000" dist="20000" dir="5400000" rotWithShape="0">
+              <a:srgbClr val="000000">
+                <a:alpha val="38000"/>
+              </a:srgbClr>
+            </a:outerShdw>
+          </a:effectLst>
+        </a:effectStyle>
+        <a:effectStyle>
+          <a:effectLst>
+            <a:outerShdw blurRad="40000" dist="23000" dir="5400000" rotWithShape="0">
+              <a:srgbClr val="000000">
+                <a:alpha val="35000"/>
+              </a:srgbClr>
+            </a:outerShdw>
+          </a:effectLst>
+        </a:effectStyle>
+        <a:effectStyle>
+          <a:effectLst>
+            <a:outerShdw blurRad="40000" dist="23000" dir="5400000" rotWithShape="0">
+              <a:srgbClr val="000000">
+                <a:alpha val="35000"/>
+              </a:srgbClr>
+            </a:outerShdw>
+          </a:effectLst>
+          <a:scene3d>
+            <a:camera prst="orthographicFront">
+              <a:rot lat="0" lon="0" rev="0"/>
+            </a:camera>
+            <a:lightRig rig="threePt" dir="t">
+              <a:rot lat="0" lon="0" rev="1200000"/>
+            </a:lightRig>
+          </a:scene3d>
+          <a:sp3d>
+            <a:bevelT w="63500" h="25400"/>
+          </a:sp3d>
+        </a:effectStyle>
+      </a:effectStyleLst>
+      <a:bgFillStyleLst>
+        <a:solidFill>
+          <a:schemeClr val="phClr"/>
+        </a:solidFill>
+        <a:gradFill rotWithShape="1">
+          <a:gsLst>
+            <a:gs pos="0">
+              <a:schemeClr val="phClr">
+                <a:tint val="40000"/>
+                <a:satMod val="350000"/>
+              </a:schemeClr>
+            </a:gs>
+            <a:gs pos="40000">
+              <a:schemeClr val="phClr">
+                <a:tint val="45000"/>
+                <a:shade val="99000"/>
+                <a:satMod val="350000"/>
+              </a:schemeClr>
+            </a:gs>
+            <a:gs pos="100000">
+              <a:schemeClr val="phClr">
+                <a:shade val="20000"/>
+                <a:satMod val="255000"/>
+              </a:schemeClr>
+            </a:gs>
+          </a:gsLst>
+          <a:path path="circle">
+            <a:fillToRect l="50000" t="-80000" r="50000" b="180000"/>
+          </a:path>
+        </a:gradFill>
+        <a:gradFill rotWithShape="1">
+          <a:gsLst>
+            <a:gs pos="0">
+              <a:schemeClr val="phClr">
+                <a:tint val="80000"/>
+                <a:satMod val="300000"/>
+              </a:schemeClr>
+            </a:gs>
+            <a:gs pos="100000">
+              <a:schemeClr val="phClr">
+                <a:shade val="30000"/>
+                <a:satMod val="200000"/>
+              </a:schemeClr>
+            </a:gs>
+          </a:gsLst>
+          <a:path path="circle">
+            <a:fillToRect l="50000" t="50000" r="50000" b="50000"/>
+          </a:path>
+        </a:gradFill>
+      </a:bgFillStyleLst>
+    </a:fmtScheme>
+  </a:themeElements>
+  <a:objectDefaults/>
+  <a:extraClrSchemeLst/>
+</a:theme>
+</file>
+
+<file path=ppt/theme/theme2.xml><?xml version="1.0" encoding="utf-8"?>
+<a:theme xmlns:a="http://schemas.openxmlformats.org/drawingml/2006/main" name="Custom Theme">
   <a:themeElements>
     <a:clrScheme name="Default">
       <a:dk1>
@@ -6836,284 +7468,7 @@
       </a:bgFillStyleLst>
     </a:fmtScheme>
   </a:themeElements>
-</a:theme>
-</file>
-
-<file path=ppt/theme/theme2.xml><?xml version="1.0" encoding="utf-8"?>
-<a:theme xmlns:a="http://schemas.openxmlformats.org/drawingml/2006/main" xmlns:r="http://schemas.openxmlformats.org/officeDocument/2006/relationships" name="Tropic">
-  <a:themeElements>
-    <a:clrScheme name="Tropic">
-      <a:dk1>
-        <a:srgbClr val="A1E8D9"/>
-      </a:dk1>
-      <a:lt1>
-        <a:srgbClr val="FFFFFF"/>
-      </a:lt1>
-      <a:dk2>
-        <a:srgbClr val="695D46"/>
-      </a:dk2>
-      <a:lt2>
-        <a:srgbClr val="B3A77D"/>
-      </a:lt2>
-      <a:accent1>
-        <a:srgbClr val="EF6C00"/>
-      </a:accent1>
-      <a:accent2>
-        <a:srgbClr val="009668"/>
-      </a:accent2>
-      <a:accent3>
-        <a:srgbClr val="4DB6AC"/>
-      </a:accent3>
-      <a:accent4>
-        <a:srgbClr val="FF9800"/>
-      </a:accent4>
-      <a:accent5>
-        <a:srgbClr val="CE93D8"/>
-      </a:accent5>
-      <a:accent6>
-        <a:srgbClr val="EEFF41"/>
-      </a:accent6>
-      <a:hlink>
-        <a:srgbClr val="CE93D8"/>
-      </a:hlink>
-      <a:folHlink>
-        <a:srgbClr val="CE93D8"/>
-      </a:folHlink>
-    </a:clrScheme>
-    <a:fontScheme name="Office">
-      <a:majorFont>
-        <a:latin typeface="Arial"/>
-        <a:ea typeface=""/>
-        <a:cs typeface=""/>
-        <a:font script="Jpan" typeface="ＭＳ Ｐゴシック"/>
-        <a:font script="Hang" typeface="맑은 고딕"/>
-        <a:font script="Hans" typeface="宋体"/>
-        <a:font script="Hant" typeface="新細明體"/>
-        <a:font script="Arab" typeface="Times New Roman"/>
-        <a:font script="Hebr" typeface="Times New Roman"/>
-        <a:font script="Thai" typeface="Angsana New"/>
-        <a:font script="Ethi" typeface="Nyala"/>
-        <a:font script="Beng" typeface="Vrinda"/>
-        <a:font script="Gujr" typeface="Shruti"/>
-        <a:font script="Khmr" typeface="MoolBoran"/>
-        <a:font script="Knda" typeface="Tunga"/>
-        <a:font script="Guru" typeface="Raavi"/>
-        <a:font script="Cans" typeface="Euphemia"/>
-        <a:font script="Cher" typeface="Plantagenet Cherokee"/>
-        <a:font script="Yiii" typeface="Microsoft Yi Baiti"/>
-        <a:font script="Tibt" typeface="Microsoft Himalaya"/>
-        <a:font script="Thaa" typeface="MV Boli"/>
-        <a:font script="Deva" typeface="Mangal"/>
-        <a:font script="Telu" typeface="Gautami"/>
-        <a:font script="Taml" typeface="Latha"/>
-        <a:font script="Syrc" typeface="Estrangelo Edessa"/>
-        <a:font script="Orya" typeface="Kalinga"/>
-        <a:font script="Mlym" typeface="Kartika"/>
-        <a:font script="Laoo" typeface="DokChampa"/>
-        <a:font script="Sinh" typeface="Iskoola Pota"/>
-        <a:font script="Mong" typeface="Mongolian Baiti"/>
-        <a:font script="Viet" typeface="Times New Roman"/>
-        <a:font script="Uigh" typeface="Microsoft Uighur"/>
-        <a:font script="Geor" typeface="Sylfaen"/>
-      </a:majorFont>
-      <a:minorFont>
-        <a:latin typeface="Arial"/>
-        <a:ea typeface=""/>
-        <a:cs typeface=""/>
-        <a:font script="Jpan" typeface="ＭＳ Ｐゴシック"/>
-        <a:font script="Hang" typeface="맑은 고딕"/>
-        <a:font script="Hans" typeface="宋体"/>
-        <a:font script="Hant" typeface="新細明體"/>
-        <a:font script="Arab" typeface="Arial"/>
-        <a:font script="Hebr" typeface="Arial"/>
-        <a:font script="Thai" typeface="Cordia New"/>
-        <a:font script="Ethi" typeface="Nyala"/>
-        <a:font script="Beng" typeface="Vrinda"/>
-        <a:font script="Gujr" typeface="Shruti"/>
-        <a:font script="Khmr" typeface="DaunPenh"/>
-        <a:font script="Knda" typeface="Tunga"/>
-        <a:font script="Guru" typeface="Raavi"/>
-        <a:font script="Cans" typeface="Euphemia"/>
-        <a:font script="Cher" typeface="Plantagenet Cherokee"/>
-        <a:font script="Yiii" typeface="Microsoft Yi Baiti"/>
-        <a:font script="Tibt" typeface="Microsoft Himalaya"/>
-        <a:font script="Thaa" typeface="MV Boli"/>
-        <a:font script="Deva" typeface="Mangal"/>
-        <a:font script="Telu" typeface="Gautami"/>
-        <a:font script="Taml" typeface="Latha"/>
-        <a:font script="Syrc" typeface="Estrangelo Edessa"/>
-        <a:font script="Orya" typeface="Kalinga"/>
-        <a:font script="Mlym" typeface="Kartika"/>
-        <a:font script="Laoo" typeface="DokChampa"/>
-        <a:font script="Sinh" typeface="Iskoola Pota"/>
-        <a:font script="Mong" typeface="Mongolian Baiti"/>
-        <a:font script="Viet" typeface="Arial"/>
-        <a:font script="Uigh" typeface="Microsoft Uighur"/>
-        <a:font script="Geor" typeface="Sylfaen"/>
-      </a:minorFont>
-    </a:fontScheme>
-    <a:fmtScheme name="Office">
-      <a:fillStyleLst>
-        <a:solidFill>
-          <a:schemeClr val="phClr"/>
-        </a:solidFill>
-        <a:gradFill rotWithShape="1">
-          <a:gsLst>
-            <a:gs pos="0">
-              <a:schemeClr val="phClr">
-                <a:tint val="50000"/>
-                <a:satMod val="300000"/>
-              </a:schemeClr>
-            </a:gs>
-            <a:gs pos="35000">
-              <a:schemeClr val="phClr">
-                <a:tint val="37000"/>
-                <a:satMod val="300000"/>
-              </a:schemeClr>
-            </a:gs>
-            <a:gs pos="100000">
-              <a:schemeClr val="phClr">
-                <a:tint val="15000"/>
-                <a:satMod val="350000"/>
-              </a:schemeClr>
-            </a:gs>
-          </a:gsLst>
-          <a:lin ang="16200000" scaled="1"/>
-        </a:gradFill>
-        <a:gradFill rotWithShape="1">
-          <a:gsLst>
-            <a:gs pos="0">
-              <a:schemeClr val="phClr">
-                <a:tint val="100000"/>
-                <a:shade val="100000"/>
-                <a:satMod val="130000"/>
-              </a:schemeClr>
-            </a:gs>
-            <a:gs pos="100000">
-              <a:schemeClr val="phClr">
-                <a:tint val="50000"/>
-                <a:shade val="100000"/>
-                <a:satMod val="350000"/>
-              </a:schemeClr>
-            </a:gs>
-          </a:gsLst>
-          <a:lin ang="16200000" scaled="0"/>
-        </a:gradFill>
-      </a:fillStyleLst>
-      <a:lnStyleLst>
-        <a:ln w="9525" cap="flat" cmpd="sng" algn="ctr">
-          <a:solidFill>
-            <a:schemeClr val="phClr">
-              <a:shade val="95000"/>
-              <a:satMod val="105000"/>
-            </a:schemeClr>
-          </a:solidFill>
-          <a:prstDash val="solid"/>
-        </a:ln>
-        <a:ln w="25400" cap="flat" cmpd="sng" algn="ctr">
-          <a:solidFill>
-            <a:schemeClr val="phClr"/>
-          </a:solidFill>
-          <a:prstDash val="solid"/>
-        </a:ln>
-        <a:ln w="38100" cap="flat" cmpd="sng" algn="ctr">
-          <a:solidFill>
-            <a:schemeClr val="phClr"/>
-          </a:solidFill>
-          <a:prstDash val="solid"/>
-        </a:ln>
-      </a:lnStyleLst>
-      <a:effectStyleLst>
-        <a:effectStyle>
-          <a:effectLst>
-            <a:outerShdw blurRad="40000" dist="20000" dir="5400000" rotWithShape="0">
-              <a:srgbClr val="000000">
-                <a:alpha val="38000"/>
-              </a:srgbClr>
-            </a:outerShdw>
-          </a:effectLst>
-        </a:effectStyle>
-        <a:effectStyle>
-          <a:effectLst>
-            <a:outerShdw blurRad="40000" dist="23000" dir="5400000" rotWithShape="0">
-              <a:srgbClr val="000000">
-                <a:alpha val="35000"/>
-              </a:srgbClr>
-            </a:outerShdw>
-          </a:effectLst>
-        </a:effectStyle>
-        <a:effectStyle>
-          <a:effectLst>
-            <a:outerShdw blurRad="40000" dist="23000" dir="5400000" rotWithShape="0">
-              <a:srgbClr val="000000">
-                <a:alpha val="35000"/>
-              </a:srgbClr>
-            </a:outerShdw>
-          </a:effectLst>
-          <a:scene3d>
-            <a:camera prst="orthographicFront">
-              <a:rot lat="0" lon="0" rev="0"/>
-            </a:camera>
-            <a:lightRig rig="threePt" dir="t">
-              <a:rot lat="0" lon="0" rev="1200000"/>
-            </a:lightRig>
-          </a:scene3d>
-          <a:sp3d>
-            <a:bevelT w="63500" h="25400"/>
-          </a:sp3d>
-        </a:effectStyle>
-      </a:effectStyleLst>
-      <a:bgFillStyleLst>
-        <a:solidFill>
-          <a:schemeClr val="phClr"/>
-        </a:solidFill>
-        <a:gradFill rotWithShape="1">
-          <a:gsLst>
-            <a:gs pos="0">
-              <a:schemeClr val="phClr">
-                <a:tint val="40000"/>
-                <a:satMod val="350000"/>
-              </a:schemeClr>
-            </a:gs>
-            <a:gs pos="40000">
-              <a:schemeClr val="phClr">
-                <a:tint val="45000"/>
-                <a:shade val="99000"/>
-                <a:satMod val="350000"/>
-              </a:schemeClr>
-            </a:gs>
-            <a:gs pos="100000">
-              <a:schemeClr val="phClr">
-                <a:shade val="20000"/>
-                <a:satMod val="255000"/>
-              </a:schemeClr>
-            </a:gs>
-          </a:gsLst>
-          <a:path path="circle">
-            <a:fillToRect l="50000" t="-80000" r="50000" b="180000"/>
-          </a:path>
-        </a:gradFill>
-        <a:gradFill rotWithShape="1">
-          <a:gsLst>
-            <a:gs pos="0">
-              <a:schemeClr val="phClr">
-                <a:tint val="80000"/>
-                <a:satMod val="300000"/>
-              </a:schemeClr>
-            </a:gs>
-            <a:gs pos="100000">
-              <a:schemeClr val="phClr">
-                <a:shade val="30000"/>
-                <a:satMod val="200000"/>
-              </a:schemeClr>
-            </a:gs>
-          </a:gsLst>
-          <a:path path="circle">
-            <a:fillToRect l="50000" t="50000" r="50000" b="50000"/>
-          </a:path>
-        </a:gradFill>
-      </a:bgFillStyleLst>
-    </a:fmtScheme>
-  </a:themeElements>
+  <a:objectDefaults/>
+  <a:extraClrSchemeLst/>
 </a:theme>
 </file>